--- a/classes/Aula 3-Backend-Startup - Camada model - Gerar BD.pptx
+++ b/classes/Aula 3-Backend-Startup - Camada model - Gerar BD.pptx
@@ -28,15 +28,23 @@
     <p:sldId id="272" r:id="rId22"/>
     <p:sldId id="273" r:id="rId23"/>
     <p:sldId id="286" r:id="rId24"/>
-    <p:sldId id="288" r:id="rId25"/>
-    <p:sldId id="290" r:id="rId26"/>
-    <p:sldId id="291" r:id="rId27"/>
-    <p:sldId id="292" r:id="rId28"/>
-    <p:sldId id="289" r:id="rId29"/>
-    <p:sldId id="293" r:id="rId30"/>
-    <p:sldId id="294" r:id="rId31"/>
-    <p:sldId id="295" r:id="rId32"/>
-    <p:sldId id="287" r:id="rId33"/>
+    <p:sldId id="297" r:id="rId25"/>
+    <p:sldId id="288" r:id="rId26"/>
+    <p:sldId id="290" r:id="rId27"/>
+    <p:sldId id="291" r:id="rId28"/>
+    <p:sldId id="292" r:id="rId29"/>
+    <p:sldId id="289" r:id="rId30"/>
+    <p:sldId id="293" r:id="rId31"/>
+    <p:sldId id="294" r:id="rId32"/>
+    <p:sldId id="295" r:id="rId33"/>
+    <p:sldId id="296" r:id="rId34"/>
+    <p:sldId id="298" r:id="rId35"/>
+    <p:sldId id="299" r:id="rId36"/>
+    <p:sldId id="300" r:id="rId37"/>
+    <p:sldId id="301" r:id="rId38"/>
+    <p:sldId id="302" r:id="rId39"/>
+    <p:sldId id="303" r:id="rId40"/>
+    <p:sldId id="304" r:id="rId41"/>
   </p:sldIdLst>
   <p:sldSz cx="12192000" cy="6858000"/>
   <p:notesSz cx="6858000" cy="9144000"/>
@@ -173,7 +181,7 @@
           <p:cNvPr id="2" name="Título 1">
             <a:extLst>
               <a:ext uri="{FF2B5EF4-FFF2-40B4-BE49-F238E27FC236}">
-                <a16:creationId xmlns:a16="http://schemas.microsoft.com/office/drawing/2014/main" id="{EA822725-6070-42EA-8EFE-66106394D945}"/>
+                <a16:creationId xmlns:a16="http://schemas.microsoft.com/office/drawing/2014/main" xmlns="" id="{EA822725-6070-42EA-8EFE-66106394D945}"/>
               </a:ext>
             </a:extLst>
           </p:cNvPr>
@@ -210,7 +218,7 @@
           <p:cNvPr id="3" name="Subtítulo 2">
             <a:extLst>
               <a:ext uri="{FF2B5EF4-FFF2-40B4-BE49-F238E27FC236}">
-                <a16:creationId xmlns:a16="http://schemas.microsoft.com/office/drawing/2014/main" id="{5FB46910-86AC-4F25-B137-AD58C8DEE1E7}"/>
+                <a16:creationId xmlns:a16="http://schemas.microsoft.com/office/drawing/2014/main" xmlns="" id="{5FB46910-86AC-4F25-B137-AD58C8DEE1E7}"/>
               </a:ext>
             </a:extLst>
           </p:cNvPr>
@@ -280,7 +288,7 @@
           <p:cNvPr id="4" name="Espaço Reservado para Data 3">
             <a:extLst>
               <a:ext uri="{FF2B5EF4-FFF2-40B4-BE49-F238E27FC236}">
-                <a16:creationId xmlns:a16="http://schemas.microsoft.com/office/drawing/2014/main" id="{017BC0D0-58A4-4C14-A1A9-7DF349D8A096}"/>
+                <a16:creationId xmlns:a16="http://schemas.microsoft.com/office/drawing/2014/main" xmlns="" id="{017BC0D0-58A4-4C14-A1A9-7DF349D8A096}"/>
               </a:ext>
             </a:extLst>
           </p:cNvPr>
@@ -298,7 +306,7 @@
           <a:p>
             <a:fld id="{3EFC03A7-E79E-49F7-9979-6589F9D767B2}" type="datetimeFigureOut">
               <a:rPr lang="pt-BR" smtClean="0"/>
-              <a:t>08/01/2020</a:t>
+              <a:t>13/01/2020</a:t>
             </a:fld>
             <a:endParaRPr lang="pt-BR"/>
           </a:p>
@@ -309,7 +317,7 @@
           <p:cNvPr id="5" name="Espaço Reservado para Rodapé 4">
             <a:extLst>
               <a:ext uri="{FF2B5EF4-FFF2-40B4-BE49-F238E27FC236}">
-                <a16:creationId xmlns:a16="http://schemas.microsoft.com/office/drawing/2014/main" id="{ED43D10A-C783-410D-9095-26BE9E021792}"/>
+                <a16:creationId xmlns:a16="http://schemas.microsoft.com/office/drawing/2014/main" xmlns="" id="{ED43D10A-C783-410D-9095-26BE9E021792}"/>
               </a:ext>
             </a:extLst>
           </p:cNvPr>
@@ -334,7 +342,7 @@
           <p:cNvPr id="6" name="Espaço Reservado para Número de Slide 5">
             <a:extLst>
               <a:ext uri="{FF2B5EF4-FFF2-40B4-BE49-F238E27FC236}">
-                <a16:creationId xmlns:a16="http://schemas.microsoft.com/office/drawing/2014/main" id="{7533D4D3-A32A-457F-AD78-6B51E212A003}"/>
+                <a16:creationId xmlns:a16="http://schemas.microsoft.com/office/drawing/2014/main" xmlns="" id="{7533D4D3-A32A-457F-AD78-6B51E212A003}"/>
               </a:ext>
             </a:extLst>
           </p:cNvPr>
@@ -393,7 +401,7 @@
           <p:cNvPr id="2" name="Título 1">
             <a:extLst>
               <a:ext uri="{FF2B5EF4-FFF2-40B4-BE49-F238E27FC236}">
-                <a16:creationId xmlns:a16="http://schemas.microsoft.com/office/drawing/2014/main" id="{2193F265-D4F2-4F42-953F-1A8D994AD8F7}"/>
+                <a16:creationId xmlns:a16="http://schemas.microsoft.com/office/drawing/2014/main" xmlns="" id="{2193F265-D4F2-4F42-953F-1A8D994AD8F7}"/>
               </a:ext>
             </a:extLst>
           </p:cNvPr>
@@ -421,7 +429,7 @@
           <p:cNvPr id="3" name="Espaço Reservado para Texto Vertical 2">
             <a:extLst>
               <a:ext uri="{FF2B5EF4-FFF2-40B4-BE49-F238E27FC236}">
-                <a16:creationId xmlns:a16="http://schemas.microsoft.com/office/drawing/2014/main" id="{E0881188-7045-4035-AE32-5E7C2D76703A}"/>
+                <a16:creationId xmlns:a16="http://schemas.microsoft.com/office/drawing/2014/main" xmlns="" id="{E0881188-7045-4035-AE32-5E7C2D76703A}"/>
               </a:ext>
             </a:extLst>
           </p:cNvPr>
@@ -478,7 +486,7 @@
           <p:cNvPr id="4" name="Espaço Reservado para Data 3">
             <a:extLst>
               <a:ext uri="{FF2B5EF4-FFF2-40B4-BE49-F238E27FC236}">
-                <a16:creationId xmlns:a16="http://schemas.microsoft.com/office/drawing/2014/main" id="{8D553364-D67B-4E30-9E7E-7CC1192C6F9E}"/>
+                <a16:creationId xmlns:a16="http://schemas.microsoft.com/office/drawing/2014/main" xmlns="" id="{8D553364-D67B-4E30-9E7E-7CC1192C6F9E}"/>
               </a:ext>
             </a:extLst>
           </p:cNvPr>
@@ -496,7 +504,7 @@
           <a:p>
             <a:fld id="{3EFC03A7-E79E-49F7-9979-6589F9D767B2}" type="datetimeFigureOut">
               <a:rPr lang="pt-BR" smtClean="0"/>
-              <a:t>08/01/2020</a:t>
+              <a:t>13/01/2020</a:t>
             </a:fld>
             <a:endParaRPr lang="pt-BR"/>
           </a:p>
@@ -507,7 +515,7 @@
           <p:cNvPr id="5" name="Espaço Reservado para Rodapé 4">
             <a:extLst>
               <a:ext uri="{FF2B5EF4-FFF2-40B4-BE49-F238E27FC236}">
-                <a16:creationId xmlns:a16="http://schemas.microsoft.com/office/drawing/2014/main" id="{D6980372-CBB6-4A0F-8727-06CE13A07DAB}"/>
+                <a16:creationId xmlns:a16="http://schemas.microsoft.com/office/drawing/2014/main" xmlns="" id="{D6980372-CBB6-4A0F-8727-06CE13A07DAB}"/>
               </a:ext>
             </a:extLst>
           </p:cNvPr>
@@ -532,7 +540,7 @@
           <p:cNvPr id="6" name="Espaço Reservado para Número de Slide 5">
             <a:extLst>
               <a:ext uri="{FF2B5EF4-FFF2-40B4-BE49-F238E27FC236}">
-                <a16:creationId xmlns:a16="http://schemas.microsoft.com/office/drawing/2014/main" id="{EE72EAC3-78F8-4544-8AE5-C17EF812585D}"/>
+                <a16:creationId xmlns:a16="http://schemas.microsoft.com/office/drawing/2014/main" xmlns="" id="{EE72EAC3-78F8-4544-8AE5-C17EF812585D}"/>
               </a:ext>
             </a:extLst>
           </p:cNvPr>
@@ -591,7 +599,7 @@
           <p:cNvPr id="2" name="Título Vertical 1">
             <a:extLst>
               <a:ext uri="{FF2B5EF4-FFF2-40B4-BE49-F238E27FC236}">
-                <a16:creationId xmlns:a16="http://schemas.microsoft.com/office/drawing/2014/main" id="{54192E97-B9A1-461E-AF7C-AFF741EEC911}"/>
+                <a16:creationId xmlns:a16="http://schemas.microsoft.com/office/drawing/2014/main" xmlns="" id="{54192E97-B9A1-461E-AF7C-AFF741EEC911}"/>
               </a:ext>
             </a:extLst>
           </p:cNvPr>
@@ -624,7 +632,7 @@
           <p:cNvPr id="3" name="Espaço Reservado para Texto Vertical 2">
             <a:extLst>
               <a:ext uri="{FF2B5EF4-FFF2-40B4-BE49-F238E27FC236}">
-                <a16:creationId xmlns:a16="http://schemas.microsoft.com/office/drawing/2014/main" id="{670639F6-ECC7-4C53-B30A-B16887BFF0FD}"/>
+                <a16:creationId xmlns:a16="http://schemas.microsoft.com/office/drawing/2014/main" xmlns="" id="{670639F6-ECC7-4C53-B30A-B16887BFF0FD}"/>
               </a:ext>
             </a:extLst>
           </p:cNvPr>
@@ -686,7 +694,7 @@
           <p:cNvPr id="4" name="Espaço Reservado para Data 3">
             <a:extLst>
               <a:ext uri="{FF2B5EF4-FFF2-40B4-BE49-F238E27FC236}">
-                <a16:creationId xmlns:a16="http://schemas.microsoft.com/office/drawing/2014/main" id="{2D4DF8A7-D15C-4073-B836-D292C11CCFB2}"/>
+                <a16:creationId xmlns:a16="http://schemas.microsoft.com/office/drawing/2014/main" xmlns="" id="{2D4DF8A7-D15C-4073-B836-D292C11CCFB2}"/>
               </a:ext>
             </a:extLst>
           </p:cNvPr>
@@ -704,7 +712,7 @@
           <a:p>
             <a:fld id="{3EFC03A7-E79E-49F7-9979-6589F9D767B2}" type="datetimeFigureOut">
               <a:rPr lang="pt-BR" smtClean="0"/>
-              <a:t>08/01/2020</a:t>
+              <a:t>13/01/2020</a:t>
             </a:fld>
             <a:endParaRPr lang="pt-BR"/>
           </a:p>
@@ -715,7 +723,7 @@
           <p:cNvPr id="5" name="Espaço Reservado para Rodapé 4">
             <a:extLst>
               <a:ext uri="{FF2B5EF4-FFF2-40B4-BE49-F238E27FC236}">
-                <a16:creationId xmlns:a16="http://schemas.microsoft.com/office/drawing/2014/main" id="{59739F33-582B-464F-8DA2-A57E4F23390D}"/>
+                <a16:creationId xmlns:a16="http://schemas.microsoft.com/office/drawing/2014/main" xmlns="" id="{59739F33-582B-464F-8DA2-A57E4F23390D}"/>
               </a:ext>
             </a:extLst>
           </p:cNvPr>
@@ -740,7 +748,7 @@
           <p:cNvPr id="6" name="Espaço Reservado para Número de Slide 5">
             <a:extLst>
               <a:ext uri="{FF2B5EF4-FFF2-40B4-BE49-F238E27FC236}">
-                <a16:creationId xmlns:a16="http://schemas.microsoft.com/office/drawing/2014/main" id="{3D2CE396-BF98-472C-9C87-8CE9F43AC677}"/>
+                <a16:creationId xmlns:a16="http://schemas.microsoft.com/office/drawing/2014/main" xmlns="" id="{3D2CE396-BF98-472C-9C87-8CE9F43AC677}"/>
               </a:ext>
             </a:extLst>
           </p:cNvPr>
@@ -799,7 +807,7 @@
           <p:cNvPr id="2" name="Título 1">
             <a:extLst>
               <a:ext uri="{FF2B5EF4-FFF2-40B4-BE49-F238E27FC236}">
-                <a16:creationId xmlns:a16="http://schemas.microsoft.com/office/drawing/2014/main" id="{4DAF42DB-A5DF-4E22-883B-06FFA4666C1D}"/>
+                <a16:creationId xmlns:a16="http://schemas.microsoft.com/office/drawing/2014/main" xmlns="" id="{4DAF42DB-A5DF-4E22-883B-06FFA4666C1D}"/>
               </a:ext>
             </a:extLst>
           </p:cNvPr>
@@ -827,7 +835,7 @@
           <p:cNvPr id="3" name="Espaço Reservado para Conteúdo 2">
             <a:extLst>
               <a:ext uri="{FF2B5EF4-FFF2-40B4-BE49-F238E27FC236}">
-                <a16:creationId xmlns:a16="http://schemas.microsoft.com/office/drawing/2014/main" id="{56B67EC0-FDEF-444F-B0C4-E36A7177D5F0}"/>
+                <a16:creationId xmlns:a16="http://schemas.microsoft.com/office/drawing/2014/main" xmlns="" id="{56B67EC0-FDEF-444F-B0C4-E36A7177D5F0}"/>
               </a:ext>
             </a:extLst>
           </p:cNvPr>
@@ -884,7 +892,7 @@
           <p:cNvPr id="4" name="Espaço Reservado para Data 3">
             <a:extLst>
               <a:ext uri="{FF2B5EF4-FFF2-40B4-BE49-F238E27FC236}">
-                <a16:creationId xmlns:a16="http://schemas.microsoft.com/office/drawing/2014/main" id="{2CD78594-933E-4FF7-883C-BF923007EC90}"/>
+                <a16:creationId xmlns:a16="http://schemas.microsoft.com/office/drawing/2014/main" xmlns="" id="{2CD78594-933E-4FF7-883C-BF923007EC90}"/>
               </a:ext>
             </a:extLst>
           </p:cNvPr>
@@ -902,7 +910,7 @@
           <a:p>
             <a:fld id="{3EFC03A7-E79E-49F7-9979-6589F9D767B2}" type="datetimeFigureOut">
               <a:rPr lang="pt-BR" smtClean="0"/>
-              <a:t>08/01/2020</a:t>
+              <a:t>13/01/2020</a:t>
             </a:fld>
             <a:endParaRPr lang="pt-BR"/>
           </a:p>
@@ -913,7 +921,7 @@
           <p:cNvPr id="5" name="Espaço Reservado para Rodapé 4">
             <a:extLst>
               <a:ext uri="{FF2B5EF4-FFF2-40B4-BE49-F238E27FC236}">
-                <a16:creationId xmlns:a16="http://schemas.microsoft.com/office/drawing/2014/main" id="{E8969DC2-9030-4C9B-A36D-390808A60058}"/>
+                <a16:creationId xmlns:a16="http://schemas.microsoft.com/office/drawing/2014/main" xmlns="" id="{E8969DC2-9030-4C9B-A36D-390808A60058}"/>
               </a:ext>
             </a:extLst>
           </p:cNvPr>
@@ -938,7 +946,7 @@
           <p:cNvPr id="6" name="Espaço Reservado para Número de Slide 5">
             <a:extLst>
               <a:ext uri="{FF2B5EF4-FFF2-40B4-BE49-F238E27FC236}">
-                <a16:creationId xmlns:a16="http://schemas.microsoft.com/office/drawing/2014/main" id="{23DE38F4-BDBD-47A5-902E-4BF891A7B82F}"/>
+                <a16:creationId xmlns:a16="http://schemas.microsoft.com/office/drawing/2014/main" xmlns="" id="{23DE38F4-BDBD-47A5-902E-4BF891A7B82F}"/>
               </a:ext>
             </a:extLst>
           </p:cNvPr>
@@ -997,7 +1005,7 @@
           <p:cNvPr id="2" name="Título 1">
             <a:extLst>
               <a:ext uri="{FF2B5EF4-FFF2-40B4-BE49-F238E27FC236}">
-                <a16:creationId xmlns:a16="http://schemas.microsoft.com/office/drawing/2014/main" id="{C7C4B477-E880-4524-9C16-CDCD802D95BA}"/>
+                <a16:creationId xmlns:a16="http://schemas.microsoft.com/office/drawing/2014/main" xmlns="" id="{C7C4B477-E880-4524-9C16-CDCD802D95BA}"/>
               </a:ext>
             </a:extLst>
           </p:cNvPr>
@@ -1034,7 +1042,7 @@
           <p:cNvPr id="3" name="Espaço Reservado para Texto 2">
             <a:extLst>
               <a:ext uri="{FF2B5EF4-FFF2-40B4-BE49-F238E27FC236}">
-                <a16:creationId xmlns:a16="http://schemas.microsoft.com/office/drawing/2014/main" id="{D7C5177E-2327-494A-AAF1-804288FCA0D8}"/>
+                <a16:creationId xmlns:a16="http://schemas.microsoft.com/office/drawing/2014/main" xmlns="" id="{D7C5177E-2327-494A-AAF1-804288FCA0D8}"/>
               </a:ext>
             </a:extLst>
           </p:cNvPr>
@@ -1159,7 +1167,7 @@
           <p:cNvPr id="4" name="Espaço Reservado para Data 3">
             <a:extLst>
               <a:ext uri="{FF2B5EF4-FFF2-40B4-BE49-F238E27FC236}">
-                <a16:creationId xmlns:a16="http://schemas.microsoft.com/office/drawing/2014/main" id="{4912CFCC-110A-4775-987C-17A6DD2BA856}"/>
+                <a16:creationId xmlns:a16="http://schemas.microsoft.com/office/drawing/2014/main" xmlns="" id="{4912CFCC-110A-4775-987C-17A6DD2BA856}"/>
               </a:ext>
             </a:extLst>
           </p:cNvPr>
@@ -1177,7 +1185,7 @@
           <a:p>
             <a:fld id="{3EFC03A7-E79E-49F7-9979-6589F9D767B2}" type="datetimeFigureOut">
               <a:rPr lang="pt-BR" smtClean="0"/>
-              <a:t>08/01/2020</a:t>
+              <a:t>13/01/2020</a:t>
             </a:fld>
             <a:endParaRPr lang="pt-BR"/>
           </a:p>
@@ -1188,7 +1196,7 @@
           <p:cNvPr id="5" name="Espaço Reservado para Rodapé 4">
             <a:extLst>
               <a:ext uri="{FF2B5EF4-FFF2-40B4-BE49-F238E27FC236}">
-                <a16:creationId xmlns:a16="http://schemas.microsoft.com/office/drawing/2014/main" id="{AE244F4B-61EA-4AFF-8989-8FD476B4B0B1}"/>
+                <a16:creationId xmlns:a16="http://schemas.microsoft.com/office/drawing/2014/main" xmlns="" id="{AE244F4B-61EA-4AFF-8989-8FD476B4B0B1}"/>
               </a:ext>
             </a:extLst>
           </p:cNvPr>
@@ -1213,7 +1221,7 @@
           <p:cNvPr id="6" name="Espaço Reservado para Número de Slide 5">
             <a:extLst>
               <a:ext uri="{FF2B5EF4-FFF2-40B4-BE49-F238E27FC236}">
-                <a16:creationId xmlns:a16="http://schemas.microsoft.com/office/drawing/2014/main" id="{924C7C4B-E98C-44E5-BC91-4A83B7BAC0FA}"/>
+                <a16:creationId xmlns:a16="http://schemas.microsoft.com/office/drawing/2014/main" xmlns="" id="{924C7C4B-E98C-44E5-BC91-4A83B7BAC0FA}"/>
               </a:ext>
             </a:extLst>
           </p:cNvPr>
@@ -1272,7 +1280,7 @@
           <p:cNvPr id="2" name="Título 1">
             <a:extLst>
               <a:ext uri="{FF2B5EF4-FFF2-40B4-BE49-F238E27FC236}">
-                <a16:creationId xmlns:a16="http://schemas.microsoft.com/office/drawing/2014/main" id="{AA253220-C2AE-4288-BD20-C864CA9DB378}"/>
+                <a16:creationId xmlns:a16="http://schemas.microsoft.com/office/drawing/2014/main" xmlns="" id="{AA253220-C2AE-4288-BD20-C864CA9DB378}"/>
               </a:ext>
             </a:extLst>
           </p:cNvPr>
@@ -1300,7 +1308,7 @@
           <p:cNvPr id="3" name="Espaço Reservado para Conteúdo 2">
             <a:extLst>
               <a:ext uri="{FF2B5EF4-FFF2-40B4-BE49-F238E27FC236}">
-                <a16:creationId xmlns:a16="http://schemas.microsoft.com/office/drawing/2014/main" id="{1229736E-DAD3-4B11-96F2-98DFEAEA6818}"/>
+                <a16:creationId xmlns:a16="http://schemas.microsoft.com/office/drawing/2014/main" xmlns="" id="{1229736E-DAD3-4B11-96F2-98DFEAEA6818}"/>
               </a:ext>
             </a:extLst>
           </p:cNvPr>
@@ -1362,7 +1370,7 @@
           <p:cNvPr id="4" name="Espaço Reservado para Conteúdo 3">
             <a:extLst>
               <a:ext uri="{FF2B5EF4-FFF2-40B4-BE49-F238E27FC236}">
-                <a16:creationId xmlns:a16="http://schemas.microsoft.com/office/drawing/2014/main" id="{FD856B41-9F9A-4A70-8F87-457A7B9CC6E2}"/>
+                <a16:creationId xmlns:a16="http://schemas.microsoft.com/office/drawing/2014/main" xmlns="" id="{FD856B41-9F9A-4A70-8F87-457A7B9CC6E2}"/>
               </a:ext>
             </a:extLst>
           </p:cNvPr>
@@ -1424,7 +1432,7 @@
           <p:cNvPr id="5" name="Espaço Reservado para Data 4">
             <a:extLst>
               <a:ext uri="{FF2B5EF4-FFF2-40B4-BE49-F238E27FC236}">
-                <a16:creationId xmlns:a16="http://schemas.microsoft.com/office/drawing/2014/main" id="{2F17470C-9E47-4F6B-85D1-619E76273FF2}"/>
+                <a16:creationId xmlns:a16="http://schemas.microsoft.com/office/drawing/2014/main" xmlns="" id="{2F17470C-9E47-4F6B-85D1-619E76273FF2}"/>
               </a:ext>
             </a:extLst>
           </p:cNvPr>
@@ -1442,7 +1450,7 @@
           <a:p>
             <a:fld id="{3EFC03A7-E79E-49F7-9979-6589F9D767B2}" type="datetimeFigureOut">
               <a:rPr lang="pt-BR" smtClean="0"/>
-              <a:t>08/01/2020</a:t>
+              <a:t>13/01/2020</a:t>
             </a:fld>
             <a:endParaRPr lang="pt-BR"/>
           </a:p>
@@ -1453,7 +1461,7 @@
           <p:cNvPr id="6" name="Espaço Reservado para Rodapé 5">
             <a:extLst>
               <a:ext uri="{FF2B5EF4-FFF2-40B4-BE49-F238E27FC236}">
-                <a16:creationId xmlns:a16="http://schemas.microsoft.com/office/drawing/2014/main" id="{AC9B85F7-A7EE-43D1-B8BF-4899CBC96AE4}"/>
+                <a16:creationId xmlns:a16="http://schemas.microsoft.com/office/drawing/2014/main" xmlns="" id="{AC9B85F7-A7EE-43D1-B8BF-4899CBC96AE4}"/>
               </a:ext>
             </a:extLst>
           </p:cNvPr>
@@ -1478,7 +1486,7 @@
           <p:cNvPr id="7" name="Espaço Reservado para Número de Slide 6">
             <a:extLst>
               <a:ext uri="{FF2B5EF4-FFF2-40B4-BE49-F238E27FC236}">
-                <a16:creationId xmlns:a16="http://schemas.microsoft.com/office/drawing/2014/main" id="{AFE14FDE-4A6D-487D-AB09-B29A76A1D4B3}"/>
+                <a16:creationId xmlns:a16="http://schemas.microsoft.com/office/drawing/2014/main" xmlns="" id="{AFE14FDE-4A6D-487D-AB09-B29A76A1D4B3}"/>
               </a:ext>
             </a:extLst>
           </p:cNvPr>
@@ -1537,7 +1545,7 @@
           <p:cNvPr id="2" name="Título 1">
             <a:extLst>
               <a:ext uri="{FF2B5EF4-FFF2-40B4-BE49-F238E27FC236}">
-                <a16:creationId xmlns:a16="http://schemas.microsoft.com/office/drawing/2014/main" id="{983792E8-BD43-4D9C-876C-5D9616C1BFFC}"/>
+                <a16:creationId xmlns:a16="http://schemas.microsoft.com/office/drawing/2014/main" xmlns="" id="{983792E8-BD43-4D9C-876C-5D9616C1BFFC}"/>
               </a:ext>
             </a:extLst>
           </p:cNvPr>
@@ -1570,7 +1578,7 @@
           <p:cNvPr id="3" name="Espaço Reservado para Texto 2">
             <a:extLst>
               <a:ext uri="{FF2B5EF4-FFF2-40B4-BE49-F238E27FC236}">
-                <a16:creationId xmlns:a16="http://schemas.microsoft.com/office/drawing/2014/main" id="{34779F4F-BB29-4AEF-B916-6872D49F7DB1}"/>
+                <a16:creationId xmlns:a16="http://schemas.microsoft.com/office/drawing/2014/main" xmlns="" id="{34779F4F-BB29-4AEF-B916-6872D49F7DB1}"/>
               </a:ext>
             </a:extLst>
           </p:cNvPr>
@@ -1641,7 +1649,7 @@
           <p:cNvPr id="4" name="Espaço Reservado para Conteúdo 3">
             <a:extLst>
               <a:ext uri="{FF2B5EF4-FFF2-40B4-BE49-F238E27FC236}">
-                <a16:creationId xmlns:a16="http://schemas.microsoft.com/office/drawing/2014/main" id="{9E5DAC7B-BD56-4736-B919-ABE20B9A73A0}"/>
+                <a16:creationId xmlns:a16="http://schemas.microsoft.com/office/drawing/2014/main" xmlns="" id="{9E5DAC7B-BD56-4736-B919-ABE20B9A73A0}"/>
               </a:ext>
             </a:extLst>
           </p:cNvPr>
@@ -1703,7 +1711,7 @@
           <p:cNvPr id="5" name="Espaço Reservado para Texto 4">
             <a:extLst>
               <a:ext uri="{FF2B5EF4-FFF2-40B4-BE49-F238E27FC236}">
-                <a16:creationId xmlns:a16="http://schemas.microsoft.com/office/drawing/2014/main" id="{029C2769-79FE-405C-83C2-C70CFC712FE2}"/>
+                <a16:creationId xmlns:a16="http://schemas.microsoft.com/office/drawing/2014/main" xmlns="" id="{029C2769-79FE-405C-83C2-C70CFC712FE2}"/>
               </a:ext>
             </a:extLst>
           </p:cNvPr>
@@ -1774,7 +1782,7 @@
           <p:cNvPr id="6" name="Espaço Reservado para Conteúdo 5">
             <a:extLst>
               <a:ext uri="{FF2B5EF4-FFF2-40B4-BE49-F238E27FC236}">
-                <a16:creationId xmlns:a16="http://schemas.microsoft.com/office/drawing/2014/main" id="{595332C7-79A2-4AF2-82D6-26395A8BE83B}"/>
+                <a16:creationId xmlns:a16="http://schemas.microsoft.com/office/drawing/2014/main" xmlns="" id="{595332C7-79A2-4AF2-82D6-26395A8BE83B}"/>
               </a:ext>
             </a:extLst>
           </p:cNvPr>
@@ -1836,7 +1844,7 @@
           <p:cNvPr id="7" name="Espaço Reservado para Data 6">
             <a:extLst>
               <a:ext uri="{FF2B5EF4-FFF2-40B4-BE49-F238E27FC236}">
-                <a16:creationId xmlns:a16="http://schemas.microsoft.com/office/drawing/2014/main" id="{140612A5-905D-45BB-83A4-11931EBB8C3E}"/>
+                <a16:creationId xmlns:a16="http://schemas.microsoft.com/office/drawing/2014/main" xmlns="" id="{140612A5-905D-45BB-83A4-11931EBB8C3E}"/>
               </a:ext>
             </a:extLst>
           </p:cNvPr>
@@ -1854,7 +1862,7 @@
           <a:p>
             <a:fld id="{3EFC03A7-E79E-49F7-9979-6589F9D767B2}" type="datetimeFigureOut">
               <a:rPr lang="pt-BR" smtClean="0"/>
-              <a:t>08/01/2020</a:t>
+              <a:t>13/01/2020</a:t>
             </a:fld>
             <a:endParaRPr lang="pt-BR"/>
           </a:p>
@@ -1865,7 +1873,7 @@
           <p:cNvPr id="8" name="Espaço Reservado para Rodapé 7">
             <a:extLst>
               <a:ext uri="{FF2B5EF4-FFF2-40B4-BE49-F238E27FC236}">
-                <a16:creationId xmlns:a16="http://schemas.microsoft.com/office/drawing/2014/main" id="{C0C6EA53-593D-4F09-BBA4-51F903A26A8B}"/>
+                <a16:creationId xmlns:a16="http://schemas.microsoft.com/office/drawing/2014/main" xmlns="" id="{C0C6EA53-593D-4F09-BBA4-51F903A26A8B}"/>
               </a:ext>
             </a:extLst>
           </p:cNvPr>
@@ -1890,7 +1898,7 @@
           <p:cNvPr id="9" name="Espaço Reservado para Número de Slide 8">
             <a:extLst>
               <a:ext uri="{FF2B5EF4-FFF2-40B4-BE49-F238E27FC236}">
-                <a16:creationId xmlns:a16="http://schemas.microsoft.com/office/drawing/2014/main" id="{92160B1E-7074-48CD-9B83-E60279361AF1}"/>
+                <a16:creationId xmlns:a16="http://schemas.microsoft.com/office/drawing/2014/main" xmlns="" id="{92160B1E-7074-48CD-9B83-E60279361AF1}"/>
               </a:ext>
             </a:extLst>
           </p:cNvPr>
@@ -1949,7 +1957,7 @@
           <p:cNvPr id="2" name="Título 1">
             <a:extLst>
               <a:ext uri="{FF2B5EF4-FFF2-40B4-BE49-F238E27FC236}">
-                <a16:creationId xmlns:a16="http://schemas.microsoft.com/office/drawing/2014/main" id="{50FC3803-E1D0-40F2-95A8-10CE6F6914FB}"/>
+                <a16:creationId xmlns:a16="http://schemas.microsoft.com/office/drawing/2014/main" xmlns="" id="{50FC3803-E1D0-40F2-95A8-10CE6F6914FB}"/>
               </a:ext>
             </a:extLst>
           </p:cNvPr>
@@ -1977,7 +1985,7 @@
           <p:cNvPr id="3" name="Espaço Reservado para Data 2">
             <a:extLst>
               <a:ext uri="{FF2B5EF4-FFF2-40B4-BE49-F238E27FC236}">
-                <a16:creationId xmlns:a16="http://schemas.microsoft.com/office/drawing/2014/main" id="{56F64BBB-138E-450C-8745-CBEE90D9F983}"/>
+                <a16:creationId xmlns:a16="http://schemas.microsoft.com/office/drawing/2014/main" xmlns="" id="{56F64BBB-138E-450C-8745-CBEE90D9F983}"/>
               </a:ext>
             </a:extLst>
           </p:cNvPr>
@@ -1995,7 +2003,7 @@
           <a:p>
             <a:fld id="{3EFC03A7-E79E-49F7-9979-6589F9D767B2}" type="datetimeFigureOut">
               <a:rPr lang="pt-BR" smtClean="0"/>
-              <a:t>08/01/2020</a:t>
+              <a:t>13/01/2020</a:t>
             </a:fld>
             <a:endParaRPr lang="pt-BR"/>
           </a:p>
@@ -2006,7 +2014,7 @@
           <p:cNvPr id="4" name="Espaço Reservado para Rodapé 3">
             <a:extLst>
               <a:ext uri="{FF2B5EF4-FFF2-40B4-BE49-F238E27FC236}">
-                <a16:creationId xmlns:a16="http://schemas.microsoft.com/office/drawing/2014/main" id="{8398FF0E-E475-4666-8C7B-ED03512C2D9B}"/>
+                <a16:creationId xmlns:a16="http://schemas.microsoft.com/office/drawing/2014/main" xmlns="" id="{8398FF0E-E475-4666-8C7B-ED03512C2D9B}"/>
               </a:ext>
             </a:extLst>
           </p:cNvPr>
@@ -2031,7 +2039,7 @@
           <p:cNvPr id="5" name="Espaço Reservado para Número de Slide 4">
             <a:extLst>
               <a:ext uri="{FF2B5EF4-FFF2-40B4-BE49-F238E27FC236}">
-                <a16:creationId xmlns:a16="http://schemas.microsoft.com/office/drawing/2014/main" id="{38F85E18-EA79-4FE1-B4F2-C5B7923AE176}"/>
+                <a16:creationId xmlns:a16="http://schemas.microsoft.com/office/drawing/2014/main" xmlns="" id="{38F85E18-EA79-4FE1-B4F2-C5B7923AE176}"/>
               </a:ext>
             </a:extLst>
           </p:cNvPr>
@@ -2090,7 +2098,7 @@
           <p:cNvPr id="2" name="Espaço Reservado para Data 1">
             <a:extLst>
               <a:ext uri="{FF2B5EF4-FFF2-40B4-BE49-F238E27FC236}">
-                <a16:creationId xmlns:a16="http://schemas.microsoft.com/office/drawing/2014/main" id="{65A8191B-89FC-4853-BCBC-1053876ADE2C}"/>
+                <a16:creationId xmlns:a16="http://schemas.microsoft.com/office/drawing/2014/main" xmlns="" id="{65A8191B-89FC-4853-BCBC-1053876ADE2C}"/>
               </a:ext>
             </a:extLst>
           </p:cNvPr>
@@ -2108,7 +2116,7 @@
           <a:p>
             <a:fld id="{3EFC03A7-E79E-49F7-9979-6589F9D767B2}" type="datetimeFigureOut">
               <a:rPr lang="pt-BR" smtClean="0"/>
-              <a:t>08/01/2020</a:t>
+              <a:t>13/01/2020</a:t>
             </a:fld>
             <a:endParaRPr lang="pt-BR"/>
           </a:p>
@@ -2119,7 +2127,7 @@
           <p:cNvPr id="3" name="Espaço Reservado para Rodapé 2">
             <a:extLst>
               <a:ext uri="{FF2B5EF4-FFF2-40B4-BE49-F238E27FC236}">
-                <a16:creationId xmlns:a16="http://schemas.microsoft.com/office/drawing/2014/main" id="{603FB7B1-5158-49F0-8081-D531FDA75CD9}"/>
+                <a16:creationId xmlns:a16="http://schemas.microsoft.com/office/drawing/2014/main" xmlns="" id="{603FB7B1-5158-49F0-8081-D531FDA75CD9}"/>
               </a:ext>
             </a:extLst>
           </p:cNvPr>
@@ -2144,7 +2152,7 @@
           <p:cNvPr id="4" name="Espaço Reservado para Número de Slide 3">
             <a:extLst>
               <a:ext uri="{FF2B5EF4-FFF2-40B4-BE49-F238E27FC236}">
-                <a16:creationId xmlns:a16="http://schemas.microsoft.com/office/drawing/2014/main" id="{7D3C04FD-379F-4F57-93FB-53A2E73EB637}"/>
+                <a16:creationId xmlns:a16="http://schemas.microsoft.com/office/drawing/2014/main" xmlns="" id="{7D3C04FD-379F-4F57-93FB-53A2E73EB637}"/>
               </a:ext>
             </a:extLst>
           </p:cNvPr>
@@ -2203,7 +2211,7 @@
           <p:cNvPr id="2" name="Título 1">
             <a:extLst>
               <a:ext uri="{FF2B5EF4-FFF2-40B4-BE49-F238E27FC236}">
-                <a16:creationId xmlns:a16="http://schemas.microsoft.com/office/drawing/2014/main" id="{267F9926-54E8-435D-8AD1-2AD9AFB6D401}"/>
+                <a16:creationId xmlns:a16="http://schemas.microsoft.com/office/drawing/2014/main" xmlns="" id="{267F9926-54E8-435D-8AD1-2AD9AFB6D401}"/>
               </a:ext>
             </a:extLst>
           </p:cNvPr>
@@ -2240,7 +2248,7 @@
           <p:cNvPr id="3" name="Espaço Reservado para Conteúdo 2">
             <a:extLst>
               <a:ext uri="{FF2B5EF4-FFF2-40B4-BE49-F238E27FC236}">
-                <a16:creationId xmlns:a16="http://schemas.microsoft.com/office/drawing/2014/main" id="{68268ADE-11FB-4915-8F54-3C5E2F802EF2}"/>
+                <a16:creationId xmlns:a16="http://schemas.microsoft.com/office/drawing/2014/main" xmlns="" id="{68268ADE-11FB-4915-8F54-3C5E2F802EF2}"/>
               </a:ext>
             </a:extLst>
           </p:cNvPr>
@@ -2330,7 +2338,7 @@
           <p:cNvPr id="4" name="Espaço Reservado para Texto 3">
             <a:extLst>
               <a:ext uri="{FF2B5EF4-FFF2-40B4-BE49-F238E27FC236}">
-                <a16:creationId xmlns:a16="http://schemas.microsoft.com/office/drawing/2014/main" id="{28B6EB2F-248C-4824-BBA1-E26C3EC4C030}"/>
+                <a16:creationId xmlns:a16="http://schemas.microsoft.com/office/drawing/2014/main" xmlns="" id="{28B6EB2F-248C-4824-BBA1-E26C3EC4C030}"/>
               </a:ext>
             </a:extLst>
           </p:cNvPr>
@@ -2401,7 +2409,7 @@
           <p:cNvPr id="5" name="Espaço Reservado para Data 4">
             <a:extLst>
               <a:ext uri="{FF2B5EF4-FFF2-40B4-BE49-F238E27FC236}">
-                <a16:creationId xmlns:a16="http://schemas.microsoft.com/office/drawing/2014/main" id="{8D280DF7-2303-4590-91A8-4A31990C052E}"/>
+                <a16:creationId xmlns:a16="http://schemas.microsoft.com/office/drawing/2014/main" xmlns="" id="{8D280DF7-2303-4590-91A8-4A31990C052E}"/>
               </a:ext>
             </a:extLst>
           </p:cNvPr>
@@ -2419,7 +2427,7 @@
           <a:p>
             <a:fld id="{3EFC03A7-E79E-49F7-9979-6589F9D767B2}" type="datetimeFigureOut">
               <a:rPr lang="pt-BR" smtClean="0"/>
-              <a:t>08/01/2020</a:t>
+              <a:t>13/01/2020</a:t>
             </a:fld>
             <a:endParaRPr lang="pt-BR"/>
           </a:p>
@@ -2430,7 +2438,7 @@
           <p:cNvPr id="6" name="Espaço Reservado para Rodapé 5">
             <a:extLst>
               <a:ext uri="{FF2B5EF4-FFF2-40B4-BE49-F238E27FC236}">
-                <a16:creationId xmlns:a16="http://schemas.microsoft.com/office/drawing/2014/main" id="{C69F2FD9-9C54-46E2-98C9-7163DA94E02A}"/>
+                <a16:creationId xmlns:a16="http://schemas.microsoft.com/office/drawing/2014/main" xmlns="" id="{C69F2FD9-9C54-46E2-98C9-7163DA94E02A}"/>
               </a:ext>
             </a:extLst>
           </p:cNvPr>
@@ -2455,7 +2463,7 @@
           <p:cNvPr id="7" name="Espaço Reservado para Número de Slide 6">
             <a:extLst>
               <a:ext uri="{FF2B5EF4-FFF2-40B4-BE49-F238E27FC236}">
-                <a16:creationId xmlns:a16="http://schemas.microsoft.com/office/drawing/2014/main" id="{7A923600-A014-4DA7-931A-1DBDDEC9A0AF}"/>
+                <a16:creationId xmlns:a16="http://schemas.microsoft.com/office/drawing/2014/main" xmlns="" id="{7A923600-A014-4DA7-931A-1DBDDEC9A0AF}"/>
               </a:ext>
             </a:extLst>
           </p:cNvPr>
@@ -2514,7 +2522,7 @@
           <p:cNvPr id="2" name="Título 1">
             <a:extLst>
               <a:ext uri="{FF2B5EF4-FFF2-40B4-BE49-F238E27FC236}">
-                <a16:creationId xmlns:a16="http://schemas.microsoft.com/office/drawing/2014/main" id="{0EDEBF3E-FC9D-4DA4-9BE2-2225B9D19D2B}"/>
+                <a16:creationId xmlns:a16="http://schemas.microsoft.com/office/drawing/2014/main" xmlns="" id="{0EDEBF3E-FC9D-4DA4-9BE2-2225B9D19D2B}"/>
               </a:ext>
             </a:extLst>
           </p:cNvPr>
@@ -2551,7 +2559,7 @@
           <p:cNvPr id="3" name="Espaço Reservado para Imagem 2">
             <a:extLst>
               <a:ext uri="{FF2B5EF4-FFF2-40B4-BE49-F238E27FC236}">
-                <a16:creationId xmlns:a16="http://schemas.microsoft.com/office/drawing/2014/main" id="{59A9F30F-4265-4B8E-9488-840E17367475}"/>
+                <a16:creationId xmlns:a16="http://schemas.microsoft.com/office/drawing/2014/main" xmlns="" id="{59A9F30F-4265-4B8E-9488-840E17367475}"/>
               </a:ext>
             </a:extLst>
           </p:cNvPr>
@@ -2618,7 +2626,7 @@
           <p:cNvPr id="4" name="Espaço Reservado para Texto 3">
             <a:extLst>
               <a:ext uri="{FF2B5EF4-FFF2-40B4-BE49-F238E27FC236}">
-                <a16:creationId xmlns:a16="http://schemas.microsoft.com/office/drawing/2014/main" id="{5FF511BC-8629-47FB-A39A-D31BD761DDD7}"/>
+                <a16:creationId xmlns:a16="http://schemas.microsoft.com/office/drawing/2014/main" xmlns="" id="{5FF511BC-8629-47FB-A39A-D31BD761DDD7}"/>
               </a:ext>
             </a:extLst>
           </p:cNvPr>
@@ -2689,7 +2697,7 @@
           <p:cNvPr id="5" name="Espaço Reservado para Data 4">
             <a:extLst>
               <a:ext uri="{FF2B5EF4-FFF2-40B4-BE49-F238E27FC236}">
-                <a16:creationId xmlns:a16="http://schemas.microsoft.com/office/drawing/2014/main" id="{88F0CC36-6EC9-4EA3-9DA2-019354D8B107}"/>
+                <a16:creationId xmlns:a16="http://schemas.microsoft.com/office/drawing/2014/main" xmlns="" id="{88F0CC36-6EC9-4EA3-9DA2-019354D8B107}"/>
               </a:ext>
             </a:extLst>
           </p:cNvPr>
@@ -2707,7 +2715,7 @@
           <a:p>
             <a:fld id="{3EFC03A7-E79E-49F7-9979-6589F9D767B2}" type="datetimeFigureOut">
               <a:rPr lang="pt-BR" smtClean="0"/>
-              <a:t>08/01/2020</a:t>
+              <a:t>13/01/2020</a:t>
             </a:fld>
             <a:endParaRPr lang="pt-BR"/>
           </a:p>
@@ -2718,7 +2726,7 @@
           <p:cNvPr id="6" name="Espaço Reservado para Rodapé 5">
             <a:extLst>
               <a:ext uri="{FF2B5EF4-FFF2-40B4-BE49-F238E27FC236}">
-                <a16:creationId xmlns:a16="http://schemas.microsoft.com/office/drawing/2014/main" id="{AE0371D9-7D30-4F93-B426-38C4A17A3106}"/>
+                <a16:creationId xmlns:a16="http://schemas.microsoft.com/office/drawing/2014/main" xmlns="" id="{AE0371D9-7D30-4F93-B426-38C4A17A3106}"/>
               </a:ext>
             </a:extLst>
           </p:cNvPr>
@@ -2743,7 +2751,7 @@
           <p:cNvPr id="7" name="Espaço Reservado para Número de Slide 6">
             <a:extLst>
               <a:ext uri="{FF2B5EF4-FFF2-40B4-BE49-F238E27FC236}">
-                <a16:creationId xmlns:a16="http://schemas.microsoft.com/office/drawing/2014/main" id="{70B0ED7D-33E5-4810-BFDB-5E894C10CF12}"/>
+                <a16:creationId xmlns:a16="http://schemas.microsoft.com/office/drawing/2014/main" xmlns="" id="{70B0ED7D-33E5-4810-BFDB-5E894C10CF12}"/>
               </a:ext>
             </a:extLst>
           </p:cNvPr>
@@ -2807,7 +2815,7 @@
           <p:cNvPr id="2" name="Espaço Reservado para Título 1">
             <a:extLst>
               <a:ext uri="{FF2B5EF4-FFF2-40B4-BE49-F238E27FC236}">
-                <a16:creationId xmlns:a16="http://schemas.microsoft.com/office/drawing/2014/main" id="{EFB1373E-993E-4073-8456-2B18569CE3D7}"/>
+                <a16:creationId xmlns:a16="http://schemas.microsoft.com/office/drawing/2014/main" xmlns="" id="{EFB1373E-993E-4073-8456-2B18569CE3D7}"/>
               </a:ext>
             </a:extLst>
           </p:cNvPr>
@@ -2845,7 +2853,7 @@
           <p:cNvPr id="3" name="Espaço Reservado para Texto 2">
             <a:extLst>
               <a:ext uri="{FF2B5EF4-FFF2-40B4-BE49-F238E27FC236}">
-                <a16:creationId xmlns:a16="http://schemas.microsoft.com/office/drawing/2014/main" id="{3FCE38A8-3477-4654-9A3C-3FEF80230624}"/>
+                <a16:creationId xmlns:a16="http://schemas.microsoft.com/office/drawing/2014/main" xmlns="" id="{3FCE38A8-3477-4654-9A3C-3FEF80230624}"/>
               </a:ext>
             </a:extLst>
           </p:cNvPr>
@@ -2912,7 +2920,7 @@
           <p:cNvPr id="4" name="Espaço Reservado para Data 3">
             <a:extLst>
               <a:ext uri="{FF2B5EF4-FFF2-40B4-BE49-F238E27FC236}">
-                <a16:creationId xmlns:a16="http://schemas.microsoft.com/office/drawing/2014/main" id="{8443F385-CAD4-47C0-8CBF-047A410CEDBD}"/>
+                <a16:creationId xmlns:a16="http://schemas.microsoft.com/office/drawing/2014/main" xmlns="" id="{8443F385-CAD4-47C0-8CBF-047A410CEDBD}"/>
               </a:ext>
             </a:extLst>
           </p:cNvPr>
@@ -2948,7 +2956,7 @@
           <a:p>
             <a:fld id="{3EFC03A7-E79E-49F7-9979-6589F9D767B2}" type="datetimeFigureOut">
               <a:rPr lang="pt-BR" smtClean="0"/>
-              <a:t>08/01/2020</a:t>
+              <a:t>13/01/2020</a:t>
             </a:fld>
             <a:endParaRPr lang="pt-BR"/>
           </a:p>
@@ -2959,7 +2967,7 @@
           <p:cNvPr id="5" name="Espaço Reservado para Rodapé 4">
             <a:extLst>
               <a:ext uri="{FF2B5EF4-FFF2-40B4-BE49-F238E27FC236}">
-                <a16:creationId xmlns:a16="http://schemas.microsoft.com/office/drawing/2014/main" id="{E8736987-D6AA-411F-90DE-108E050B207A}"/>
+                <a16:creationId xmlns:a16="http://schemas.microsoft.com/office/drawing/2014/main" xmlns="" id="{E8736987-D6AA-411F-90DE-108E050B207A}"/>
               </a:ext>
             </a:extLst>
           </p:cNvPr>
@@ -3002,7 +3010,7 @@
           <p:cNvPr id="6" name="Espaço Reservado para Número de Slide 5">
             <a:extLst>
               <a:ext uri="{FF2B5EF4-FFF2-40B4-BE49-F238E27FC236}">
-                <a16:creationId xmlns:a16="http://schemas.microsoft.com/office/drawing/2014/main" id="{AC720C26-8210-4891-B6D7-A7CC29393884}"/>
+                <a16:creationId xmlns:a16="http://schemas.microsoft.com/office/drawing/2014/main" xmlns="" id="{AC720C26-8210-4891-B6D7-A7CC29393884}"/>
               </a:ext>
             </a:extLst>
           </p:cNvPr>
@@ -3378,10 +3386,10 @@
           <p:cNvPr id="8" name="Rectangle 7">
             <a:extLst>
               <a:ext uri="{FF2B5EF4-FFF2-40B4-BE49-F238E27FC236}">
-                <a16:creationId xmlns:a16="http://schemas.microsoft.com/office/drawing/2014/main" id="{23962611-DFD5-4092-AAFD-559E3DFCE2C9}"/>
+                <a16:creationId xmlns:a16="http://schemas.microsoft.com/office/drawing/2014/main" xmlns="" id="{23962611-DFD5-4092-AAFD-559E3DFCE2C9}"/>
               </a:ext>
               <a:ext uri="{C183D7F6-B498-43B3-948B-1728B52AA6E4}">
-                <adec:decorative xmlns:adec="http://schemas.microsoft.com/office/drawing/2017/decorative" val="1"/>
+                <adec:decorative xmlns:adec="http://schemas.microsoft.com/office/drawing/2017/decorative" xmlns="" val="1"/>
               </a:ext>
             </a:extLst>
           </p:cNvPr>
@@ -3391,7 +3399,7 @@
           <p:nvPr>
             <p:extLst>
               <p:ext uri="{386F3935-93C4-4BCD-93E2-E3B085C9AB24}">
-                <p16:designElem xmlns:p16="http://schemas.microsoft.com/office/powerpoint/2015/main" val="1"/>
+                <p16:designElem xmlns:p16="http://schemas.microsoft.com/office/powerpoint/2015/main" xmlns="" val="1"/>
               </p:ext>
             </p:extLst>
           </p:nvPr>
@@ -3463,10 +3471,10 @@
           <p:cNvPr id="10" name="Picture 9">
             <a:extLst>
               <a:ext uri="{FF2B5EF4-FFF2-40B4-BE49-F238E27FC236}">
-                <a16:creationId xmlns:a16="http://schemas.microsoft.com/office/drawing/2014/main" id="{2270F1FA-0425-408F-9861-80BF5AFB276D}"/>
+                <a16:creationId xmlns:a16="http://schemas.microsoft.com/office/drawing/2014/main" xmlns="" id="{2270F1FA-0425-408F-9861-80BF5AFB276D}"/>
               </a:ext>
               <a:ext uri="{C183D7F6-B498-43B3-948B-1728B52AA6E4}">
-                <adec:decorative xmlns:adec="http://schemas.microsoft.com/office/drawing/2017/decorative" val="1"/>
+                <adec:decorative xmlns:adec="http://schemas.microsoft.com/office/drawing/2017/decorative" xmlns="" val="1"/>
               </a:ext>
             </a:extLst>
           </p:cNvPr>
@@ -3476,7 +3484,7 @@
           <p:nvPr>
             <p:extLst>
               <p:ext uri="{386F3935-93C4-4BCD-93E2-E3B085C9AB24}">
-                <p16:designElem xmlns:p16="http://schemas.microsoft.com/office/powerpoint/2015/main" val="1"/>
+                <p16:designElem xmlns:p16="http://schemas.microsoft.com/office/powerpoint/2015/main" xmlns="" val="1"/>
               </p:ext>
             </p:extLst>
           </p:nvPr>
@@ -3508,7 +3516,7 @@
           <p:cNvPr id="2" name="Título 1">
             <a:extLst>
               <a:ext uri="{FF2B5EF4-FFF2-40B4-BE49-F238E27FC236}">
-                <a16:creationId xmlns:a16="http://schemas.microsoft.com/office/drawing/2014/main" id="{F433DE4C-F9C7-41FE-8670-7B8793F628D9}"/>
+                <a16:creationId xmlns:a16="http://schemas.microsoft.com/office/drawing/2014/main" xmlns="" id="{F433DE4C-F9C7-41FE-8670-7B8793F628D9}"/>
               </a:ext>
             </a:extLst>
           </p:cNvPr>
@@ -3559,7 +3567,7 @@
           <p:cNvPr id="3" name="Subtítulo 2">
             <a:extLst>
               <a:ext uri="{FF2B5EF4-FFF2-40B4-BE49-F238E27FC236}">
-                <a16:creationId xmlns:a16="http://schemas.microsoft.com/office/drawing/2014/main" id="{2149AEC8-8D90-4141-B856-581B53406992}"/>
+                <a16:creationId xmlns:a16="http://schemas.microsoft.com/office/drawing/2014/main" xmlns="" id="{2149AEC8-8D90-4141-B856-581B53406992}"/>
               </a:ext>
             </a:extLst>
           </p:cNvPr>
@@ -3598,7 +3606,7 @@
           <p:cNvPr id="4" name="AutoShape 2">
             <a:extLst>
               <a:ext uri="{FF2B5EF4-FFF2-40B4-BE49-F238E27FC236}">
-                <a16:creationId xmlns:a16="http://schemas.microsoft.com/office/drawing/2014/main" id="{50F460FD-7263-4B8B-A81E-F7F086B0270F}"/>
+                <a16:creationId xmlns:a16="http://schemas.microsoft.com/office/drawing/2014/main" xmlns="" id="{50F460FD-7263-4B8B-A81E-F7F086B0270F}"/>
               </a:ext>
             </a:extLst>
           </p:cNvPr>
@@ -3676,7 +3684,7 @@
           <p:cNvPr id="3" name="Espaço Reservado para Conteúdo 2">
             <a:extLst>
               <a:ext uri="{FF2B5EF4-FFF2-40B4-BE49-F238E27FC236}">
-                <a16:creationId xmlns:a16="http://schemas.microsoft.com/office/drawing/2014/main" id="{36ABA578-35A9-4AA6-8F1A-9A89E76D6BDC}"/>
+                <a16:creationId xmlns:a16="http://schemas.microsoft.com/office/drawing/2014/main" xmlns="" id="{36ABA578-35A9-4AA6-8F1A-9A89E76D6BDC}"/>
               </a:ext>
             </a:extLst>
           </p:cNvPr>
@@ -3746,7 +3754,7 @@
           <p:cNvPr id="2" name="Título 1">
             <a:extLst>
               <a:ext uri="{FF2B5EF4-FFF2-40B4-BE49-F238E27FC236}">
-                <a16:creationId xmlns:a16="http://schemas.microsoft.com/office/drawing/2014/main" id="{B3ABDC9C-0910-43E6-A4B9-6E6CE54265BA}"/>
+                <a16:creationId xmlns:a16="http://schemas.microsoft.com/office/drawing/2014/main" xmlns="" id="{B3ABDC9C-0910-43E6-A4B9-6E6CE54265BA}"/>
               </a:ext>
             </a:extLst>
           </p:cNvPr>
@@ -3771,7 +3779,7 @@
           <p:cNvPr id="3" name="Espaço Reservado para Conteúdo 2">
             <a:extLst>
               <a:ext uri="{FF2B5EF4-FFF2-40B4-BE49-F238E27FC236}">
-                <a16:creationId xmlns:a16="http://schemas.microsoft.com/office/drawing/2014/main" id="{C05A4935-888F-4EEE-A5B1-15A7964F1569}"/>
+                <a16:creationId xmlns:a16="http://schemas.microsoft.com/office/drawing/2014/main" xmlns="" id="{C05A4935-888F-4EEE-A5B1-15A7964F1569}"/>
               </a:ext>
             </a:extLst>
           </p:cNvPr>
@@ -3796,7 +3804,7 @@
           <p:cNvPr id="6" name="Imagem 5">
             <a:extLst>
               <a:ext uri="{FF2B5EF4-FFF2-40B4-BE49-F238E27FC236}">
-                <a16:creationId xmlns:a16="http://schemas.microsoft.com/office/drawing/2014/main" id="{B526113F-54BF-491C-90CA-6D66F07BBE73}"/>
+                <a16:creationId xmlns:a16="http://schemas.microsoft.com/office/drawing/2014/main" xmlns="" id="{B526113F-54BF-491C-90CA-6D66F07BBE73}"/>
               </a:ext>
             </a:extLst>
           </p:cNvPr>
@@ -3826,7 +3834,7 @@
           <p:cNvPr id="7" name="Seta: para a Direita 6">
             <a:extLst>
               <a:ext uri="{FF2B5EF4-FFF2-40B4-BE49-F238E27FC236}">
-                <a16:creationId xmlns:a16="http://schemas.microsoft.com/office/drawing/2014/main" id="{9C3560B6-02D2-47C6-B13D-629AA5776CAE}"/>
+                <a16:creationId xmlns:a16="http://schemas.microsoft.com/office/drawing/2014/main" xmlns="" id="{9C3560B6-02D2-47C6-B13D-629AA5776CAE}"/>
               </a:ext>
             </a:extLst>
           </p:cNvPr>
@@ -4029,7 +4037,7 @@
           <p:cNvPr id="2" name="Título 1">
             <a:extLst>
               <a:ext uri="{FF2B5EF4-FFF2-40B4-BE49-F238E27FC236}">
-                <a16:creationId xmlns:a16="http://schemas.microsoft.com/office/drawing/2014/main" id="{EA8AF08E-F42E-469E-B54F-39E7E1E42771}"/>
+                <a16:creationId xmlns:a16="http://schemas.microsoft.com/office/drawing/2014/main" xmlns="" id="{EA8AF08E-F42E-469E-B54F-39E7E1E42771}"/>
               </a:ext>
             </a:extLst>
           </p:cNvPr>
@@ -4054,7 +4062,7 @@
           <p:cNvPr id="3" name="Espaço Reservado para Conteúdo 2">
             <a:extLst>
               <a:ext uri="{FF2B5EF4-FFF2-40B4-BE49-F238E27FC236}">
-                <a16:creationId xmlns:a16="http://schemas.microsoft.com/office/drawing/2014/main" id="{8A3F3DD6-4EEB-4B75-B85C-8D6F899C4052}"/>
+                <a16:creationId xmlns:a16="http://schemas.microsoft.com/office/drawing/2014/main" xmlns="" id="{8A3F3DD6-4EEB-4B75-B85C-8D6F899C4052}"/>
               </a:ext>
             </a:extLst>
           </p:cNvPr>
@@ -4079,7 +4087,7 @@
           <p:cNvPr id="4" name="Imagem 3">
             <a:extLst>
               <a:ext uri="{FF2B5EF4-FFF2-40B4-BE49-F238E27FC236}">
-                <a16:creationId xmlns:a16="http://schemas.microsoft.com/office/drawing/2014/main" id="{4CE57A3E-3FAE-4F04-8571-E1176174EF02}"/>
+                <a16:creationId xmlns:a16="http://schemas.microsoft.com/office/drawing/2014/main" xmlns="" id="{4CE57A3E-3FAE-4F04-8571-E1176174EF02}"/>
               </a:ext>
             </a:extLst>
           </p:cNvPr>
@@ -4109,7 +4117,7 @@
           <p:cNvPr id="6" name="Seta: para a Direita 5">
             <a:extLst>
               <a:ext uri="{FF2B5EF4-FFF2-40B4-BE49-F238E27FC236}">
-                <a16:creationId xmlns:a16="http://schemas.microsoft.com/office/drawing/2014/main" id="{368FEA2B-9AEC-444D-A31E-330A5FBB0ADD}"/>
+                <a16:creationId xmlns:a16="http://schemas.microsoft.com/office/drawing/2014/main" xmlns="" id="{368FEA2B-9AEC-444D-A31E-330A5FBB0ADD}"/>
               </a:ext>
             </a:extLst>
           </p:cNvPr>
@@ -4312,7 +4320,7 @@
           <p:cNvPr id="2" name="Título 1">
             <a:extLst>
               <a:ext uri="{FF2B5EF4-FFF2-40B4-BE49-F238E27FC236}">
-                <a16:creationId xmlns:a16="http://schemas.microsoft.com/office/drawing/2014/main" id="{840F54EC-0318-405F-9A38-29FF734B34E0}"/>
+                <a16:creationId xmlns:a16="http://schemas.microsoft.com/office/drawing/2014/main" xmlns="" id="{840F54EC-0318-405F-9A38-29FF734B34E0}"/>
               </a:ext>
             </a:extLst>
           </p:cNvPr>
@@ -4337,7 +4345,7 @@
           <p:cNvPr id="3" name="Espaço Reservado para Conteúdo 2">
             <a:extLst>
               <a:ext uri="{FF2B5EF4-FFF2-40B4-BE49-F238E27FC236}">
-                <a16:creationId xmlns:a16="http://schemas.microsoft.com/office/drawing/2014/main" id="{32D3D605-7990-4E93-BBAD-7ACAF455C088}"/>
+                <a16:creationId xmlns:a16="http://schemas.microsoft.com/office/drawing/2014/main" xmlns="" id="{32D3D605-7990-4E93-BBAD-7ACAF455C088}"/>
               </a:ext>
             </a:extLst>
           </p:cNvPr>
@@ -4362,7 +4370,7 @@
           <p:cNvPr id="4" name="Imagem 3">
             <a:extLst>
               <a:ext uri="{FF2B5EF4-FFF2-40B4-BE49-F238E27FC236}">
-                <a16:creationId xmlns:a16="http://schemas.microsoft.com/office/drawing/2014/main" id="{A919A2B5-FC51-43DC-A216-A096F9EC79C3}"/>
+                <a16:creationId xmlns:a16="http://schemas.microsoft.com/office/drawing/2014/main" xmlns="" id="{A919A2B5-FC51-43DC-A216-A096F9EC79C3}"/>
               </a:ext>
             </a:extLst>
           </p:cNvPr>
@@ -4392,7 +4400,7 @@
           <p:cNvPr id="5" name="Seta: para a Direita 4">
             <a:extLst>
               <a:ext uri="{FF2B5EF4-FFF2-40B4-BE49-F238E27FC236}">
-                <a16:creationId xmlns:a16="http://schemas.microsoft.com/office/drawing/2014/main" id="{B8D71D4F-9028-4290-B3DF-99CCF6523949}"/>
+                <a16:creationId xmlns:a16="http://schemas.microsoft.com/office/drawing/2014/main" xmlns="" id="{B8D71D4F-9028-4290-B3DF-99CCF6523949}"/>
               </a:ext>
             </a:extLst>
           </p:cNvPr>
@@ -4595,7 +4603,7 @@
           <p:cNvPr id="2" name="Título 1">
             <a:extLst>
               <a:ext uri="{FF2B5EF4-FFF2-40B4-BE49-F238E27FC236}">
-                <a16:creationId xmlns:a16="http://schemas.microsoft.com/office/drawing/2014/main" id="{FCB44458-CB4D-4342-B874-A8FD783A4CBA}"/>
+                <a16:creationId xmlns:a16="http://schemas.microsoft.com/office/drawing/2014/main" xmlns="" id="{FCB44458-CB4D-4342-B874-A8FD783A4CBA}"/>
               </a:ext>
             </a:extLst>
           </p:cNvPr>
@@ -4620,7 +4628,7 @@
           <p:cNvPr id="3" name="Espaço Reservado para Conteúdo 2">
             <a:extLst>
               <a:ext uri="{FF2B5EF4-FFF2-40B4-BE49-F238E27FC236}">
-                <a16:creationId xmlns:a16="http://schemas.microsoft.com/office/drawing/2014/main" id="{EE76F034-8839-4602-B30D-B869FD004D36}"/>
+                <a16:creationId xmlns:a16="http://schemas.microsoft.com/office/drawing/2014/main" xmlns="" id="{EE76F034-8839-4602-B30D-B869FD004D36}"/>
               </a:ext>
             </a:extLst>
           </p:cNvPr>
@@ -4645,7 +4653,7 @@
           <p:cNvPr id="4" name="Imagem 3">
             <a:extLst>
               <a:ext uri="{FF2B5EF4-FFF2-40B4-BE49-F238E27FC236}">
-                <a16:creationId xmlns:a16="http://schemas.microsoft.com/office/drawing/2014/main" id="{7EC1C020-BF3A-40F0-9FBF-367DA9CC86F1}"/>
+                <a16:creationId xmlns:a16="http://schemas.microsoft.com/office/drawing/2014/main" xmlns="" id="{7EC1C020-BF3A-40F0-9FBF-367DA9CC86F1}"/>
               </a:ext>
             </a:extLst>
           </p:cNvPr>
@@ -4675,7 +4683,7 @@
           <p:cNvPr id="5" name="Seta: para a Direita 4">
             <a:extLst>
               <a:ext uri="{FF2B5EF4-FFF2-40B4-BE49-F238E27FC236}">
-                <a16:creationId xmlns:a16="http://schemas.microsoft.com/office/drawing/2014/main" id="{2E867C3D-4C6D-4644-BAF7-4487A9F0F695}"/>
+                <a16:creationId xmlns:a16="http://schemas.microsoft.com/office/drawing/2014/main" xmlns="" id="{2E867C3D-4C6D-4644-BAF7-4487A9F0F695}"/>
               </a:ext>
             </a:extLst>
           </p:cNvPr>
@@ -4721,7 +4729,7 @@
           <p:cNvPr id="6" name="Seta: para a Direita 5">
             <a:extLst>
               <a:ext uri="{FF2B5EF4-FFF2-40B4-BE49-F238E27FC236}">
-                <a16:creationId xmlns:a16="http://schemas.microsoft.com/office/drawing/2014/main" id="{B833EAAD-DACC-452D-B48D-56A104925508}"/>
+                <a16:creationId xmlns:a16="http://schemas.microsoft.com/office/drawing/2014/main" xmlns="" id="{B833EAAD-DACC-452D-B48D-56A104925508}"/>
               </a:ext>
             </a:extLst>
           </p:cNvPr>
@@ -4767,7 +4775,7 @@
           <p:cNvPr id="7" name="Seta: para a Direita 6">
             <a:extLst>
               <a:ext uri="{FF2B5EF4-FFF2-40B4-BE49-F238E27FC236}">
-                <a16:creationId xmlns:a16="http://schemas.microsoft.com/office/drawing/2014/main" id="{1ABE0606-241A-4AD1-9470-8A44A1F5998C}"/>
+                <a16:creationId xmlns:a16="http://schemas.microsoft.com/office/drawing/2014/main" xmlns="" id="{1ABE0606-241A-4AD1-9470-8A44A1F5998C}"/>
               </a:ext>
             </a:extLst>
           </p:cNvPr>
@@ -5154,7 +5162,7 @@
           <p:cNvPr id="2" name="Título 1">
             <a:extLst>
               <a:ext uri="{FF2B5EF4-FFF2-40B4-BE49-F238E27FC236}">
-                <a16:creationId xmlns:a16="http://schemas.microsoft.com/office/drawing/2014/main" id="{7137185D-8C14-4570-A14D-8F27B53673FF}"/>
+                <a16:creationId xmlns:a16="http://schemas.microsoft.com/office/drawing/2014/main" xmlns="" id="{7137185D-8C14-4570-A14D-8F27B53673FF}"/>
               </a:ext>
             </a:extLst>
           </p:cNvPr>
@@ -5179,7 +5187,7 @@
           <p:cNvPr id="3" name="Espaço Reservado para Conteúdo 2">
             <a:extLst>
               <a:ext uri="{FF2B5EF4-FFF2-40B4-BE49-F238E27FC236}">
-                <a16:creationId xmlns:a16="http://schemas.microsoft.com/office/drawing/2014/main" id="{84C185F3-27B2-4C45-83DE-9ABF77B053F2}"/>
+                <a16:creationId xmlns:a16="http://schemas.microsoft.com/office/drawing/2014/main" xmlns="" id="{84C185F3-27B2-4C45-83DE-9ABF77B053F2}"/>
               </a:ext>
             </a:extLst>
           </p:cNvPr>
@@ -5204,7 +5212,7 @@
           <p:cNvPr id="4" name="Imagem 3">
             <a:extLst>
               <a:ext uri="{FF2B5EF4-FFF2-40B4-BE49-F238E27FC236}">
-                <a16:creationId xmlns:a16="http://schemas.microsoft.com/office/drawing/2014/main" id="{29E521C5-73B0-4981-97DC-824A79A7EEB9}"/>
+                <a16:creationId xmlns:a16="http://schemas.microsoft.com/office/drawing/2014/main" xmlns="" id="{29E521C5-73B0-4981-97DC-824A79A7EEB9}"/>
               </a:ext>
             </a:extLst>
           </p:cNvPr>
@@ -5234,7 +5242,7 @@
           <p:cNvPr id="5" name="Seta: para a Direita 4">
             <a:extLst>
               <a:ext uri="{FF2B5EF4-FFF2-40B4-BE49-F238E27FC236}">
-                <a16:creationId xmlns:a16="http://schemas.microsoft.com/office/drawing/2014/main" id="{F8E6186D-D151-4F71-9A15-AFAD4ABFCADF}"/>
+                <a16:creationId xmlns:a16="http://schemas.microsoft.com/office/drawing/2014/main" xmlns="" id="{F8E6186D-D151-4F71-9A15-AFAD4ABFCADF}"/>
               </a:ext>
             </a:extLst>
           </p:cNvPr>
@@ -5437,7 +5445,7 @@
           <p:cNvPr id="2" name="Título 1">
             <a:extLst>
               <a:ext uri="{FF2B5EF4-FFF2-40B4-BE49-F238E27FC236}">
-                <a16:creationId xmlns:a16="http://schemas.microsoft.com/office/drawing/2014/main" id="{09BBA3FF-0F1E-4271-AF56-23EE65E0EED6}"/>
+                <a16:creationId xmlns:a16="http://schemas.microsoft.com/office/drawing/2014/main" xmlns="" id="{09BBA3FF-0F1E-4271-AF56-23EE65E0EED6}"/>
               </a:ext>
             </a:extLst>
           </p:cNvPr>
@@ -5462,7 +5470,7 @@
           <p:cNvPr id="3" name="Espaço Reservado para Conteúdo 2">
             <a:extLst>
               <a:ext uri="{FF2B5EF4-FFF2-40B4-BE49-F238E27FC236}">
-                <a16:creationId xmlns:a16="http://schemas.microsoft.com/office/drawing/2014/main" id="{505ED144-2D11-46AF-BF02-84C2B8A05690}"/>
+                <a16:creationId xmlns:a16="http://schemas.microsoft.com/office/drawing/2014/main" xmlns="" id="{505ED144-2D11-46AF-BF02-84C2B8A05690}"/>
               </a:ext>
             </a:extLst>
           </p:cNvPr>
@@ -5487,7 +5495,7 @@
           <p:cNvPr id="4" name="Imagem 3">
             <a:extLst>
               <a:ext uri="{FF2B5EF4-FFF2-40B4-BE49-F238E27FC236}">
-                <a16:creationId xmlns:a16="http://schemas.microsoft.com/office/drawing/2014/main" id="{13C79CEC-55E1-4AEE-980B-4AB45EEDD7D8}"/>
+                <a16:creationId xmlns:a16="http://schemas.microsoft.com/office/drawing/2014/main" xmlns="" id="{13C79CEC-55E1-4AEE-980B-4AB45EEDD7D8}"/>
               </a:ext>
             </a:extLst>
           </p:cNvPr>
@@ -5517,7 +5525,7 @@
           <p:cNvPr id="5" name="Seta: para a Direita 4">
             <a:extLst>
               <a:ext uri="{FF2B5EF4-FFF2-40B4-BE49-F238E27FC236}">
-                <a16:creationId xmlns:a16="http://schemas.microsoft.com/office/drawing/2014/main" id="{610E4CB0-040E-4425-9F91-3903FEFF70FB}"/>
+                <a16:creationId xmlns:a16="http://schemas.microsoft.com/office/drawing/2014/main" xmlns="" id="{610E4CB0-040E-4425-9F91-3903FEFF70FB}"/>
               </a:ext>
             </a:extLst>
           </p:cNvPr>
@@ -5563,7 +5571,7 @@
           <p:cNvPr id="6" name="Seta: para a Direita 5">
             <a:extLst>
               <a:ext uri="{FF2B5EF4-FFF2-40B4-BE49-F238E27FC236}">
-                <a16:creationId xmlns:a16="http://schemas.microsoft.com/office/drawing/2014/main" id="{BA4C5631-6EBC-4207-85A4-118B67B52ACD}"/>
+                <a16:creationId xmlns:a16="http://schemas.microsoft.com/office/drawing/2014/main" xmlns="" id="{BA4C5631-6EBC-4207-85A4-118B67B52ACD}"/>
               </a:ext>
             </a:extLst>
           </p:cNvPr>
@@ -5609,7 +5617,7 @@
           <p:cNvPr id="7" name="Seta: para a Direita 6">
             <a:extLst>
               <a:ext uri="{FF2B5EF4-FFF2-40B4-BE49-F238E27FC236}">
-                <a16:creationId xmlns:a16="http://schemas.microsoft.com/office/drawing/2014/main" id="{E914B605-7B31-44D3-BB2D-D74FAF56A980}"/>
+                <a16:creationId xmlns:a16="http://schemas.microsoft.com/office/drawing/2014/main" xmlns="" id="{E914B605-7B31-44D3-BB2D-D74FAF56A980}"/>
               </a:ext>
             </a:extLst>
           </p:cNvPr>
@@ -5996,7 +6004,7 @@
           <p:cNvPr id="2" name="Título 1">
             <a:extLst>
               <a:ext uri="{FF2B5EF4-FFF2-40B4-BE49-F238E27FC236}">
-                <a16:creationId xmlns:a16="http://schemas.microsoft.com/office/drawing/2014/main" id="{6C1E7899-4BCF-41BC-9A12-1E1F510A4FEC}"/>
+                <a16:creationId xmlns:a16="http://schemas.microsoft.com/office/drawing/2014/main" xmlns="" id="{6C1E7899-4BCF-41BC-9A12-1E1F510A4FEC}"/>
               </a:ext>
             </a:extLst>
           </p:cNvPr>
@@ -6021,7 +6029,7 @@
           <p:cNvPr id="3" name="Espaço Reservado para Conteúdo 2">
             <a:extLst>
               <a:ext uri="{FF2B5EF4-FFF2-40B4-BE49-F238E27FC236}">
-                <a16:creationId xmlns:a16="http://schemas.microsoft.com/office/drawing/2014/main" id="{236ED85D-9B9B-47D6-A00B-4F4C6BCF8531}"/>
+                <a16:creationId xmlns:a16="http://schemas.microsoft.com/office/drawing/2014/main" xmlns="" id="{236ED85D-9B9B-47D6-A00B-4F4C6BCF8531}"/>
               </a:ext>
             </a:extLst>
           </p:cNvPr>
@@ -6046,7 +6054,7 @@
           <p:cNvPr id="4" name="Imagem 3">
             <a:extLst>
               <a:ext uri="{FF2B5EF4-FFF2-40B4-BE49-F238E27FC236}">
-                <a16:creationId xmlns:a16="http://schemas.microsoft.com/office/drawing/2014/main" id="{442DBBC3-4974-4002-B321-679836A3678A}"/>
+                <a16:creationId xmlns:a16="http://schemas.microsoft.com/office/drawing/2014/main" xmlns="" id="{442DBBC3-4974-4002-B321-679836A3678A}"/>
               </a:ext>
             </a:extLst>
           </p:cNvPr>
@@ -6076,7 +6084,7 @@
           <p:cNvPr id="5" name="Seta: para a Direita 4">
             <a:extLst>
               <a:ext uri="{FF2B5EF4-FFF2-40B4-BE49-F238E27FC236}">
-                <a16:creationId xmlns:a16="http://schemas.microsoft.com/office/drawing/2014/main" id="{2A15B76B-E45C-4A9F-AA9D-44BE682B4638}"/>
+                <a16:creationId xmlns:a16="http://schemas.microsoft.com/office/drawing/2014/main" xmlns="" id="{2A15B76B-E45C-4A9F-AA9D-44BE682B4638}"/>
               </a:ext>
             </a:extLst>
           </p:cNvPr>
@@ -6122,7 +6130,7 @@
           <p:cNvPr id="6" name="Seta: para a Direita 5">
             <a:extLst>
               <a:ext uri="{FF2B5EF4-FFF2-40B4-BE49-F238E27FC236}">
-                <a16:creationId xmlns:a16="http://schemas.microsoft.com/office/drawing/2014/main" id="{6697087A-978D-453C-B9CF-0AC2855B4F34}"/>
+                <a16:creationId xmlns:a16="http://schemas.microsoft.com/office/drawing/2014/main" xmlns="" id="{6697087A-978D-453C-B9CF-0AC2855B4F34}"/>
               </a:ext>
             </a:extLst>
           </p:cNvPr>
@@ -6168,7 +6176,7 @@
           <p:cNvPr id="7" name="Seta: para a Direita 6">
             <a:extLst>
               <a:ext uri="{FF2B5EF4-FFF2-40B4-BE49-F238E27FC236}">
-                <a16:creationId xmlns:a16="http://schemas.microsoft.com/office/drawing/2014/main" id="{7E970936-6E66-4E64-8318-9652D968C145}"/>
+                <a16:creationId xmlns:a16="http://schemas.microsoft.com/office/drawing/2014/main" xmlns="" id="{7E970936-6E66-4E64-8318-9652D968C145}"/>
               </a:ext>
             </a:extLst>
           </p:cNvPr>
@@ -6214,7 +6222,7 @@
           <p:cNvPr id="8" name="Seta: para a Direita 7">
             <a:extLst>
               <a:ext uri="{FF2B5EF4-FFF2-40B4-BE49-F238E27FC236}">
-                <a16:creationId xmlns:a16="http://schemas.microsoft.com/office/drawing/2014/main" id="{3747AC3F-B594-496E-BD78-193772575E17}"/>
+                <a16:creationId xmlns:a16="http://schemas.microsoft.com/office/drawing/2014/main" xmlns="" id="{3747AC3F-B594-496E-BD78-193772575E17}"/>
               </a:ext>
             </a:extLst>
           </p:cNvPr>
@@ -6260,7 +6268,7 @@
           <p:cNvPr id="9" name="Seta: para a Direita 8">
             <a:extLst>
               <a:ext uri="{FF2B5EF4-FFF2-40B4-BE49-F238E27FC236}">
-                <a16:creationId xmlns:a16="http://schemas.microsoft.com/office/drawing/2014/main" id="{F39DFCA3-A043-41BB-BB44-8377B41C8D8A}"/>
+                <a16:creationId xmlns:a16="http://schemas.microsoft.com/office/drawing/2014/main" xmlns="" id="{F39DFCA3-A043-41BB-BB44-8377B41C8D8A}"/>
               </a:ext>
             </a:extLst>
           </p:cNvPr>
@@ -6306,7 +6314,7 @@
           <p:cNvPr id="10" name="Seta: para a Direita 9">
             <a:extLst>
               <a:ext uri="{FF2B5EF4-FFF2-40B4-BE49-F238E27FC236}">
-                <a16:creationId xmlns:a16="http://schemas.microsoft.com/office/drawing/2014/main" id="{4D8C9CB0-DBAD-463F-A3C9-9711FFA0FF29}"/>
+                <a16:creationId xmlns:a16="http://schemas.microsoft.com/office/drawing/2014/main" xmlns="" id="{4D8C9CB0-DBAD-463F-A3C9-9711FFA0FF29}"/>
               </a:ext>
             </a:extLst>
           </p:cNvPr>
@@ -6352,7 +6360,7 @@
           <p:cNvPr id="11" name="Seta: para a Direita 10">
             <a:extLst>
               <a:ext uri="{FF2B5EF4-FFF2-40B4-BE49-F238E27FC236}">
-                <a16:creationId xmlns:a16="http://schemas.microsoft.com/office/drawing/2014/main" id="{76D981EF-1397-40D4-AD4B-F6360C48A61B}"/>
+                <a16:creationId xmlns:a16="http://schemas.microsoft.com/office/drawing/2014/main" xmlns="" id="{76D981EF-1397-40D4-AD4B-F6360C48A61B}"/>
               </a:ext>
             </a:extLst>
           </p:cNvPr>
@@ -6398,7 +6406,7 @@
           <p:cNvPr id="12" name="Seta: para a Direita 11">
             <a:extLst>
               <a:ext uri="{FF2B5EF4-FFF2-40B4-BE49-F238E27FC236}">
-                <a16:creationId xmlns:a16="http://schemas.microsoft.com/office/drawing/2014/main" id="{EC890243-D69E-43FF-8079-CA866E936215}"/>
+                <a16:creationId xmlns:a16="http://schemas.microsoft.com/office/drawing/2014/main" xmlns="" id="{EC890243-D69E-43FF-8079-CA866E936215}"/>
               </a:ext>
             </a:extLst>
           </p:cNvPr>
@@ -6444,7 +6452,7 @@
           <p:cNvPr id="13" name="Seta: para a Direita 12">
             <a:extLst>
               <a:ext uri="{FF2B5EF4-FFF2-40B4-BE49-F238E27FC236}">
-                <a16:creationId xmlns:a16="http://schemas.microsoft.com/office/drawing/2014/main" id="{48440A08-9427-4529-B9DC-F44988795712}"/>
+                <a16:creationId xmlns:a16="http://schemas.microsoft.com/office/drawing/2014/main" xmlns="" id="{48440A08-9427-4529-B9DC-F44988795712}"/>
               </a:ext>
             </a:extLst>
           </p:cNvPr>
@@ -6490,7 +6498,7 @@
           <p:cNvPr id="14" name="Seta: para a Direita 13">
             <a:extLst>
               <a:ext uri="{FF2B5EF4-FFF2-40B4-BE49-F238E27FC236}">
-                <a16:creationId xmlns:a16="http://schemas.microsoft.com/office/drawing/2014/main" id="{559065E0-2529-40D3-A92C-616AF49A42F6}"/>
+                <a16:creationId xmlns:a16="http://schemas.microsoft.com/office/drawing/2014/main" xmlns="" id="{559065E0-2529-40D3-A92C-616AF49A42F6}"/>
               </a:ext>
             </a:extLst>
           </p:cNvPr>
@@ -7521,7 +7529,7 @@
           <p:cNvPr id="2" name="Título 1">
             <a:extLst>
               <a:ext uri="{FF2B5EF4-FFF2-40B4-BE49-F238E27FC236}">
-                <a16:creationId xmlns:a16="http://schemas.microsoft.com/office/drawing/2014/main" id="{DC962062-4DB6-4AF6-89C3-F0C92DB2E726}"/>
+                <a16:creationId xmlns:a16="http://schemas.microsoft.com/office/drawing/2014/main" xmlns="" id="{DC962062-4DB6-4AF6-89C3-F0C92DB2E726}"/>
               </a:ext>
             </a:extLst>
           </p:cNvPr>
@@ -7546,7 +7554,7 @@
           <p:cNvPr id="3" name="Espaço Reservado para Conteúdo 2">
             <a:extLst>
               <a:ext uri="{FF2B5EF4-FFF2-40B4-BE49-F238E27FC236}">
-                <a16:creationId xmlns:a16="http://schemas.microsoft.com/office/drawing/2014/main" id="{394D4672-6045-448B-AFDB-D5571D7F28AB}"/>
+                <a16:creationId xmlns:a16="http://schemas.microsoft.com/office/drawing/2014/main" xmlns="" id="{394D4672-6045-448B-AFDB-D5571D7F28AB}"/>
               </a:ext>
             </a:extLst>
           </p:cNvPr>
@@ -7571,7 +7579,7 @@
           <p:cNvPr id="4" name="Imagem 3">
             <a:extLst>
               <a:ext uri="{FF2B5EF4-FFF2-40B4-BE49-F238E27FC236}">
-                <a16:creationId xmlns:a16="http://schemas.microsoft.com/office/drawing/2014/main" id="{B26937A2-8B47-432B-9851-C3AE599F8C09}"/>
+                <a16:creationId xmlns:a16="http://schemas.microsoft.com/office/drawing/2014/main" xmlns="" id="{B26937A2-8B47-432B-9851-C3AE599F8C09}"/>
               </a:ext>
             </a:extLst>
           </p:cNvPr>
@@ -7601,7 +7609,7 @@
           <p:cNvPr id="5" name="Seta: para a Direita 4">
             <a:extLst>
               <a:ext uri="{FF2B5EF4-FFF2-40B4-BE49-F238E27FC236}">
-                <a16:creationId xmlns:a16="http://schemas.microsoft.com/office/drawing/2014/main" id="{D6FC758B-9B11-4F63-84DB-3B1D2A263983}"/>
+                <a16:creationId xmlns:a16="http://schemas.microsoft.com/office/drawing/2014/main" xmlns="" id="{D6FC758B-9B11-4F63-84DB-3B1D2A263983}"/>
               </a:ext>
             </a:extLst>
           </p:cNvPr>
@@ -7647,7 +7655,7 @@
           <p:cNvPr id="6" name="Seta: para a Direita 5">
             <a:extLst>
               <a:ext uri="{FF2B5EF4-FFF2-40B4-BE49-F238E27FC236}">
-                <a16:creationId xmlns:a16="http://schemas.microsoft.com/office/drawing/2014/main" id="{4F9D65CC-356F-45B2-908D-99209A8E8A1B}"/>
+                <a16:creationId xmlns:a16="http://schemas.microsoft.com/office/drawing/2014/main" xmlns="" id="{4F9D65CC-356F-45B2-908D-99209A8E8A1B}"/>
               </a:ext>
             </a:extLst>
           </p:cNvPr>
@@ -7693,7 +7701,7 @@
           <p:cNvPr id="7" name="Seta: para a Direita 6">
             <a:extLst>
               <a:ext uri="{FF2B5EF4-FFF2-40B4-BE49-F238E27FC236}">
-                <a16:creationId xmlns:a16="http://schemas.microsoft.com/office/drawing/2014/main" id="{FE0A2AF9-578C-4D37-93F0-ABB614C5574F}"/>
+                <a16:creationId xmlns:a16="http://schemas.microsoft.com/office/drawing/2014/main" xmlns="" id="{FE0A2AF9-578C-4D37-93F0-ABB614C5574F}"/>
               </a:ext>
             </a:extLst>
           </p:cNvPr>
@@ -7739,7 +7747,7 @@
           <p:cNvPr id="8" name="Seta: para a Direita 7">
             <a:extLst>
               <a:ext uri="{FF2B5EF4-FFF2-40B4-BE49-F238E27FC236}">
-                <a16:creationId xmlns:a16="http://schemas.microsoft.com/office/drawing/2014/main" id="{03D760C2-5F14-4FC4-8CF9-65D244596182}"/>
+                <a16:creationId xmlns:a16="http://schemas.microsoft.com/office/drawing/2014/main" xmlns="" id="{03D760C2-5F14-4FC4-8CF9-65D244596182}"/>
               </a:ext>
             </a:extLst>
           </p:cNvPr>
@@ -8218,7 +8226,7 @@
           <p:cNvPr id="2" name="Título 1">
             <a:extLst>
               <a:ext uri="{FF2B5EF4-FFF2-40B4-BE49-F238E27FC236}">
-                <a16:creationId xmlns:a16="http://schemas.microsoft.com/office/drawing/2014/main" id="{AB58EDCC-9FC3-4C2A-96FD-1E4D7B5BB68F}"/>
+                <a16:creationId xmlns:a16="http://schemas.microsoft.com/office/drawing/2014/main" xmlns="" id="{AB58EDCC-9FC3-4C2A-96FD-1E4D7B5BB68F}"/>
               </a:ext>
             </a:extLst>
           </p:cNvPr>
@@ -8243,7 +8251,7 @@
           <p:cNvPr id="3" name="Espaço Reservado para Conteúdo 2">
             <a:extLst>
               <a:ext uri="{FF2B5EF4-FFF2-40B4-BE49-F238E27FC236}">
-                <a16:creationId xmlns:a16="http://schemas.microsoft.com/office/drawing/2014/main" id="{E927A5C5-680A-45E2-A790-2059237EA574}"/>
+                <a16:creationId xmlns:a16="http://schemas.microsoft.com/office/drawing/2014/main" xmlns="" id="{E927A5C5-680A-45E2-A790-2059237EA574}"/>
               </a:ext>
             </a:extLst>
           </p:cNvPr>
@@ -8268,7 +8276,7 @@
           <p:cNvPr id="4" name="Imagem 3">
             <a:extLst>
               <a:ext uri="{FF2B5EF4-FFF2-40B4-BE49-F238E27FC236}">
-                <a16:creationId xmlns:a16="http://schemas.microsoft.com/office/drawing/2014/main" id="{A107744C-820C-4DA5-80EB-76741F744E1D}"/>
+                <a16:creationId xmlns:a16="http://schemas.microsoft.com/office/drawing/2014/main" xmlns="" id="{A107744C-820C-4DA5-80EB-76741F744E1D}"/>
               </a:ext>
             </a:extLst>
           </p:cNvPr>
@@ -8298,7 +8306,7 @@
           <p:cNvPr id="5" name="Seta: para a Direita 4">
             <a:extLst>
               <a:ext uri="{FF2B5EF4-FFF2-40B4-BE49-F238E27FC236}">
-                <a16:creationId xmlns:a16="http://schemas.microsoft.com/office/drawing/2014/main" id="{2AF85AFC-AED7-4BED-98F9-C58337A85B1B}"/>
+                <a16:creationId xmlns:a16="http://schemas.microsoft.com/office/drawing/2014/main" xmlns="" id="{2AF85AFC-AED7-4BED-98F9-C58337A85B1B}"/>
               </a:ext>
             </a:extLst>
           </p:cNvPr>
@@ -8344,7 +8352,7 @@
           <p:cNvPr id="6" name="Retângulo 5">
             <a:extLst>
               <a:ext uri="{FF2B5EF4-FFF2-40B4-BE49-F238E27FC236}">
-                <a16:creationId xmlns:a16="http://schemas.microsoft.com/office/drawing/2014/main" id="{CA7EE7B0-1A3F-4DC5-B7C3-A55C04069261}"/>
+                <a16:creationId xmlns:a16="http://schemas.microsoft.com/office/drawing/2014/main" xmlns="" id="{CA7EE7B0-1A3F-4DC5-B7C3-A55C04069261}"/>
               </a:ext>
             </a:extLst>
           </p:cNvPr>
@@ -8703,7 +8711,7 @@
           <p:cNvPr id="2" name="Título 1">
             <a:extLst>
               <a:ext uri="{FF2B5EF4-FFF2-40B4-BE49-F238E27FC236}">
-                <a16:creationId xmlns:a16="http://schemas.microsoft.com/office/drawing/2014/main" id="{7AF21C39-FBE1-4F06-8930-C59344F432DB}"/>
+                <a16:creationId xmlns:a16="http://schemas.microsoft.com/office/drawing/2014/main" xmlns="" id="{7AF21C39-FBE1-4F06-8930-C59344F432DB}"/>
               </a:ext>
             </a:extLst>
           </p:cNvPr>
@@ -8728,7 +8736,7 @@
           <p:cNvPr id="3" name="Espaço Reservado para Conteúdo 2">
             <a:extLst>
               <a:ext uri="{FF2B5EF4-FFF2-40B4-BE49-F238E27FC236}">
-                <a16:creationId xmlns:a16="http://schemas.microsoft.com/office/drawing/2014/main" id="{1F01047D-3E22-449A-936F-083B3F16550E}"/>
+                <a16:creationId xmlns:a16="http://schemas.microsoft.com/office/drawing/2014/main" xmlns="" id="{1F01047D-3E22-449A-936F-083B3F16550E}"/>
               </a:ext>
             </a:extLst>
           </p:cNvPr>
@@ -8753,7 +8761,7 @@
           <p:cNvPr id="12290" name="Picture 2">
             <a:extLst>
               <a:ext uri="{FF2B5EF4-FFF2-40B4-BE49-F238E27FC236}">
-                <a16:creationId xmlns:a16="http://schemas.microsoft.com/office/drawing/2014/main" id="{16F5A337-F377-49B0-ABE1-38F5E15858AB}"/>
+                <a16:creationId xmlns:a16="http://schemas.microsoft.com/office/drawing/2014/main" xmlns="" id="{16F5A337-F377-49B0-ABE1-38F5E15858AB}"/>
               </a:ext>
             </a:extLst>
           </p:cNvPr>
@@ -8833,7 +8841,7 @@
           <p:cNvPr id="2" name="Título 1">
             <a:extLst>
               <a:ext uri="{FF2B5EF4-FFF2-40B4-BE49-F238E27FC236}">
-                <a16:creationId xmlns:a16="http://schemas.microsoft.com/office/drawing/2014/main" id="{90CEFCF0-DA4E-4CA4-A019-D5DA06AFE810}"/>
+                <a16:creationId xmlns:a16="http://schemas.microsoft.com/office/drawing/2014/main" xmlns="" id="{90CEFCF0-DA4E-4CA4-A019-D5DA06AFE810}"/>
               </a:ext>
             </a:extLst>
           </p:cNvPr>
@@ -8858,7 +8866,7 @@
           <p:cNvPr id="3" name="Espaço Reservado para Conteúdo 2">
             <a:extLst>
               <a:ext uri="{FF2B5EF4-FFF2-40B4-BE49-F238E27FC236}">
-                <a16:creationId xmlns:a16="http://schemas.microsoft.com/office/drawing/2014/main" id="{BCD2E547-FE57-45F8-BD79-766862808608}"/>
+                <a16:creationId xmlns:a16="http://schemas.microsoft.com/office/drawing/2014/main" xmlns="" id="{BCD2E547-FE57-45F8-BD79-766862808608}"/>
               </a:ext>
             </a:extLst>
           </p:cNvPr>
@@ -8883,7 +8891,7 @@
           <p:cNvPr id="4" name="Imagem 3">
             <a:extLst>
               <a:ext uri="{FF2B5EF4-FFF2-40B4-BE49-F238E27FC236}">
-                <a16:creationId xmlns:a16="http://schemas.microsoft.com/office/drawing/2014/main" id="{BAC7D90A-552B-416E-A771-1D0EA9A973BB}"/>
+                <a16:creationId xmlns:a16="http://schemas.microsoft.com/office/drawing/2014/main" xmlns="" id="{BAC7D90A-552B-416E-A771-1D0EA9A973BB}"/>
               </a:ext>
             </a:extLst>
           </p:cNvPr>
@@ -8946,7 +8954,7 @@
           <p:cNvPr id="2" name="Título 1">
             <a:extLst>
               <a:ext uri="{FF2B5EF4-FFF2-40B4-BE49-F238E27FC236}">
-                <a16:creationId xmlns:a16="http://schemas.microsoft.com/office/drawing/2014/main" id="{D5E10E19-C467-426A-9E59-8689F7157F60}"/>
+                <a16:creationId xmlns:a16="http://schemas.microsoft.com/office/drawing/2014/main" xmlns="" id="{D5E10E19-C467-426A-9E59-8689F7157F60}"/>
               </a:ext>
             </a:extLst>
           </p:cNvPr>
@@ -8971,7 +8979,7 @@
           <p:cNvPr id="3" name="Espaço Reservado para Conteúdo 2">
             <a:extLst>
               <a:ext uri="{FF2B5EF4-FFF2-40B4-BE49-F238E27FC236}">
-                <a16:creationId xmlns:a16="http://schemas.microsoft.com/office/drawing/2014/main" id="{1F1164DA-6634-40DE-8BB6-A05E0D8275F9}"/>
+                <a16:creationId xmlns:a16="http://schemas.microsoft.com/office/drawing/2014/main" xmlns="" id="{1F1164DA-6634-40DE-8BB6-A05E0D8275F9}"/>
               </a:ext>
             </a:extLst>
           </p:cNvPr>
@@ -8996,7 +9004,7 @@
           <p:cNvPr id="4" name="Imagem 3">
             <a:extLst>
               <a:ext uri="{FF2B5EF4-FFF2-40B4-BE49-F238E27FC236}">
-                <a16:creationId xmlns:a16="http://schemas.microsoft.com/office/drawing/2014/main" id="{D71BDDF8-6C76-4AD3-B71F-5EDED44594B9}"/>
+                <a16:creationId xmlns:a16="http://schemas.microsoft.com/office/drawing/2014/main" xmlns="" id="{D71BDDF8-6C76-4AD3-B71F-5EDED44594B9}"/>
               </a:ext>
             </a:extLst>
           </p:cNvPr>
@@ -9026,7 +9034,7 @@
           <p:cNvPr id="5" name="Seta: para a Direita 4">
             <a:extLst>
               <a:ext uri="{FF2B5EF4-FFF2-40B4-BE49-F238E27FC236}">
-                <a16:creationId xmlns:a16="http://schemas.microsoft.com/office/drawing/2014/main" id="{B8BFE252-DC39-414B-BED8-34E810F0155B}"/>
+                <a16:creationId xmlns:a16="http://schemas.microsoft.com/office/drawing/2014/main" xmlns="" id="{B8BFE252-DC39-414B-BED8-34E810F0155B}"/>
               </a:ext>
             </a:extLst>
           </p:cNvPr>
@@ -9072,7 +9080,7 @@
           <p:cNvPr id="6" name="Seta: para a Direita 5">
             <a:extLst>
               <a:ext uri="{FF2B5EF4-FFF2-40B4-BE49-F238E27FC236}">
-                <a16:creationId xmlns:a16="http://schemas.microsoft.com/office/drawing/2014/main" id="{4F25FAA4-7602-4269-949E-B43A1813E894}"/>
+                <a16:creationId xmlns:a16="http://schemas.microsoft.com/office/drawing/2014/main" xmlns="" id="{4F25FAA4-7602-4269-949E-B43A1813E894}"/>
               </a:ext>
             </a:extLst>
           </p:cNvPr>
@@ -9118,7 +9126,7 @@
           <p:cNvPr id="7" name="Seta: para a Direita 6">
             <a:extLst>
               <a:ext uri="{FF2B5EF4-FFF2-40B4-BE49-F238E27FC236}">
-                <a16:creationId xmlns:a16="http://schemas.microsoft.com/office/drawing/2014/main" id="{F2E01E82-5846-40C6-90D4-8B1D336F0418}"/>
+                <a16:creationId xmlns:a16="http://schemas.microsoft.com/office/drawing/2014/main" xmlns="" id="{F2E01E82-5846-40C6-90D4-8B1D336F0418}"/>
               </a:ext>
             </a:extLst>
           </p:cNvPr>
@@ -9505,7 +9513,7 @@
           <p:cNvPr id="2" name="Título 1">
             <a:extLst>
               <a:ext uri="{FF2B5EF4-FFF2-40B4-BE49-F238E27FC236}">
-                <a16:creationId xmlns:a16="http://schemas.microsoft.com/office/drawing/2014/main" id="{EB399CC8-5CB3-42C9-B5AC-0D7EA84CC888}"/>
+                <a16:creationId xmlns:a16="http://schemas.microsoft.com/office/drawing/2014/main" xmlns="" id="{EB399CC8-5CB3-42C9-B5AC-0D7EA84CC888}"/>
               </a:ext>
             </a:extLst>
           </p:cNvPr>
@@ -9560,7 +9568,7 @@
           <p:cNvPr id="1026" name="Picture 2" descr="Resultado de imagem para Meme Feliz">
             <a:extLst>
               <a:ext uri="{FF2B5EF4-FFF2-40B4-BE49-F238E27FC236}">
-                <a16:creationId xmlns:a16="http://schemas.microsoft.com/office/drawing/2014/main" id="{B599AE50-A56A-4D92-AFC8-9C3E3EE93E65}"/>
+                <a16:creationId xmlns:a16="http://schemas.microsoft.com/office/drawing/2014/main" xmlns="" id="{B599AE50-A56A-4D92-AFC8-9C3E3EE93E65}"/>
               </a:ext>
             </a:extLst>
           </p:cNvPr>
@@ -9642,7 +9650,7 @@
           <p:cNvPr id="2" name="Título 1">
             <a:extLst>
               <a:ext uri="{FF2B5EF4-FFF2-40B4-BE49-F238E27FC236}">
-                <a16:creationId xmlns:a16="http://schemas.microsoft.com/office/drawing/2014/main" id="{5C80354A-B223-4096-903E-3759EF864745}"/>
+                <a16:creationId xmlns:a16="http://schemas.microsoft.com/office/drawing/2014/main" xmlns="" id="{5C80354A-B223-4096-903E-3759EF864745}"/>
               </a:ext>
             </a:extLst>
           </p:cNvPr>
@@ -9685,7 +9693,7 @@
           <p:cNvPr id="4" name="Retângulo 3">
             <a:extLst>
               <a:ext uri="{FF2B5EF4-FFF2-40B4-BE49-F238E27FC236}">
-                <a16:creationId xmlns:a16="http://schemas.microsoft.com/office/drawing/2014/main" id="{E4A1622A-CC96-4F15-89DB-6EED4270ECB0}"/>
+                <a16:creationId xmlns:a16="http://schemas.microsoft.com/office/drawing/2014/main" xmlns="" id="{E4A1622A-CC96-4F15-89DB-6EED4270ECB0}"/>
               </a:ext>
             </a:extLst>
           </p:cNvPr>
@@ -9738,7 +9746,7 @@
           <p:cNvPr id="6" name="Retângulo 5">
             <a:extLst>
               <a:ext uri="{FF2B5EF4-FFF2-40B4-BE49-F238E27FC236}">
-                <a16:creationId xmlns:a16="http://schemas.microsoft.com/office/drawing/2014/main" id="{C283DDEC-EC37-4A6E-9BFA-520B038AE650}"/>
+                <a16:creationId xmlns:a16="http://schemas.microsoft.com/office/drawing/2014/main" xmlns="" id="{C283DDEC-EC37-4A6E-9BFA-520B038AE650}"/>
               </a:ext>
             </a:extLst>
           </p:cNvPr>
@@ -9791,7 +9799,7 @@
           <p:cNvPr id="7" name="Retângulo 6">
             <a:extLst>
               <a:ext uri="{FF2B5EF4-FFF2-40B4-BE49-F238E27FC236}">
-                <a16:creationId xmlns:a16="http://schemas.microsoft.com/office/drawing/2014/main" id="{600C0023-42BD-434E-AA67-D21FE6B19897}"/>
+                <a16:creationId xmlns:a16="http://schemas.microsoft.com/office/drawing/2014/main" xmlns="" id="{600C0023-42BD-434E-AA67-D21FE6B19897}"/>
               </a:ext>
             </a:extLst>
           </p:cNvPr>
@@ -9849,7 +9857,7 @@
           <p:cNvPr id="8" name="Retângulo 7">
             <a:extLst>
               <a:ext uri="{FF2B5EF4-FFF2-40B4-BE49-F238E27FC236}">
-                <a16:creationId xmlns:a16="http://schemas.microsoft.com/office/drawing/2014/main" id="{F8E16D59-3278-40B5-8085-F18F47E02FB2}"/>
+                <a16:creationId xmlns:a16="http://schemas.microsoft.com/office/drawing/2014/main" xmlns="" id="{F8E16D59-3278-40B5-8085-F18F47E02FB2}"/>
               </a:ext>
             </a:extLst>
           </p:cNvPr>
@@ -9907,7 +9915,7 @@
           <p:cNvPr id="11" name="Fluxograma: Disco Magnético 10">
             <a:extLst>
               <a:ext uri="{FF2B5EF4-FFF2-40B4-BE49-F238E27FC236}">
-                <a16:creationId xmlns:a16="http://schemas.microsoft.com/office/drawing/2014/main" id="{16818330-B717-44CB-A746-EA6DFE174E38}"/>
+                <a16:creationId xmlns:a16="http://schemas.microsoft.com/office/drawing/2014/main" xmlns="" id="{16818330-B717-44CB-A746-EA6DFE174E38}"/>
               </a:ext>
             </a:extLst>
           </p:cNvPr>
@@ -9956,7 +9964,7 @@
           <p:cNvPr id="12" name="Retângulo: Cantos Diagonais Recortados 11">
             <a:extLst>
               <a:ext uri="{FF2B5EF4-FFF2-40B4-BE49-F238E27FC236}">
-                <a16:creationId xmlns:a16="http://schemas.microsoft.com/office/drawing/2014/main" id="{8774FB8A-E310-4E07-A312-C7C426CA5AC9}"/>
+                <a16:creationId xmlns:a16="http://schemas.microsoft.com/office/drawing/2014/main" xmlns="" id="{8774FB8A-E310-4E07-A312-C7C426CA5AC9}"/>
               </a:ext>
             </a:extLst>
           </p:cNvPr>
@@ -10005,7 +10013,7 @@
           <p:cNvPr id="13" name="Retângulo 12">
             <a:extLst>
               <a:ext uri="{FF2B5EF4-FFF2-40B4-BE49-F238E27FC236}">
-                <a16:creationId xmlns:a16="http://schemas.microsoft.com/office/drawing/2014/main" id="{C2AABDF1-5E4E-4C4B-A449-7E388047D432}"/>
+                <a16:creationId xmlns:a16="http://schemas.microsoft.com/office/drawing/2014/main" xmlns="" id="{C2AABDF1-5E4E-4C4B-A449-7E388047D432}"/>
               </a:ext>
             </a:extLst>
           </p:cNvPr>
@@ -10055,7 +10063,7 @@
           <p:cNvPr id="14" name="CaixaDeTexto 13">
             <a:extLst>
               <a:ext uri="{FF2B5EF4-FFF2-40B4-BE49-F238E27FC236}">
-                <a16:creationId xmlns:a16="http://schemas.microsoft.com/office/drawing/2014/main" id="{9A06A76B-F925-4320-BD35-82FA75996687}"/>
+                <a16:creationId xmlns:a16="http://schemas.microsoft.com/office/drawing/2014/main" xmlns="" id="{9A06A76B-F925-4320-BD35-82FA75996687}"/>
               </a:ext>
             </a:extLst>
           </p:cNvPr>
@@ -10161,7 +10169,7 @@
           <p:cNvPr id="17" name="Seta: para Baixo 16">
             <a:extLst>
               <a:ext uri="{FF2B5EF4-FFF2-40B4-BE49-F238E27FC236}">
-                <a16:creationId xmlns:a16="http://schemas.microsoft.com/office/drawing/2014/main" id="{8DBB5A8B-BDB4-4909-90C2-2ECD6E823540}"/>
+                <a16:creationId xmlns:a16="http://schemas.microsoft.com/office/drawing/2014/main" xmlns="" id="{8DBB5A8B-BDB4-4909-90C2-2ECD6E823540}"/>
               </a:ext>
             </a:extLst>
           </p:cNvPr>
@@ -10210,7 +10218,7 @@
           <p:cNvPr id="18" name="Seta: para Baixo 17">
             <a:extLst>
               <a:ext uri="{FF2B5EF4-FFF2-40B4-BE49-F238E27FC236}">
-                <a16:creationId xmlns:a16="http://schemas.microsoft.com/office/drawing/2014/main" id="{9E2CCC72-9E08-443A-B3BD-AF4A6C6F3D42}"/>
+                <a16:creationId xmlns:a16="http://schemas.microsoft.com/office/drawing/2014/main" xmlns="" id="{9E2CCC72-9E08-443A-B3BD-AF4A6C6F3D42}"/>
               </a:ext>
             </a:extLst>
           </p:cNvPr>
@@ -10259,7 +10267,7 @@
           <p:cNvPr id="19" name="Seta: para Baixo 18">
             <a:extLst>
               <a:ext uri="{FF2B5EF4-FFF2-40B4-BE49-F238E27FC236}">
-                <a16:creationId xmlns:a16="http://schemas.microsoft.com/office/drawing/2014/main" id="{1260F8CC-8369-4965-BCE9-31BC03F525F8}"/>
+                <a16:creationId xmlns:a16="http://schemas.microsoft.com/office/drawing/2014/main" xmlns="" id="{1260F8CC-8369-4965-BCE9-31BC03F525F8}"/>
               </a:ext>
             </a:extLst>
           </p:cNvPr>
@@ -10308,7 +10316,7 @@
           <p:cNvPr id="20" name="Seta: para Baixo 19">
             <a:extLst>
               <a:ext uri="{FF2B5EF4-FFF2-40B4-BE49-F238E27FC236}">
-                <a16:creationId xmlns:a16="http://schemas.microsoft.com/office/drawing/2014/main" id="{8DEEDB25-CDF7-44A4-98D2-7C88B4D4B279}"/>
+                <a16:creationId xmlns:a16="http://schemas.microsoft.com/office/drawing/2014/main" xmlns="" id="{8DEEDB25-CDF7-44A4-98D2-7C88B4D4B279}"/>
               </a:ext>
             </a:extLst>
           </p:cNvPr>
@@ -10357,7 +10365,7 @@
           <p:cNvPr id="21" name="Balão de Fala: Retângulo 20">
             <a:extLst>
               <a:ext uri="{FF2B5EF4-FFF2-40B4-BE49-F238E27FC236}">
-                <a16:creationId xmlns:a16="http://schemas.microsoft.com/office/drawing/2014/main" id="{9880AD30-FB96-431B-B207-D51E29C55882}"/>
+                <a16:creationId xmlns:a16="http://schemas.microsoft.com/office/drawing/2014/main" xmlns="" id="{9880AD30-FB96-431B-B207-D51E29C55882}"/>
               </a:ext>
             </a:extLst>
           </p:cNvPr>
@@ -10441,7 +10449,7 @@
           <p:cNvPr id="22" name="Balão de Fala: Retângulo 21">
             <a:extLst>
               <a:ext uri="{FF2B5EF4-FFF2-40B4-BE49-F238E27FC236}">
-                <a16:creationId xmlns:a16="http://schemas.microsoft.com/office/drawing/2014/main" id="{E25769C4-4FAF-47E8-96BB-4D92FBDAD118}"/>
+                <a16:creationId xmlns:a16="http://schemas.microsoft.com/office/drawing/2014/main" xmlns="" id="{E25769C4-4FAF-47E8-96BB-4D92FBDAD118}"/>
               </a:ext>
             </a:extLst>
           </p:cNvPr>
@@ -10509,7 +10517,7 @@
           <p:cNvPr id="23" name="CaixaDeTexto 22">
             <a:extLst>
               <a:ext uri="{FF2B5EF4-FFF2-40B4-BE49-F238E27FC236}">
-                <a16:creationId xmlns:a16="http://schemas.microsoft.com/office/drawing/2014/main" id="{D3AEEDD1-6C45-43DC-892B-B709DBCE69F9}"/>
+                <a16:creationId xmlns:a16="http://schemas.microsoft.com/office/drawing/2014/main" xmlns="" id="{D3AEEDD1-6C45-43DC-892B-B709DBCE69F9}"/>
               </a:ext>
             </a:extLst>
           </p:cNvPr>
@@ -10545,7 +10553,7 @@
           <p:cNvPr id="24" name="CaixaDeTexto 23">
             <a:extLst>
               <a:ext uri="{FF2B5EF4-FFF2-40B4-BE49-F238E27FC236}">
-                <a16:creationId xmlns:a16="http://schemas.microsoft.com/office/drawing/2014/main" id="{5307C553-65F5-4864-8ABE-1E3C7DD07F61}"/>
+                <a16:creationId xmlns:a16="http://schemas.microsoft.com/office/drawing/2014/main" xmlns="" id="{5307C553-65F5-4864-8ABE-1E3C7DD07F61}"/>
               </a:ext>
             </a:extLst>
           </p:cNvPr>
@@ -10580,7 +10588,7 @@
           <p:cNvPr id="25" name="CaixaDeTexto 24">
             <a:extLst>
               <a:ext uri="{FF2B5EF4-FFF2-40B4-BE49-F238E27FC236}">
-                <a16:creationId xmlns:a16="http://schemas.microsoft.com/office/drawing/2014/main" id="{B1ED1C41-C92F-4F20-AE04-EADCCB3D29D9}"/>
+                <a16:creationId xmlns:a16="http://schemas.microsoft.com/office/drawing/2014/main" xmlns="" id="{B1ED1C41-C92F-4F20-AE04-EADCCB3D29D9}"/>
               </a:ext>
             </a:extLst>
           </p:cNvPr>
@@ -10615,7 +10623,7 @@
           <p:cNvPr id="26" name="CaixaDeTexto 25">
             <a:extLst>
               <a:ext uri="{FF2B5EF4-FFF2-40B4-BE49-F238E27FC236}">
-                <a16:creationId xmlns:a16="http://schemas.microsoft.com/office/drawing/2014/main" id="{90C553E3-9F16-4351-9007-7F55C9D63AA9}"/>
+                <a16:creationId xmlns:a16="http://schemas.microsoft.com/office/drawing/2014/main" xmlns="" id="{90C553E3-9F16-4351-9007-7F55C9D63AA9}"/>
               </a:ext>
             </a:extLst>
           </p:cNvPr>
@@ -10650,7 +10658,7 @@
           <p:cNvPr id="27" name="Balão de Fala: Retângulo 26">
             <a:extLst>
               <a:ext uri="{FF2B5EF4-FFF2-40B4-BE49-F238E27FC236}">
-                <a16:creationId xmlns:a16="http://schemas.microsoft.com/office/drawing/2014/main" id="{3C94D76D-FC8E-4D1E-A20E-36BD44F507BE}"/>
+                <a16:creationId xmlns:a16="http://schemas.microsoft.com/office/drawing/2014/main" xmlns="" id="{3C94D76D-FC8E-4D1E-A20E-36BD44F507BE}"/>
               </a:ext>
             </a:extLst>
           </p:cNvPr>
@@ -10710,7 +10718,7 @@
           <p:cNvPr id="28" name="Balão de Fala: Retângulo 27">
             <a:extLst>
               <a:ext uri="{FF2B5EF4-FFF2-40B4-BE49-F238E27FC236}">
-                <a16:creationId xmlns:a16="http://schemas.microsoft.com/office/drawing/2014/main" id="{639D1315-598B-4BA3-B011-45A64FB88A08}"/>
+                <a16:creationId xmlns:a16="http://schemas.microsoft.com/office/drawing/2014/main" xmlns="" id="{639D1315-598B-4BA3-B011-45A64FB88A08}"/>
               </a:ext>
             </a:extLst>
           </p:cNvPr>
@@ -12413,10 +12421,222 @@
       </p:grpSpPr>
       <p:sp>
         <p:nvSpPr>
+          <p:cNvPr id="2" name="Título 1"/>
+          <p:cNvSpPr>
+            <a:spLocks noGrp="1"/>
+          </p:cNvSpPr>
+          <p:nvPr>
+            <p:ph type="title"/>
+          </p:nvPr>
+        </p:nvSpPr>
+        <p:spPr/>
+        <p:txBody>
+          <a:bodyPr/>
+          <a:lstStyle/>
+          <a:p>
+            <a:endParaRPr lang="en-US"/>
+          </a:p>
+        </p:txBody>
+      </p:sp>
+      <p:sp>
+        <p:nvSpPr>
+          <p:cNvPr id="3" name="Espaço Reservado para Conteúdo 2"/>
+          <p:cNvSpPr>
+            <a:spLocks noGrp="1"/>
+          </p:cNvSpPr>
+          <p:nvPr>
+            <p:ph idx="1"/>
+          </p:nvPr>
+        </p:nvSpPr>
+        <p:spPr/>
+        <p:txBody>
+          <a:bodyPr/>
+          <a:lstStyle/>
+          <a:p>
+            <a:endParaRPr lang="en-US"/>
+          </a:p>
+        </p:txBody>
+      </p:sp>
+      <p:sp>
+        <p:nvSpPr>
+          <p:cNvPr id="4" name="Retângulo 3">
+            <a:extLst>
+              <a:ext uri="{FF2B5EF4-FFF2-40B4-BE49-F238E27FC236}">
+                <a16:creationId xmlns:a16="http://schemas.microsoft.com/office/drawing/2014/main" xmlns="" id="{F8E16D59-3278-40B5-8085-F18F47E02FB2}"/>
+              </a:ext>
+            </a:extLst>
+          </p:cNvPr>
+          <p:cNvSpPr/>
+          <p:nvPr/>
+        </p:nvSpPr>
+        <p:spPr>
+          <a:xfrm>
+            <a:off x="3299101" y="3067463"/>
+            <a:ext cx="5092390" cy="1193182"/>
+          </a:xfrm>
+          <a:prstGeom prst="rect">
+            <a:avLst/>
+          </a:prstGeom>
+          <a:solidFill>
+            <a:srgbClr val="FF0000"/>
+          </a:solidFill>
+          <a:ln>
+            <a:solidFill>
+              <a:schemeClr val="accent1"/>
+            </a:solidFill>
+          </a:ln>
+        </p:spPr>
+        <p:style>
+          <a:lnRef idx="2">
+            <a:schemeClr val="accent1">
+              <a:shade val="50000"/>
+            </a:schemeClr>
+          </a:lnRef>
+          <a:fillRef idx="1">
+            <a:schemeClr val="accent1"/>
+          </a:fillRef>
+          <a:effectRef idx="0">
+            <a:schemeClr val="accent1"/>
+          </a:effectRef>
+          <a:fontRef idx="minor">
+            <a:schemeClr val="lt1"/>
+          </a:fontRef>
+        </p:style>
+        <p:txBody>
+          <a:bodyPr rtlCol="0" anchor="ctr"/>
+          <a:lstStyle/>
+          <a:p>
+            <a:pPr algn="ctr"/>
+            <a:r>
+              <a:rPr lang="pt-BR" sz="6000" dirty="0"/>
+              <a:t>MODEL</a:t>
+            </a:r>
+            <a:endParaRPr lang="pt-BR" dirty="0"/>
+          </a:p>
+        </p:txBody>
+      </p:sp>
+    </p:spTree>
+    <p:extLst>
+      <p:ext uri="{BB962C8B-B14F-4D97-AF65-F5344CB8AC3E}">
+        <p14:creationId xmlns:p14="http://schemas.microsoft.com/office/powerpoint/2010/main" val="3921210187"/>
+      </p:ext>
+    </p:extLst>
+  </p:cSld>
+  <p:clrMapOvr>
+    <a:masterClrMapping/>
+  </p:clrMapOvr>
+  <p:timing>
+    <p:tnLst>
+      <p:par>
+        <p:cTn id="1" dur="indefinite" restart="never" nodeType="tmRoot">
+          <p:childTnLst>
+            <p:seq concurrent="1" nextAc="seek">
+              <p:cTn id="2" dur="indefinite" nodeType="mainSeq">
+                <p:childTnLst>
+                  <p:par>
+                    <p:cTn id="3" fill="hold">
+                      <p:stCondLst>
+                        <p:cond delay="indefinite"/>
+                      </p:stCondLst>
+                      <p:childTnLst>
+                        <p:par>
+                          <p:cTn id="4" fill="hold">
+                            <p:stCondLst>
+                              <p:cond delay="0"/>
+                            </p:stCondLst>
+                            <p:childTnLst>
+                              <p:par>
+                                <p:cTn id="5" presetID="22" presetClass="entr" presetSubtype="4" fill="hold" grpId="0" nodeType="clickEffect">
+                                  <p:stCondLst>
+                                    <p:cond delay="0"/>
+                                  </p:stCondLst>
+                                  <p:childTnLst>
+                                    <p:set>
+                                      <p:cBhvr>
+                                        <p:cTn id="6" dur="1" fill="hold">
+                                          <p:stCondLst>
+                                            <p:cond delay="0"/>
+                                          </p:stCondLst>
+                                        </p:cTn>
+                                        <p:tgtEl>
+                                          <p:spTgt spid="4"/>
+                                        </p:tgtEl>
+                                        <p:attrNameLst>
+                                          <p:attrName>style.visibility</p:attrName>
+                                        </p:attrNameLst>
+                                      </p:cBhvr>
+                                      <p:to>
+                                        <p:strVal val="visible"/>
+                                      </p:to>
+                                    </p:set>
+                                    <p:animEffect transition="in" filter="wipe(down)">
+                                      <p:cBhvr>
+                                        <p:cTn id="7" dur="500"/>
+                                        <p:tgtEl>
+                                          <p:spTgt spid="4"/>
+                                        </p:tgtEl>
+                                      </p:cBhvr>
+                                    </p:animEffect>
+                                  </p:childTnLst>
+                                </p:cTn>
+                              </p:par>
+                            </p:childTnLst>
+                          </p:cTn>
+                        </p:par>
+                      </p:childTnLst>
+                    </p:cTn>
+                  </p:par>
+                </p:childTnLst>
+              </p:cTn>
+              <p:prevCondLst>
+                <p:cond evt="onPrev" delay="0">
+                  <p:tgtEl>
+                    <p:sldTgt/>
+                  </p:tgtEl>
+                </p:cond>
+              </p:prevCondLst>
+              <p:nextCondLst>
+                <p:cond evt="onNext" delay="0">
+                  <p:tgtEl>
+                    <p:sldTgt/>
+                  </p:tgtEl>
+                </p:cond>
+              </p:nextCondLst>
+            </p:seq>
+          </p:childTnLst>
+        </p:cTn>
+      </p:par>
+    </p:tnLst>
+    <p:bldLst>
+      <p:bldP spid="4" grpId="0" animBg="1"/>
+    </p:bldLst>
+  </p:timing>
+</p:sld>
+</file>
+
+<file path=ppt/slides/slide25.xml><?xml version="1.0" encoding="utf-8"?>
+<p:sld xmlns:a="http://schemas.openxmlformats.org/drawingml/2006/main" xmlns:r="http://schemas.openxmlformats.org/officeDocument/2006/relationships" xmlns:p="http://schemas.openxmlformats.org/presentationml/2006/main">
+  <p:cSld>
+    <p:spTree>
+      <p:nvGrpSpPr>
+        <p:cNvPr id="1" name=""/>
+        <p:cNvGrpSpPr/>
+        <p:nvPr/>
+      </p:nvGrpSpPr>
+      <p:grpSpPr>
+        <a:xfrm>
+          <a:off x="0" y="0"/>
+          <a:ext cx="0" cy="0"/>
+          <a:chOff x="0" y="0"/>
+          <a:chExt cx="0" cy="0"/>
+        </a:xfrm>
+      </p:grpSpPr>
+      <p:sp>
+        <p:nvSpPr>
           <p:cNvPr id="2" name="Título 1">
             <a:extLst>
               <a:ext uri="{FF2B5EF4-FFF2-40B4-BE49-F238E27FC236}">
-                <a16:creationId xmlns:a16="http://schemas.microsoft.com/office/drawing/2014/main" id="{D446CCCA-38BC-45FC-807B-F35F9A5C1932}"/>
+                <a16:creationId xmlns:a16="http://schemas.microsoft.com/office/drawing/2014/main" xmlns="" id="{D446CCCA-38BC-45FC-807B-F35F9A5C1932}"/>
               </a:ext>
             </a:extLst>
           </p:cNvPr>
@@ -12449,7 +12669,7 @@
           <p:cNvPr id="4" name="Imagem 3">
             <a:extLst>
               <a:ext uri="{FF2B5EF4-FFF2-40B4-BE49-F238E27FC236}">
-                <a16:creationId xmlns:a16="http://schemas.microsoft.com/office/drawing/2014/main" id="{991CE5A5-2F38-4FBF-B086-A0ECAE05511C}"/>
+                <a16:creationId xmlns:a16="http://schemas.microsoft.com/office/drawing/2014/main" xmlns="" id="{991CE5A5-2F38-4FBF-B086-A0ECAE05511C}"/>
               </a:ext>
             </a:extLst>
           </p:cNvPr>
@@ -12490,7 +12710,7 @@
 </p:sld>
 </file>
 
-<file path=ppt/slides/slide25.xml><?xml version="1.0" encoding="utf-8"?>
+<file path=ppt/slides/slide26.xml><?xml version="1.0" encoding="utf-8"?>
 <p:sld xmlns:a="http://schemas.openxmlformats.org/drawingml/2006/main" xmlns:r="http://schemas.openxmlformats.org/officeDocument/2006/relationships" xmlns:p="http://schemas.openxmlformats.org/presentationml/2006/main">
   <p:cSld>
     <p:spTree>
@@ -12512,7 +12732,7 @@
           <p:cNvPr id="2" name="Título 1">
             <a:extLst>
               <a:ext uri="{FF2B5EF4-FFF2-40B4-BE49-F238E27FC236}">
-                <a16:creationId xmlns:a16="http://schemas.microsoft.com/office/drawing/2014/main" id="{C453DD96-EA56-414D-8B8C-4F9226B9D982}"/>
+                <a16:creationId xmlns:a16="http://schemas.microsoft.com/office/drawing/2014/main" xmlns="" id="{C453DD96-EA56-414D-8B8C-4F9226B9D982}"/>
               </a:ext>
             </a:extLst>
           </p:cNvPr>
@@ -12537,7 +12757,7 @@
           <p:cNvPr id="3" name="Espaço Reservado para Conteúdo 2">
             <a:extLst>
               <a:ext uri="{FF2B5EF4-FFF2-40B4-BE49-F238E27FC236}">
-                <a16:creationId xmlns:a16="http://schemas.microsoft.com/office/drawing/2014/main" id="{0DC2E84B-1C3D-45BE-ACBB-DA3D6C4C34EE}"/>
+                <a16:creationId xmlns:a16="http://schemas.microsoft.com/office/drawing/2014/main" xmlns="" id="{0DC2E84B-1C3D-45BE-ACBB-DA3D6C4C34EE}"/>
               </a:ext>
             </a:extLst>
           </p:cNvPr>
@@ -12562,7 +12782,7 @@
           <p:cNvPr id="5" name="Imagem 4">
             <a:extLst>
               <a:ext uri="{FF2B5EF4-FFF2-40B4-BE49-F238E27FC236}">
-                <a16:creationId xmlns:a16="http://schemas.microsoft.com/office/drawing/2014/main" id="{502268FE-8015-43FB-82B6-01BFA4845774}"/>
+                <a16:creationId xmlns:a16="http://schemas.microsoft.com/office/drawing/2014/main" xmlns="" id="{502268FE-8015-43FB-82B6-01BFA4845774}"/>
               </a:ext>
             </a:extLst>
           </p:cNvPr>
@@ -12592,7 +12812,7 @@
           <p:cNvPr id="6" name="Seta: para a Esquerda 5">
             <a:extLst>
               <a:ext uri="{FF2B5EF4-FFF2-40B4-BE49-F238E27FC236}">
-                <a16:creationId xmlns:a16="http://schemas.microsoft.com/office/drawing/2014/main" id="{25385A52-8842-4EFC-9AFF-9EC2F8BDE585}"/>
+                <a16:creationId xmlns:a16="http://schemas.microsoft.com/office/drawing/2014/main" xmlns="" id="{25385A52-8842-4EFC-9AFF-9EC2F8BDE585}"/>
               </a:ext>
             </a:extLst>
           </p:cNvPr>
@@ -12638,7 +12858,7 @@
           <p:cNvPr id="7" name="Seta: para a Esquerda 6">
             <a:extLst>
               <a:ext uri="{FF2B5EF4-FFF2-40B4-BE49-F238E27FC236}">
-                <a16:creationId xmlns:a16="http://schemas.microsoft.com/office/drawing/2014/main" id="{CD08DBEF-5E96-4E51-9A4B-6BB3F10BCA6F}"/>
+                <a16:creationId xmlns:a16="http://schemas.microsoft.com/office/drawing/2014/main" xmlns="" id="{CD08DBEF-5E96-4E51-9A4B-6BB3F10BCA6F}"/>
               </a:ext>
             </a:extLst>
           </p:cNvPr>
@@ -12919,7 +13139,7 @@
 </p:sld>
 </file>
 
-<file path=ppt/slides/slide26.xml><?xml version="1.0" encoding="utf-8"?>
+<file path=ppt/slides/slide27.xml><?xml version="1.0" encoding="utf-8"?>
 <p:sld xmlns:a="http://schemas.openxmlformats.org/drawingml/2006/main" xmlns:r="http://schemas.openxmlformats.org/officeDocument/2006/relationships" xmlns:p="http://schemas.openxmlformats.org/presentationml/2006/main">
   <p:cSld>
     <p:spTree>
@@ -12941,7 +13161,7 @@
           <p:cNvPr id="5" name="Imagem 4">
             <a:extLst>
               <a:ext uri="{FF2B5EF4-FFF2-40B4-BE49-F238E27FC236}">
-                <a16:creationId xmlns:a16="http://schemas.microsoft.com/office/drawing/2014/main" id="{5B2D04B8-7416-431E-9AF4-20B55D9F9565}"/>
+                <a16:creationId xmlns:a16="http://schemas.microsoft.com/office/drawing/2014/main" xmlns="" id="{5B2D04B8-7416-431E-9AF4-20B55D9F9565}"/>
               </a:ext>
             </a:extLst>
           </p:cNvPr>
@@ -12971,7 +13191,7 @@
           <p:cNvPr id="6" name="Seta: para a Esquerda 5">
             <a:extLst>
               <a:ext uri="{FF2B5EF4-FFF2-40B4-BE49-F238E27FC236}">
-                <a16:creationId xmlns:a16="http://schemas.microsoft.com/office/drawing/2014/main" id="{52C95A02-59BC-4041-81F7-E2288B0F2194}"/>
+                <a16:creationId xmlns:a16="http://schemas.microsoft.com/office/drawing/2014/main" xmlns="" id="{52C95A02-59BC-4041-81F7-E2288B0F2194}"/>
               </a:ext>
             </a:extLst>
           </p:cNvPr>
@@ -13017,7 +13237,7 @@
           <p:cNvPr id="7" name="CaixaDeTexto 6">
             <a:extLst>
               <a:ext uri="{FF2B5EF4-FFF2-40B4-BE49-F238E27FC236}">
-                <a16:creationId xmlns:a16="http://schemas.microsoft.com/office/drawing/2014/main" id="{D00EB9AC-9A5E-4B70-B99A-6B2B0E01FDBE}"/>
+                <a16:creationId xmlns:a16="http://schemas.microsoft.com/office/drawing/2014/main" xmlns="" id="{D00EB9AC-9A5E-4B70-B99A-6B2B0E01FDBE}"/>
               </a:ext>
             </a:extLst>
           </p:cNvPr>
@@ -13075,7 +13295,7 @@
           <p:cNvPr id="8" name="Seta: para a Esquerda 7">
             <a:extLst>
               <a:ext uri="{FF2B5EF4-FFF2-40B4-BE49-F238E27FC236}">
-                <a16:creationId xmlns:a16="http://schemas.microsoft.com/office/drawing/2014/main" id="{36EBB9EB-16C5-4FD3-8825-BF103237A1C0}"/>
+                <a16:creationId xmlns:a16="http://schemas.microsoft.com/office/drawing/2014/main" xmlns="" id="{36EBB9EB-16C5-4FD3-8825-BF103237A1C0}"/>
               </a:ext>
             </a:extLst>
           </p:cNvPr>
@@ -13121,7 +13341,7 @@
           <p:cNvPr id="9" name="Seta: para a Esquerda 8">
             <a:extLst>
               <a:ext uri="{FF2B5EF4-FFF2-40B4-BE49-F238E27FC236}">
-                <a16:creationId xmlns:a16="http://schemas.microsoft.com/office/drawing/2014/main" id="{611194BB-4187-4851-A1D5-65594030E7A0}"/>
+                <a16:creationId xmlns:a16="http://schemas.microsoft.com/office/drawing/2014/main" xmlns="" id="{611194BB-4187-4851-A1D5-65594030E7A0}"/>
               </a:ext>
             </a:extLst>
           </p:cNvPr>
@@ -13167,7 +13387,7 @@
           <p:cNvPr id="10" name="CaixaDeTexto 9">
             <a:extLst>
               <a:ext uri="{FF2B5EF4-FFF2-40B4-BE49-F238E27FC236}">
-                <a16:creationId xmlns:a16="http://schemas.microsoft.com/office/drawing/2014/main" id="{FF5B4161-55B7-49CF-9A91-407D574A8DD6}"/>
+                <a16:creationId xmlns:a16="http://schemas.microsoft.com/office/drawing/2014/main" xmlns="" id="{FF5B4161-55B7-49CF-9A91-407D574A8DD6}"/>
               </a:ext>
             </a:extLst>
           </p:cNvPr>
@@ -13226,7 +13446,7 @@
           <p:cNvPr id="11" name="Seta: para a Esquerda 10">
             <a:extLst>
               <a:ext uri="{FF2B5EF4-FFF2-40B4-BE49-F238E27FC236}">
-                <a16:creationId xmlns:a16="http://schemas.microsoft.com/office/drawing/2014/main" id="{C3482955-C6F9-4647-AABD-9BDCD27DA543}"/>
+                <a16:creationId xmlns:a16="http://schemas.microsoft.com/office/drawing/2014/main" xmlns="" id="{C3482955-C6F9-4647-AABD-9BDCD27DA543}"/>
               </a:ext>
             </a:extLst>
           </p:cNvPr>
@@ -13272,7 +13492,7 @@
           <p:cNvPr id="12" name="CaixaDeTexto 11">
             <a:extLst>
               <a:ext uri="{FF2B5EF4-FFF2-40B4-BE49-F238E27FC236}">
-                <a16:creationId xmlns:a16="http://schemas.microsoft.com/office/drawing/2014/main" id="{FDFE15A6-73EC-4F85-9CBF-CB48D9D69449}"/>
+                <a16:creationId xmlns:a16="http://schemas.microsoft.com/office/drawing/2014/main" xmlns="" id="{FDFE15A6-73EC-4F85-9CBF-CB48D9D69449}"/>
               </a:ext>
             </a:extLst>
           </p:cNvPr>
@@ -13331,7 +13551,7 @@
           <p:cNvPr id="13" name="Seta: para a Esquerda 12">
             <a:extLst>
               <a:ext uri="{FF2B5EF4-FFF2-40B4-BE49-F238E27FC236}">
-                <a16:creationId xmlns:a16="http://schemas.microsoft.com/office/drawing/2014/main" id="{7919D8BA-178F-4E56-B21E-80D675EE52B5}"/>
+                <a16:creationId xmlns:a16="http://schemas.microsoft.com/office/drawing/2014/main" xmlns="" id="{7919D8BA-178F-4E56-B21E-80D675EE52B5}"/>
               </a:ext>
             </a:extLst>
           </p:cNvPr>
@@ -13377,7 +13597,7 @@
           <p:cNvPr id="14" name="Seta: para a Esquerda 13">
             <a:extLst>
               <a:ext uri="{FF2B5EF4-FFF2-40B4-BE49-F238E27FC236}">
-                <a16:creationId xmlns:a16="http://schemas.microsoft.com/office/drawing/2014/main" id="{D10A3980-4AA7-40B3-AD04-D473D3BF498B}"/>
+                <a16:creationId xmlns:a16="http://schemas.microsoft.com/office/drawing/2014/main" xmlns="" id="{D10A3980-4AA7-40B3-AD04-D473D3BF498B}"/>
               </a:ext>
             </a:extLst>
           </p:cNvPr>
@@ -13423,7 +13643,7 @@
           <p:cNvPr id="15" name="Seta: para a Esquerda 14">
             <a:extLst>
               <a:ext uri="{FF2B5EF4-FFF2-40B4-BE49-F238E27FC236}">
-                <a16:creationId xmlns:a16="http://schemas.microsoft.com/office/drawing/2014/main" id="{BBBB73D4-7DBC-4EDA-A0AA-E0C32A7AA050}"/>
+                <a16:creationId xmlns:a16="http://schemas.microsoft.com/office/drawing/2014/main" xmlns="" id="{BBBB73D4-7DBC-4EDA-A0AA-E0C32A7AA050}"/>
               </a:ext>
             </a:extLst>
           </p:cNvPr>
@@ -13469,7 +13689,7 @@
           <p:cNvPr id="16" name="CaixaDeTexto 15">
             <a:extLst>
               <a:ext uri="{FF2B5EF4-FFF2-40B4-BE49-F238E27FC236}">
-                <a16:creationId xmlns:a16="http://schemas.microsoft.com/office/drawing/2014/main" id="{508B5FB5-AE9C-489E-938A-18448D25F36E}"/>
+                <a16:creationId xmlns:a16="http://schemas.microsoft.com/office/drawing/2014/main" xmlns="" id="{508B5FB5-AE9C-489E-938A-18448D25F36E}"/>
               </a:ext>
             </a:extLst>
           </p:cNvPr>
@@ -13513,7 +13733,7 @@
           <p:cNvPr id="23" name="Seta: para a Esquerda 22">
             <a:extLst>
               <a:ext uri="{FF2B5EF4-FFF2-40B4-BE49-F238E27FC236}">
-                <a16:creationId xmlns:a16="http://schemas.microsoft.com/office/drawing/2014/main" id="{06364050-B79A-4BCB-B55D-5FFDFE446074}"/>
+                <a16:creationId xmlns:a16="http://schemas.microsoft.com/office/drawing/2014/main" xmlns="" id="{06364050-B79A-4BCB-B55D-5FFDFE446074}"/>
               </a:ext>
             </a:extLst>
           </p:cNvPr>
@@ -13559,7 +13779,7 @@
           <p:cNvPr id="24" name="CaixaDeTexto 23">
             <a:extLst>
               <a:ext uri="{FF2B5EF4-FFF2-40B4-BE49-F238E27FC236}">
-                <a16:creationId xmlns:a16="http://schemas.microsoft.com/office/drawing/2014/main" id="{29F922E8-636E-4BD1-A37A-00263603946A}"/>
+                <a16:creationId xmlns:a16="http://schemas.microsoft.com/office/drawing/2014/main" xmlns="" id="{29F922E8-636E-4BD1-A37A-00263603946A}"/>
               </a:ext>
             </a:extLst>
           </p:cNvPr>
@@ -15898,7 +16118,7 @@
 </p:sld>
 </file>
 
-<file path=ppt/slides/slide27.xml><?xml version="1.0" encoding="utf-8"?>
+<file path=ppt/slides/slide28.xml><?xml version="1.0" encoding="utf-8"?>
 <p:sld xmlns:a="http://schemas.openxmlformats.org/drawingml/2006/main" xmlns:r="http://schemas.openxmlformats.org/officeDocument/2006/relationships" xmlns:p="http://schemas.openxmlformats.org/presentationml/2006/main">
   <p:cSld>
     <p:spTree>
@@ -15920,7 +16140,7 @@
           <p:cNvPr id="6" name="Imagem 5">
             <a:extLst>
               <a:ext uri="{FF2B5EF4-FFF2-40B4-BE49-F238E27FC236}">
-                <a16:creationId xmlns:a16="http://schemas.microsoft.com/office/drawing/2014/main" id="{122CA625-0833-492C-A399-EC0624C3DAA5}"/>
+                <a16:creationId xmlns:a16="http://schemas.microsoft.com/office/drawing/2014/main" xmlns="" id="{122CA625-0833-492C-A399-EC0624C3DAA5}"/>
               </a:ext>
             </a:extLst>
           </p:cNvPr>
@@ -15950,7 +16170,7 @@
           <p:cNvPr id="4" name="Seta: para a Esquerda 3">
             <a:extLst>
               <a:ext uri="{FF2B5EF4-FFF2-40B4-BE49-F238E27FC236}">
-                <a16:creationId xmlns:a16="http://schemas.microsoft.com/office/drawing/2014/main" id="{58082BFD-32C2-4C1B-871E-14EC1E61DEA3}"/>
+                <a16:creationId xmlns:a16="http://schemas.microsoft.com/office/drawing/2014/main" xmlns="" id="{58082BFD-32C2-4C1B-871E-14EC1E61DEA3}"/>
               </a:ext>
             </a:extLst>
           </p:cNvPr>
@@ -15996,7 +16216,7 @@
           <p:cNvPr id="5" name="CaixaDeTexto 4">
             <a:extLst>
               <a:ext uri="{FF2B5EF4-FFF2-40B4-BE49-F238E27FC236}">
-                <a16:creationId xmlns:a16="http://schemas.microsoft.com/office/drawing/2014/main" id="{1785C220-AD13-439D-88BE-DABF1E28D5F9}"/>
+                <a16:creationId xmlns:a16="http://schemas.microsoft.com/office/drawing/2014/main" xmlns="" id="{1785C220-AD13-439D-88BE-DABF1E28D5F9}"/>
               </a:ext>
             </a:extLst>
           </p:cNvPr>
@@ -16443,7 +16663,7 @@
 </p:sld>
 </file>
 
-<file path=ppt/slides/slide28.xml><?xml version="1.0" encoding="utf-8"?>
+<file path=ppt/slides/slide29.xml><?xml version="1.0" encoding="utf-8"?>
 <p:sld xmlns:a="http://schemas.openxmlformats.org/drawingml/2006/main" xmlns:r="http://schemas.openxmlformats.org/officeDocument/2006/relationships" xmlns:p="http://schemas.openxmlformats.org/presentationml/2006/main">
   <p:cSld>
     <p:spTree>
@@ -16465,7 +16685,7 @@
           <p:cNvPr id="2" name="Título 1">
             <a:extLst>
               <a:ext uri="{FF2B5EF4-FFF2-40B4-BE49-F238E27FC236}">
-                <a16:creationId xmlns:a16="http://schemas.microsoft.com/office/drawing/2014/main" id="{FF4E63EE-0301-4683-90DA-8197D1705929}"/>
+                <a16:creationId xmlns:a16="http://schemas.microsoft.com/office/drawing/2014/main" xmlns="" id="{FF4E63EE-0301-4683-90DA-8197D1705929}"/>
               </a:ext>
             </a:extLst>
           </p:cNvPr>
@@ -16490,7 +16710,7 @@
           <p:cNvPr id="3" name="Espaço Reservado para Conteúdo 2">
             <a:extLst>
               <a:ext uri="{FF2B5EF4-FFF2-40B4-BE49-F238E27FC236}">
-                <a16:creationId xmlns:a16="http://schemas.microsoft.com/office/drawing/2014/main" id="{F469C115-6DB9-4D9E-91DA-3024F7E0EBB2}"/>
+                <a16:creationId xmlns:a16="http://schemas.microsoft.com/office/drawing/2014/main" xmlns="" id="{F469C115-6DB9-4D9E-91DA-3024F7E0EBB2}"/>
               </a:ext>
             </a:extLst>
           </p:cNvPr>
@@ -16515,7 +16735,7 @@
           <p:cNvPr id="4" name="Imagem 3">
             <a:extLst>
               <a:ext uri="{FF2B5EF4-FFF2-40B4-BE49-F238E27FC236}">
-                <a16:creationId xmlns:a16="http://schemas.microsoft.com/office/drawing/2014/main" id="{16FF70EA-4488-4A89-AFE8-DB00A02FE137}"/>
+                <a16:creationId xmlns:a16="http://schemas.microsoft.com/office/drawing/2014/main" xmlns="" id="{16FF70EA-4488-4A89-AFE8-DB00A02FE137}"/>
               </a:ext>
             </a:extLst>
           </p:cNvPr>
@@ -16545,7 +16765,7 @@
           <p:cNvPr id="5" name="Seta: para a Esquerda 4">
             <a:extLst>
               <a:ext uri="{FF2B5EF4-FFF2-40B4-BE49-F238E27FC236}">
-                <a16:creationId xmlns:a16="http://schemas.microsoft.com/office/drawing/2014/main" id="{D912C6CD-B138-4669-920F-854AFD0F8615}"/>
+                <a16:creationId xmlns:a16="http://schemas.microsoft.com/office/drawing/2014/main" xmlns="" id="{D912C6CD-B138-4669-920F-854AFD0F8615}"/>
               </a:ext>
             </a:extLst>
           </p:cNvPr>
@@ -16591,7 +16811,7 @@
           <p:cNvPr id="7" name="CaixaDeTexto 6">
             <a:extLst>
               <a:ext uri="{FF2B5EF4-FFF2-40B4-BE49-F238E27FC236}">
-                <a16:creationId xmlns:a16="http://schemas.microsoft.com/office/drawing/2014/main" id="{349707C5-9DB8-447A-ADAB-E5C9763A0D1F}"/>
+                <a16:creationId xmlns:a16="http://schemas.microsoft.com/office/drawing/2014/main" xmlns="" id="{349707C5-9DB8-447A-ADAB-E5C9763A0D1F}"/>
               </a:ext>
             </a:extLst>
           </p:cNvPr>
@@ -16630,7 +16850,7 @@
           <p:cNvPr id="8" name="Seta: para a Esquerda 7">
             <a:extLst>
               <a:ext uri="{FF2B5EF4-FFF2-40B4-BE49-F238E27FC236}">
-                <a16:creationId xmlns:a16="http://schemas.microsoft.com/office/drawing/2014/main" id="{425744EE-2A93-4565-BDCE-D7475D6A720A}"/>
+                <a16:creationId xmlns:a16="http://schemas.microsoft.com/office/drawing/2014/main" xmlns="" id="{425744EE-2A93-4565-BDCE-D7475D6A720A}"/>
               </a:ext>
             </a:extLst>
           </p:cNvPr>
@@ -16676,7 +16896,7 @@
           <p:cNvPr id="9" name="Seta: para a Esquerda 8">
             <a:extLst>
               <a:ext uri="{FF2B5EF4-FFF2-40B4-BE49-F238E27FC236}">
-                <a16:creationId xmlns:a16="http://schemas.microsoft.com/office/drawing/2014/main" id="{F7459369-070C-4A88-A624-55BDF6C314BB}"/>
+                <a16:creationId xmlns:a16="http://schemas.microsoft.com/office/drawing/2014/main" xmlns="" id="{F7459369-070C-4A88-A624-55BDF6C314BB}"/>
               </a:ext>
             </a:extLst>
           </p:cNvPr>
@@ -16722,7 +16942,7 @@
           <p:cNvPr id="10" name="Imagem 9">
             <a:extLst>
               <a:ext uri="{FF2B5EF4-FFF2-40B4-BE49-F238E27FC236}">
-                <a16:creationId xmlns:a16="http://schemas.microsoft.com/office/drawing/2014/main" id="{4D4C0D48-6E54-4EF6-877B-725E33B8B499}"/>
+                <a16:creationId xmlns:a16="http://schemas.microsoft.com/office/drawing/2014/main" xmlns="" id="{4D4C0D48-6E54-4EF6-877B-725E33B8B499}"/>
               </a:ext>
             </a:extLst>
           </p:cNvPr>
@@ -16752,7 +16972,7 @@
           <p:cNvPr id="11" name="Seta: para a Esquerda 10">
             <a:extLst>
               <a:ext uri="{FF2B5EF4-FFF2-40B4-BE49-F238E27FC236}">
-                <a16:creationId xmlns:a16="http://schemas.microsoft.com/office/drawing/2014/main" id="{46846BF8-D700-42C0-9CB6-A44D2F81AA42}"/>
+                <a16:creationId xmlns:a16="http://schemas.microsoft.com/office/drawing/2014/main" xmlns="" id="{46846BF8-D700-42C0-9CB6-A44D2F81AA42}"/>
               </a:ext>
             </a:extLst>
           </p:cNvPr>
@@ -17440,7 +17660,419 @@
 </p:sld>
 </file>
 
-<file path=ppt/slides/slide29.xml><?xml version="1.0" encoding="utf-8"?>
+<file path=ppt/slides/slide3.xml><?xml version="1.0" encoding="utf-8"?>
+<p:sld xmlns:a="http://schemas.openxmlformats.org/drawingml/2006/main" xmlns:r="http://schemas.openxmlformats.org/officeDocument/2006/relationships" xmlns:p="http://schemas.openxmlformats.org/presentationml/2006/main">
+  <p:cSld>
+    <p:spTree>
+      <p:nvGrpSpPr>
+        <p:cNvPr id="1" name=""/>
+        <p:cNvGrpSpPr/>
+        <p:nvPr/>
+      </p:nvGrpSpPr>
+      <p:grpSpPr>
+        <a:xfrm>
+          <a:off x="0" y="0"/>
+          <a:ext cx="0" cy="0"/>
+          <a:chOff x="0" y="0"/>
+          <a:chExt cx="0" cy="0"/>
+        </a:xfrm>
+      </p:grpSpPr>
+      <p:grpSp>
+        <p:nvGrpSpPr>
+          <p:cNvPr id="18" name="Agrupar 17">
+            <a:extLst>
+              <a:ext uri="{FF2B5EF4-FFF2-40B4-BE49-F238E27FC236}">
+                <a16:creationId xmlns:a16="http://schemas.microsoft.com/office/drawing/2014/main" xmlns="" id="{3DFE0E78-C637-4F66-A617-0D2266432A53}"/>
+              </a:ext>
+            </a:extLst>
+          </p:cNvPr>
+          <p:cNvGrpSpPr/>
+          <p:nvPr/>
+        </p:nvGrpSpPr>
+        <p:grpSpPr>
+          <a:xfrm>
+            <a:off x="0" y="0"/>
+            <a:ext cx="12192000" cy="6858000"/>
+            <a:chOff x="0" y="0"/>
+            <a:chExt cx="12192000" cy="6858000"/>
+          </a:xfrm>
+        </p:grpSpPr>
+        <p:pic>
+          <p:nvPicPr>
+            <p:cNvPr id="6" name="Imagem 5">
+              <a:extLst>
+                <a:ext uri="{FF2B5EF4-FFF2-40B4-BE49-F238E27FC236}">
+                  <a16:creationId xmlns:a16="http://schemas.microsoft.com/office/drawing/2014/main" xmlns="" id="{C5D7354F-86F0-4079-A9DC-4F23E6DAB588}"/>
+                </a:ext>
+              </a:extLst>
+            </p:cNvPr>
+            <p:cNvPicPr>
+              <a:picLocks noChangeAspect="1"/>
+            </p:cNvPicPr>
+            <p:nvPr/>
+          </p:nvPicPr>
+          <p:blipFill>
+            <a:blip r:embed="rId2"/>
+            <a:stretch>
+              <a:fillRect/>
+            </a:stretch>
+          </p:blipFill>
+          <p:spPr>
+            <a:xfrm>
+              <a:off x="0" y="0"/>
+              <a:ext cx="12192000" cy="6858000"/>
+            </a:xfrm>
+            <a:prstGeom prst="rect">
+              <a:avLst/>
+            </a:prstGeom>
+          </p:spPr>
+        </p:pic>
+        <p:pic>
+          <p:nvPicPr>
+            <p:cNvPr id="17" name="Imagem 16">
+              <a:extLst>
+                <a:ext uri="{FF2B5EF4-FFF2-40B4-BE49-F238E27FC236}">
+                  <a16:creationId xmlns:a16="http://schemas.microsoft.com/office/drawing/2014/main" xmlns="" id="{96DD9752-0EBC-4553-B90C-6CE4F2AD99F1}"/>
+                </a:ext>
+              </a:extLst>
+            </p:cNvPr>
+            <p:cNvPicPr>
+              <a:picLocks noChangeAspect="1"/>
+            </p:cNvPicPr>
+            <p:nvPr/>
+          </p:nvPicPr>
+          <p:blipFill>
+            <a:blip r:embed="rId3"/>
+            <a:stretch>
+              <a:fillRect/>
+            </a:stretch>
+          </p:blipFill>
+          <p:spPr>
+            <a:xfrm>
+              <a:off x="338138" y="1986812"/>
+              <a:ext cx="2257425" cy="504825"/>
+            </a:xfrm>
+            <a:prstGeom prst="rect">
+              <a:avLst/>
+            </a:prstGeom>
+          </p:spPr>
+        </p:pic>
+      </p:grpSp>
+      <p:pic>
+        <p:nvPicPr>
+          <p:cNvPr id="10" name="Imagem 9">
+            <a:extLst>
+              <a:ext uri="{FF2B5EF4-FFF2-40B4-BE49-F238E27FC236}">
+                <a16:creationId xmlns:a16="http://schemas.microsoft.com/office/drawing/2014/main" xmlns="" id="{5AC71A76-82C2-44EE-8D92-91E1BAC94421}"/>
+              </a:ext>
+            </a:extLst>
+          </p:cNvPr>
+          <p:cNvPicPr>
+            <a:picLocks noChangeAspect="1"/>
+          </p:cNvPicPr>
+          <p:nvPr/>
+        </p:nvPicPr>
+        <p:blipFill>
+          <a:blip r:embed="rId4">
+            <a:extLst>
+              <a:ext uri="{28A0092B-C50C-407E-A947-70E740481C1C}">
+                <a14:useLocalDpi xmlns:a14="http://schemas.microsoft.com/office/drawing/2010/main" val="0"/>
+              </a:ext>
+            </a:extLst>
+          </a:blip>
+          <a:stretch>
+            <a:fillRect/>
+          </a:stretch>
+        </p:blipFill>
+        <p:spPr>
+          <a:xfrm>
+            <a:off x="9596437" y="3292588"/>
+            <a:ext cx="1148783" cy="1148783"/>
+          </a:xfrm>
+          <a:prstGeom prst="rect">
+            <a:avLst/>
+          </a:prstGeom>
+        </p:spPr>
+      </p:pic>
+      <p:grpSp>
+        <p:nvGrpSpPr>
+          <p:cNvPr id="22" name="Agrupar 21">
+            <a:extLst>
+              <a:ext uri="{FF2B5EF4-FFF2-40B4-BE49-F238E27FC236}">
+                <a16:creationId xmlns:a16="http://schemas.microsoft.com/office/drawing/2014/main" xmlns="" id="{418F5BFA-DEB5-4AE8-BB6F-EACF176AB31A}"/>
+              </a:ext>
+            </a:extLst>
+          </p:cNvPr>
+          <p:cNvGrpSpPr/>
+          <p:nvPr/>
+        </p:nvGrpSpPr>
+        <p:grpSpPr>
+          <a:xfrm>
+            <a:off x="149444" y="1025515"/>
+            <a:ext cx="1389978" cy="1238243"/>
+            <a:chOff x="-1956035" y="1127586"/>
+            <a:chExt cx="1819275" cy="1743075"/>
+          </a:xfrm>
+        </p:grpSpPr>
+        <p:pic>
+          <p:nvPicPr>
+            <p:cNvPr id="21" name="Imagem 20">
+              <a:extLst>
+                <a:ext uri="{FF2B5EF4-FFF2-40B4-BE49-F238E27FC236}">
+                  <a16:creationId xmlns:a16="http://schemas.microsoft.com/office/drawing/2014/main" xmlns="" id="{27E4F611-C41E-4DAE-B9F4-8269ED5B5D32}"/>
+                </a:ext>
+              </a:extLst>
+            </p:cNvPr>
+            <p:cNvPicPr>
+              <a:picLocks noChangeAspect="1"/>
+            </p:cNvPicPr>
+            <p:nvPr/>
+          </p:nvPicPr>
+          <p:blipFill>
+            <a:blip r:embed="rId5"/>
+            <a:stretch>
+              <a:fillRect/>
+            </a:stretch>
+          </p:blipFill>
+          <p:spPr>
+            <a:xfrm>
+              <a:off x="-1956035" y="1127586"/>
+              <a:ext cx="1819275" cy="1743075"/>
+            </a:xfrm>
+            <a:prstGeom prst="rect">
+              <a:avLst/>
+            </a:prstGeom>
+          </p:spPr>
+        </p:pic>
+        <p:pic>
+          <p:nvPicPr>
+            <p:cNvPr id="12" name="Imagem 11" descr="Teclado de computador&#10;&#10;Descrição gerada automaticamente">
+              <a:extLst>
+                <a:ext uri="{FF2B5EF4-FFF2-40B4-BE49-F238E27FC236}">
+                  <a16:creationId xmlns:a16="http://schemas.microsoft.com/office/drawing/2014/main" xmlns="" id="{263571EA-FD80-4B12-82AD-CA5D6B1945B2}"/>
+                </a:ext>
+              </a:extLst>
+            </p:cNvPr>
+            <p:cNvPicPr>
+              <a:picLocks noChangeAspect="1"/>
+            </p:cNvPicPr>
+            <p:nvPr/>
+          </p:nvPicPr>
+          <p:blipFill>
+            <a:blip r:embed="rId6" cstate="print">
+              <a:extLst>
+                <a:ext uri="{28A0092B-C50C-407E-A947-70E740481C1C}">
+                  <a14:useLocalDpi xmlns:a14="http://schemas.microsoft.com/office/drawing/2010/main" val="0"/>
+                </a:ext>
+              </a:extLst>
+            </a:blip>
+            <a:stretch>
+              <a:fillRect/>
+            </a:stretch>
+          </p:blipFill>
+          <p:spPr>
+            <a:xfrm>
+              <a:off x="-1876026" y="1211405"/>
+              <a:ext cx="1659256" cy="1659256"/>
+            </a:xfrm>
+            <a:prstGeom prst="rect">
+              <a:avLst/>
+            </a:prstGeom>
+            <a:ln>
+              <a:solidFill>
+                <a:schemeClr val="bg1"/>
+              </a:solidFill>
+            </a:ln>
+          </p:spPr>
+        </p:pic>
+      </p:grpSp>
+      <p:pic>
+        <p:nvPicPr>
+          <p:cNvPr id="16" name="Imagem 15" descr="Uma imagem contendo desenho&#10;&#10;Descrição gerada automaticamente">
+            <a:extLst>
+              <a:ext uri="{FF2B5EF4-FFF2-40B4-BE49-F238E27FC236}">
+                <a16:creationId xmlns:a16="http://schemas.microsoft.com/office/drawing/2014/main" xmlns="" id="{04F6187D-24F7-4441-BAD6-855CCC157BF4}"/>
+              </a:ext>
+            </a:extLst>
+          </p:cNvPr>
+          <p:cNvPicPr>
+            <a:picLocks noChangeAspect="1"/>
+          </p:cNvPicPr>
+          <p:nvPr/>
+        </p:nvPicPr>
+        <p:blipFill rotWithShape="1">
+          <a:blip r:embed="rId7">
+            <a:extLst>
+              <a:ext uri="{28A0092B-C50C-407E-A947-70E740481C1C}">
+                <a14:useLocalDpi xmlns:a14="http://schemas.microsoft.com/office/drawing/2010/main" val="0"/>
+              </a:ext>
+            </a:extLst>
+          </a:blip>
+          <a:srcRect l="32270" t="15678" r="31159" b="16597"/>
+          <a:stretch/>
+        </p:blipFill>
+        <p:spPr>
+          <a:xfrm>
+            <a:off x="1661686" y="1145855"/>
+            <a:ext cx="570837" cy="1057106"/>
+          </a:xfrm>
+          <a:prstGeom prst="rect">
+            <a:avLst/>
+          </a:prstGeom>
+        </p:spPr>
+      </p:pic>
+      <p:pic>
+        <p:nvPicPr>
+          <p:cNvPr id="9220" name="Picture 4" descr="Resultado de imagem para notebook icon png">
+            <a:extLst>
+              <a:ext uri="{FF2B5EF4-FFF2-40B4-BE49-F238E27FC236}">
+                <a16:creationId xmlns:a16="http://schemas.microsoft.com/office/drawing/2014/main" xmlns="" id="{A0CFD67A-C857-40C9-B77E-5E92FB5E41F1}"/>
+              </a:ext>
+            </a:extLst>
+          </p:cNvPr>
+          <p:cNvPicPr>
+            <a:picLocks noChangeAspect="1" noChangeArrowheads="1"/>
+          </p:cNvPicPr>
+          <p:nvPr/>
+        </p:nvPicPr>
+        <p:blipFill>
+          <a:blip r:embed="rId8">
+            <a:extLst>
+              <a:ext uri="{28A0092B-C50C-407E-A947-70E740481C1C}">
+                <a14:useLocalDpi xmlns:a14="http://schemas.microsoft.com/office/drawing/2010/main" val="0"/>
+              </a:ext>
+            </a:extLst>
+          </a:blip>
+          <a:srcRect/>
+          <a:stretch>
+            <a:fillRect/>
+          </a:stretch>
+        </p:blipFill>
+        <p:spPr bwMode="auto">
+          <a:xfrm>
+            <a:off x="2354787" y="1079652"/>
+            <a:ext cx="1930900" cy="1184106"/>
+          </a:xfrm>
+          <a:prstGeom prst="rect">
+            <a:avLst/>
+          </a:prstGeom>
+          <a:noFill/>
+          <a:extLst>
+            <a:ext uri="{909E8E84-426E-40DD-AFC4-6F175D3DCCD1}">
+              <a14:hiddenFill xmlns:a14="http://schemas.microsoft.com/office/drawing/2010/main">
+                <a:solidFill>
+                  <a:srgbClr val="FFFFFF"/>
+                </a:solidFill>
+              </a14:hiddenFill>
+            </a:ext>
+          </a:extLst>
+        </p:spPr>
+      </p:pic>
+      <p:sp>
+        <p:nvSpPr>
+          <p:cNvPr id="23" name="CaixaDeTexto 22">
+            <a:extLst>
+              <a:ext uri="{FF2B5EF4-FFF2-40B4-BE49-F238E27FC236}">
+                <a16:creationId xmlns:a16="http://schemas.microsoft.com/office/drawing/2014/main" xmlns="" id="{3EA0310A-3FBB-4745-B021-5AB7336E246F}"/>
+              </a:ext>
+            </a:extLst>
+          </p:cNvPr>
+          <p:cNvSpPr txBox="1"/>
+          <p:nvPr/>
+        </p:nvSpPr>
+        <p:spPr>
+          <a:xfrm>
+            <a:off x="569888" y="4366364"/>
+            <a:ext cx="1662635" cy="523220"/>
+          </a:xfrm>
+          <a:prstGeom prst="rect">
+            <a:avLst/>
+          </a:prstGeom>
+          <a:noFill/>
+        </p:spPr>
+        <p:txBody>
+          <a:bodyPr wrap="none" rtlCol="0">
+            <a:spAutoFit/>
+          </a:bodyPr>
+          <a:lstStyle/>
+          <a:p>
+            <a:r>
+              <a:rPr lang="pt-BR" sz="2800" b="1" dirty="0">
+                <a:solidFill>
+                  <a:schemeClr val="bg1"/>
+                </a:solidFill>
+              </a:rPr>
+              <a:t>INTERNET</a:t>
+            </a:r>
+            <a:endParaRPr lang="pt-BR" b="1" dirty="0">
+              <a:solidFill>
+                <a:schemeClr val="bg1"/>
+              </a:solidFill>
+            </a:endParaRPr>
+          </a:p>
+        </p:txBody>
+      </p:sp>
+      <p:sp>
+        <p:nvSpPr>
+          <p:cNvPr id="26" name="CaixaDeTexto 25">
+            <a:extLst>
+              <a:ext uri="{FF2B5EF4-FFF2-40B4-BE49-F238E27FC236}">
+                <a16:creationId xmlns:a16="http://schemas.microsoft.com/office/drawing/2014/main" xmlns="" id="{F4E718C4-0B3D-4A79-A231-9215A9219945}"/>
+              </a:ext>
+            </a:extLst>
+          </p:cNvPr>
+          <p:cNvSpPr txBox="1"/>
+          <p:nvPr/>
+        </p:nvSpPr>
+        <p:spPr>
+          <a:xfrm>
+            <a:off x="1115786" y="337394"/>
+            <a:ext cx="1366400" cy="523220"/>
+          </a:xfrm>
+          <a:prstGeom prst="rect">
+            <a:avLst/>
+          </a:prstGeom>
+          <a:noFill/>
+        </p:spPr>
+        <p:txBody>
+          <a:bodyPr wrap="none" rtlCol="0">
+            <a:spAutoFit/>
+          </a:bodyPr>
+          <a:lstStyle/>
+          <a:p>
+            <a:r>
+              <a:rPr lang="pt-BR" sz="2800" b="1" dirty="0">
+                <a:solidFill>
+                  <a:schemeClr val="bg1"/>
+                </a:solidFill>
+              </a:rPr>
+              <a:t>Clientes</a:t>
+            </a:r>
+            <a:endParaRPr lang="pt-BR" b="1" dirty="0">
+              <a:solidFill>
+                <a:schemeClr val="bg1"/>
+              </a:solidFill>
+            </a:endParaRPr>
+          </a:p>
+        </p:txBody>
+      </p:sp>
+    </p:spTree>
+    <p:extLst>
+      <p:ext uri="{BB962C8B-B14F-4D97-AF65-F5344CB8AC3E}">
+        <p14:creationId xmlns:p14="http://schemas.microsoft.com/office/powerpoint/2010/main" val="520930003"/>
+      </p:ext>
+    </p:extLst>
+  </p:cSld>
+  <p:clrMapOvr>
+    <a:masterClrMapping/>
+  </p:clrMapOvr>
+  <p:transition spd="slow">
+    <p:push dir="u"/>
+  </p:transition>
+</p:sld>
+</file>
+
+<file path=ppt/slides/slide30.xml><?xml version="1.0" encoding="utf-8"?>
 <p:sld xmlns:a="http://schemas.openxmlformats.org/drawingml/2006/main" xmlns:r="http://schemas.openxmlformats.org/officeDocument/2006/relationships" xmlns:p="http://schemas.openxmlformats.org/presentationml/2006/main">
   <p:cSld>
     <p:spTree>
@@ -17462,7 +18094,7 @@
           <p:cNvPr id="2" name="Título 1">
             <a:extLst>
               <a:ext uri="{FF2B5EF4-FFF2-40B4-BE49-F238E27FC236}">
-                <a16:creationId xmlns:a16="http://schemas.microsoft.com/office/drawing/2014/main" id="{C3C40D18-7134-406B-8C5D-17B86DC104DD}"/>
+                <a16:creationId xmlns:a16="http://schemas.microsoft.com/office/drawing/2014/main" xmlns="" id="{C3C40D18-7134-406B-8C5D-17B86DC104DD}"/>
               </a:ext>
             </a:extLst>
           </p:cNvPr>
@@ -17487,7 +18119,7 @@
           <p:cNvPr id="3" name="Espaço Reservado para Conteúdo 2">
             <a:extLst>
               <a:ext uri="{FF2B5EF4-FFF2-40B4-BE49-F238E27FC236}">
-                <a16:creationId xmlns:a16="http://schemas.microsoft.com/office/drawing/2014/main" id="{969D9573-90A9-4C1A-85BF-D78500307983}"/>
+                <a16:creationId xmlns:a16="http://schemas.microsoft.com/office/drawing/2014/main" xmlns="" id="{969D9573-90A9-4C1A-85BF-D78500307983}"/>
               </a:ext>
             </a:extLst>
           </p:cNvPr>
@@ -17512,7 +18144,7 @@
           <p:cNvPr id="4" name="Imagem 3">
             <a:extLst>
               <a:ext uri="{FF2B5EF4-FFF2-40B4-BE49-F238E27FC236}">
-                <a16:creationId xmlns:a16="http://schemas.microsoft.com/office/drawing/2014/main" id="{8E42834A-E462-4142-A4BD-521B05B8E5E7}"/>
+                <a16:creationId xmlns:a16="http://schemas.microsoft.com/office/drawing/2014/main" xmlns="" id="{8E42834A-E462-4142-A4BD-521B05B8E5E7}"/>
               </a:ext>
             </a:extLst>
           </p:cNvPr>
@@ -17542,7 +18174,7 @@
           <p:cNvPr id="5" name="Seta: para a Esquerda 4">
             <a:extLst>
               <a:ext uri="{FF2B5EF4-FFF2-40B4-BE49-F238E27FC236}">
-                <a16:creationId xmlns:a16="http://schemas.microsoft.com/office/drawing/2014/main" id="{DAA023B1-ED84-402A-86F7-59EC9B51A81D}"/>
+                <a16:creationId xmlns:a16="http://schemas.microsoft.com/office/drawing/2014/main" xmlns="" id="{DAA023B1-ED84-402A-86F7-59EC9B51A81D}"/>
               </a:ext>
             </a:extLst>
           </p:cNvPr>
@@ -17588,7 +18220,7 @@
           <p:cNvPr id="6" name="Seta: para a Esquerda 5">
             <a:extLst>
               <a:ext uri="{FF2B5EF4-FFF2-40B4-BE49-F238E27FC236}">
-                <a16:creationId xmlns:a16="http://schemas.microsoft.com/office/drawing/2014/main" id="{AF6EB7BA-D937-41CC-A9CC-117959843BC5}"/>
+                <a16:creationId xmlns:a16="http://schemas.microsoft.com/office/drawing/2014/main" xmlns="" id="{AF6EB7BA-D937-41CC-A9CC-117959843BC5}"/>
               </a:ext>
             </a:extLst>
           </p:cNvPr>
@@ -17634,7 +18266,7 @@
           <p:cNvPr id="7" name="Seta: para a Esquerda 6">
             <a:extLst>
               <a:ext uri="{FF2B5EF4-FFF2-40B4-BE49-F238E27FC236}">
-                <a16:creationId xmlns:a16="http://schemas.microsoft.com/office/drawing/2014/main" id="{4876252E-6959-45DA-8D28-EDF9B178F073}"/>
+                <a16:creationId xmlns:a16="http://schemas.microsoft.com/office/drawing/2014/main" xmlns="" id="{4876252E-6959-45DA-8D28-EDF9B178F073}"/>
               </a:ext>
             </a:extLst>
           </p:cNvPr>
@@ -18299,419 +18931,7 @@
 </p:sld>
 </file>
 
-<file path=ppt/slides/slide3.xml><?xml version="1.0" encoding="utf-8"?>
-<p:sld xmlns:a="http://schemas.openxmlformats.org/drawingml/2006/main" xmlns:r="http://schemas.openxmlformats.org/officeDocument/2006/relationships" xmlns:p="http://schemas.openxmlformats.org/presentationml/2006/main">
-  <p:cSld>
-    <p:spTree>
-      <p:nvGrpSpPr>
-        <p:cNvPr id="1" name=""/>
-        <p:cNvGrpSpPr/>
-        <p:nvPr/>
-      </p:nvGrpSpPr>
-      <p:grpSpPr>
-        <a:xfrm>
-          <a:off x="0" y="0"/>
-          <a:ext cx="0" cy="0"/>
-          <a:chOff x="0" y="0"/>
-          <a:chExt cx="0" cy="0"/>
-        </a:xfrm>
-      </p:grpSpPr>
-      <p:grpSp>
-        <p:nvGrpSpPr>
-          <p:cNvPr id="18" name="Agrupar 17">
-            <a:extLst>
-              <a:ext uri="{FF2B5EF4-FFF2-40B4-BE49-F238E27FC236}">
-                <a16:creationId xmlns:a16="http://schemas.microsoft.com/office/drawing/2014/main" id="{3DFE0E78-C637-4F66-A617-0D2266432A53}"/>
-              </a:ext>
-            </a:extLst>
-          </p:cNvPr>
-          <p:cNvGrpSpPr/>
-          <p:nvPr/>
-        </p:nvGrpSpPr>
-        <p:grpSpPr>
-          <a:xfrm>
-            <a:off x="0" y="0"/>
-            <a:ext cx="12192000" cy="6858000"/>
-            <a:chOff x="0" y="0"/>
-            <a:chExt cx="12192000" cy="6858000"/>
-          </a:xfrm>
-        </p:grpSpPr>
-        <p:pic>
-          <p:nvPicPr>
-            <p:cNvPr id="6" name="Imagem 5">
-              <a:extLst>
-                <a:ext uri="{FF2B5EF4-FFF2-40B4-BE49-F238E27FC236}">
-                  <a16:creationId xmlns:a16="http://schemas.microsoft.com/office/drawing/2014/main" id="{C5D7354F-86F0-4079-A9DC-4F23E6DAB588}"/>
-                </a:ext>
-              </a:extLst>
-            </p:cNvPr>
-            <p:cNvPicPr>
-              <a:picLocks noChangeAspect="1"/>
-            </p:cNvPicPr>
-            <p:nvPr/>
-          </p:nvPicPr>
-          <p:blipFill>
-            <a:blip r:embed="rId2"/>
-            <a:stretch>
-              <a:fillRect/>
-            </a:stretch>
-          </p:blipFill>
-          <p:spPr>
-            <a:xfrm>
-              <a:off x="0" y="0"/>
-              <a:ext cx="12192000" cy="6858000"/>
-            </a:xfrm>
-            <a:prstGeom prst="rect">
-              <a:avLst/>
-            </a:prstGeom>
-          </p:spPr>
-        </p:pic>
-        <p:pic>
-          <p:nvPicPr>
-            <p:cNvPr id="17" name="Imagem 16">
-              <a:extLst>
-                <a:ext uri="{FF2B5EF4-FFF2-40B4-BE49-F238E27FC236}">
-                  <a16:creationId xmlns:a16="http://schemas.microsoft.com/office/drawing/2014/main" id="{96DD9752-0EBC-4553-B90C-6CE4F2AD99F1}"/>
-                </a:ext>
-              </a:extLst>
-            </p:cNvPr>
-            <p:cNvPicPr>
-              <a:picLocks noChangeAspect="1"/>
-            </p:cNvPicPr>
-            <p:nvPr/>
-          </p:nvPicPr>
-          <p:blipFill>
-            <a:blip r:embed="rId3"/>
-            <a:stretch>
-              <a:fillRect/>
-            </a:stretch>
-          </p:blipFill>
-          <p:spPr>
-            <a:xfrm>
-              <a:off x="338138" y="1986812"/>
-              <a:ext cx="2257425" cy="504825"/>
-            </a:xfrm>
-            <a:prstGeom prst="rect">
-              <a:avLst/>
-            </a:prstGeom>
-          </p:spPr>
-        </p:pic>
-      </p:grpSp>
-      <p:pic>
-        <p:nvPicPr>
-          <p:cNvPr id="10" name="Imagem 9">
-            <a:extLst>
-              <a:ext uri="{FF2B5EF4-FFF2-40B4-BE49-F238E27FC236}">
-                <a16:creationId xmlns:a16="http://schemas.microsoft.com/office/drawing/2014/main" id="{5AC71A76-82C2-44EE-8D92-91E1BAC94421}"/>
-              </a:ext>
-            </a:extLst>
-          </p:cNvPr>
-          <p:cNvPicPr>
-            <a:picLocks noChangeAspect="1"/>
-          </p:cNvPicPr>
-          <p:nvPr/>
-        </p:nvPicPr>
-        <p:blipFill>
-          <a:blip r:embed="rId4">
-            <a:extLst>
-              <a:ext uri="{28A0092B-C50C-407E-A947-70E740481C1C}">
-                <a14:useLocalDpi xmlns:a14="http://schemas.microsoft.com/office/drawing/2010/main" val="0"/>
-              </a:ext>
-            </a:extLst>
-          </a:blip>
-          <a:stretch>
-            <a:fillRect/>
-          </a:stretch>
-        </p:blipFill>
-        <p:spPr>
-          <a:xfrm>
-            <a:off x="9596437" y="3292588"/>
-            <a:ext cx="1148783" cy="1148783"/>
-          </a:xfrm>
-          <a:prstGeom prst="rect">
-            <a:avLst/>
-          </a:prstGeom>
-        </p:spPr>
-      </p:pic>
-      <p:grpSp>
-        <p:nvGrpSpPr>
-          <p:cNvPr id="22" name="Agrupar 21">
-            <a:extLst>
-              <a:ext uri="{FF2B5EF4-FFF2-40B4-BE49-F238E27FC236}">
-                <a16:creationId xmlns:a16="http://schemas.microsoft.com/office/drawing/2014/main" id="{418F5BFA-DEB5-4AE8-BB6F-EACF176AB31A}"/>
-              </a:ext>
-            </a:extLst>
-          </p:cNvPr>
-          <p:cNvGrpSpPr/>
-          <p:nvPr/>
-        </p:nvGrpSpPr>
-        <p:grpSpPr>
-          <a:xfrm>
-            <a:off x="149444" y="1025515"/>
-            <a:ext cx="1389978" cy="1238243"/>
-            <a:chOff x="-1956035" y="1127586"/>
-            <a:chExt cx="1819275" cy="1743075"/>
-          </a:xfrm>
-        </p:grpSpPr>
-        <p:pic>
-          <p:nvPicPr>
-            <p:cNvPr id="21" name="Imagem 20">
-              <a:extLst>
-                <a:ext uri="{FF2B5EF4-FFF2-40B4-BE49-F238E27FC236}">
-                  <a16:creationId xmlns:a16="http://schemas.microsoft.com/office/drawing/2014/main" id="{27E4F611-C41E-4DAE-B9F4-8269ED5B5D32}"/>
-                </a:ext>
-              </a:extLst>
-            </p:cNvPr>
-            <p:cNvPicPr>
-              <a:picLocks noChangeAspect="1"/>
-            </p:cNvPicPr>
-            <p:nvPr/>
-          </p:nvPicPr>
-          <p:blipFill>
-            <a:blip r:embed="rId5"/>
-            <a:stretch>
-              <a:fillRect/>
-            </a:stretch>
-          </p:blipFill>
-          <p:spPr>
-            <a:xfrm>
-              <a:off x="-1956035" y="1127586"/>
-              <a:ext cx="1819275" cy="1743075"/>
-            </a:xfrm>
-            <a:prstGeom prst="rect">
-              <a:avLst/>
-            </a:prstGeom>
-          </p:spPr>
-        </p:pic>
-        <p:pic>
-          <p:nvPicPr>
-            <p:cNvPr id="12" name="Imagem 11" descr="Teclado de computador&#10;&#10;Descrição gerada automaticamente">
-              <a:extLst>
-                <a:ext uri="{FF2B5EF4-FFF2-40B4-BE49-F238E27FC236}">
-                  <a16:creationId xmlns:a16="http://schemas.microsoft.com/office/drawing/2014/main" id="{263571EA-FD80-4B12-82AD-CA5D6B1945B2}"/>
-                </a:ext>
-              </a:extLst>
-            </p:cNvPr>
-            <p:cNvPicPr>
-              <a:picLocks noChangeAspect="1"/>
-            </p:cNvPicPr>
-            <p:nvPr/>
-          </p:nvPicPr>
-          <p:blipFill>
-            <a:blip r:embed="rId6">
-              <a:extLst>
-                <a:ext uri="{28A0092B-C50C-407E-A947-70E740481C1C}">
-                  <a14:useLocalDpi xmlns:a14="http://schemas.microsoft.com/office/drawing/2010/main" val="0"/>
-                </a:ext>
-              </a:extLst>
-            </a:blip>
-            <a:stretch>
-              <a:fillRect/>
-            </a:stretch>
-          </p:blipFill>
-          <p:spPr>
-            <a:xfrm>
-              <a:off x="-1876026" y="1211405"/>
-              <a:ext cx="1659256" cy="1659256"/>
-            </a:xfrm>
-            <a:prstGeom prst="rect">
-              <a:avLst/>
-            </a:prstGeom>
-            <a:ln>
-              <a:solidFill>
-                <a:schemeClr val="bg1"/>
-              </a:solidFill>
-            </a:ln>
-          </p:spPr>
-        </p:pic>
-      </p:grpSp>
-      <p:pic>
-        <p:nvPicPr>
-          <p:cNvPr id="16" name="Imagem 15" descr="Uma imagem contendo desenho&#10;&#10;Descrição gerada automaticamente">
-            <a:extLst>
-              <a:ext uri="{FF2B5EF4-FFF2-40B4-BE49-F238E27FC236}">
-                <a16:creationId xmlns:a16="http://schemas.microsoft.com/office/drawing/2014/main" id="{04F6187D-24F7-4441-BAD6-855CCC157BF4}"/>
-              </a:ext>
-            </a:extLst>
-          </p:cNvPr>
-          <p:cNvPicPr>
-            <a:picLocks noChangeAspect="1"/>
-          </p:cNvPicPr>
-          <p:nvPr/>
-        </p:nvPicPr>
-        <p:blipFill rotWithShape="1">
-          <a:blip r:embed="rId7">
-            <a:extLst>
-              <a:ext uri="{28A0092B-C50C-407E-A947-70E740481C1C}">
-                <a14:useLocalDpi xmlns:a14="http://schemas.microsoft.com/office/drawing/2010/main" val="0"/>
-              </a:ext>
-            </a:extLst>
-          </a:blip>
-          <a:srcRect l="32270" t="15678" r="31159" b="16597"/>
-          <a:stretch/>
-        </p:blipFill>
-        <p:spPr>
-          <a:xfrm>
-            <a:off x="1661686" y="1145855"/>
-            <a:ext cx="570837" cy="1057106"/>
-          </a:xfrm>
-          <a:prstGeom prst="rect">
-            <a:avLst/>
-          </a:prstGeom>
-        </p:spPr>
-      </p:pic>
-      <p:pic>
-        <p:nvPicPr>
-          <p:cNvPr id="9220" name="Picture 4" descr="Resultado de imagem para notebook icon png">
-            <a:extLst>
-              <a:ext uri="{FF2B5EF4-FFF2-40B4-BE49-F238E27FC236}">
-                <a16:creationId xmlns:a16="http://schemas.microsoft.com/office/drawing/2014/main" id="{A0CFD67A-C857-40C9-B77E-5E92FB5E41F1}"/>
-              </a:ext>
-            </a:extLst>
-          </p:cNvPr>
-          <p:cNvPicPr>
-            <a:picLocks noChangeAspect="1" noChangeArrowheads="1"/>
-          </p:cNvPicPr>
-          <p:nvPr/>
-        </p:nvPicPr>
-        <p:blipFill>
-          <a:blip r:embed="rId8">
-            <a:extLst>
-              <a:ext uri="{28A0092B-C50C-407E-A947-70E740481C1C}">
-                <a14:useLocalDpi xmlns:a14="http://schemas.microsoft.com/office/drawing/2010/main" val="0"/>
-              </a:ext>
-            </a:extLst>
-          </a:blip>
-          <a:srcRect/>
-          <a:stretch>
-            <a:fillRect/>
-          </a:stretch>
-        </p:blipFill>
-        <p:spPr bwMode="auto">
-          <a:xfrm>
-            <a:off x="2354787" y="1079652"/>
-            <a:ext cx="1930900" cy="1184106"/>
-          </a:xfrm>
-          <a:prstGeom prst="rect">
-            <a:avLst/>
-          </a:prstGeom>
-          <a:noFill/>
-          <a:extLst>
-            <a:ext uri="{909E8E84-426E-40DD-AFC4-6F175D3DCCD1}">
-              <a14:hiddenFill xmlns:a14="http://schemas.microsoft.com/office/drawing/2010/main">
-                <a:solidFill>
-                  <a:srgbClr val="FFFFFF"/>
-                </a:solidFill>
-              </a14:hiddenFill>
-            </a:ext>
-          </a:extLst>
-        </p:spPr>
-      </p:pic>
-      <p:sp>
-        <p:nvSpPr>
-          <p:cNvPr id="23" name="CaixaDeTexto 22">
-            <a:extLst>
-              <a:ext uri="{FF2B5EF4-FFF2-40B4-BE49-F238E27FC236}">
-                <a16:creationId xmlns:a16="http://schemas.microsoft.com/office/drawing/2014/main" id="{3EA0310A-3FBB-4745-B021-5AB7336E246F}"/>
-              </a:ext>
-            </a:extLst>
-          </p:cNvPr>
-          <p:cNvSpPr txBox="1"/>
-          <p:nvPr/>
-        </p:nvSpPr>
-        <p:spPr>
-          <a:xfrm>
-            <a:off x="569888" y="4366364"/>
-            <a:ext cx="1662635" cy="523220"/>
-          </a:xfrm>
-          <a:prstGeom prst="rect">
-            <a:avLst/>
-          </a:prstGeom>
-          <a:noFill/>
-        </p:spPr>
-        <p:txBody>
-          <a:bodyPr wrap="none" rtlCol="0">
-            <a:spAutoFit/>
-          </a:bodyPr>
-          <a:lstStyle/>
-          <a:p>
-            <a:r>
-              <a:rPr lang="pt-BR" sz="2800" b="1" dirty="0">
-                <a:solidFill>
-                  <a:schemeClr val="bg1"/>
-                </a:solidFill>
-              </a:rPr>
-              <a:t>INTERNET</a:t>
-            </a:r>
-            <a:endParaRPr lang="pt-BR" b="1" dirty="0">
-              <a:solidFill>
-                <a:schemeClr val="bg1"/>
-              </a:solidFill>
-            </a:endParaRPr>
-          </a:p>
-        </p:txBody>
-      </p:sp>
-      <p:sp>
-        <p:nvSpPr>
-          <p:cNvPr id="26" name="CaixaDeTexto 25">
-            <a:extLst>
-              <a:ext uri="{FF2B5EF4-FFF2-40B4-BE49-F238E27FC236}">
-                <a16:creationId xmlns:a16="http://schemas.microsoft.com/office/drawing/2014/main" id="{F4E718C4-0B3D-4A79-A231-9215A9219945}"/>
-              </a:ext>
-            </a:extLst>
-          </p:cNvPr>
-          <p:cNvSpPr txBox="1"/>
-          <p:nvPr/>
-        </p:nvSpPr>
-        <p:spPr>
-          <a:xfrm>
-            <a:off x="1115786" y="337394"/>
-            <a:ext cx="1366400" cy="523220"/>
-          </a:xfrm>
-          <a:prstGeom prst="rect">
-            <a:avLst/>
-          </a:prstGeom>
-          <a:noFill/>
-        </p:spPr>
-        <p:txBody>
-          <a:bodyPr wrap="none" rtlCol="0">
-            <a:spAutoFit/>
-          </a:bodyPr>
-          <a:lstStyle/>
-          <a:p>
-            <a:r>
-              <a:rPr lang="pt-BR" sz="2800" b="1" dirty="0">
-                <a:solidFill>
-                  <a:schemeClr val="bg1"/>
-                </a:solidFill>
-              </a:rPr>
-              <a:t>Clientes</a:t>
-            </a:r>
-            <a:endParaRPr lang="pt-BR" b="1" dirty="0">
-              <a:solidFill>
-                <a:schemeClr val="bg1"/>
-              </a:solidFill>
-            </a:endParaRPr>
-          </a:p>
-        </p:txBody>
-      </p:sp>
-    </p:spTree>
-    <p:extLst>
-      <p:ext uri="{BB962C8B-B14F-4D97-AF65-F5344CB8AC3E}">
-        <p14:creationId xmlns:p14="http://schemas.microsoft.com/office/powerpoint/2010/main" val="520930003"/>
-      </p:ext>
-    </p:extLst>
-  </p:cSld>
-  <p:clrMapOvr>
-    <a:masterClrMapping/>
-  </p:clrMapOvr>
-  <p:transition spd="slow">
-    <p:push dir="u"/>
-  </p:transition>
-</p:sld>
-</file>
-
-<file path=ppt/slides/slide30.xml><?xml version="1.0" encoding="utf-8"?>
+<file path=ppt/slides/slide31.xml><?xml version="1.0" encoding="utf-8"?>
 <p:sld xmlns:a="http://schemas.openxmlformats.org/drawingml/2006/main" xmlns:r="http://schemas.openxmlformats.org/officeDocument/2006/relationships" xmlns:p="http://schemas.openxmlformats.org/presentationml/2006/main">
   <p:cSld>
     <p:spTree>
@@ -18733,7 +18953,7 @@
           <p:cNvPr id="2" name="Título 1">
             <a:extLst>
               <a:ext uri="{FF2B5EF4-FFF2-40B4-BE49-F238E27FC236}">
-                <a16:creationId xmlns:a16="http://schemas.microsoft.com/office/drawing/2014/main" id="{FF4E63EE-0301-4683-90DA-8197D1705929}"/>
+                <a16:creationId xmlns:a16="http://schemas.microsoft.com/office/drawing/2014/main" xmlns="" id="{FF4E63EE-0301-4683-90DA-8197D1705929}"/>
               </a:ext>
             </a:extLst>
           </p:cNvPr>
@@ -18758,7 +18978,7 @@
           <p:cNvPr id="3" name="Espaço Reservado para Conteúdo 2">
             <a:extLst>
               <a:ext uri="{FF2B5EF4-FFF2-40B4-BE49-F238E27FC236}">
-                <a16:creationId xmlns:a16="http://schemas.microsoft.com/office/drawing/2014/main" id="{F469C115-6DB9-4D9E-91DA-3024F7E0EBB2}"/>
+                <a16:creationId xmlns:a16="http://schemas.microsoft.com/office/drawing/2014/main" xmlns="" id="{F469C115-6DB9-4D9E-91DA-3024F7E0EBB2}"/>
               </a:ext>
             </a:extLst>
           </p:cNvPr>
@@ -18783,7 +19003,7 @@
           <p:cNvPr id="4" name="Imagem 3">
             <a:extLst>
               <a:ext uri="{FF2B5EF4-FFF2-40B4-BE49-F238E27FC236}">
-                <a16:creationId xmlns:a16="http://schemas.microsoft.com/office/drawing/2014/main" id="{16FF70EA-4488-4A89-AFE8-DB00A02FE137}"/>
+                <a16:creationId xmlns:a16="http://schemas.microsoft.com/office/drawing/2014/main" xmlns="" id="{16FF70EA-4488-4A89-AFE8-DB00A02FE137}"/>
               </a:ext>
             </a:extLst>
           </p:cNvPr>
@@ -18813,7 +19033,7 @@
           <p:cNvPr id="5" name="Seta: para a Esquerda 4">
             <a:extLst>
               <a:ext uri="{FF2B5EF4-FFF2-40B4-BE49-F238E27FC236}">
-                <a16:creationId xmlns:a16="http://schemas.microsoft.com/office/drawing/2014/main" id="{D912C6CD-B138-4669-920F-854AFD0F8615}"/>
+                <a16:creationId xmlns:a16="http://schemas.microsoft.com/office/drawing/2014/main" xmlns="" id="{D912C6CD-B138-4669-920F-854AFD0F8615}"/>
               </a:ext>
             </a:extLst>
           </p:cNvPr>
@@ -18859,7 +19079,7 @@
           <p:cNvPr id="7" name="CaixaDeTexto 6">
             <a:extLst>
               <a:ext uri="{FF2B5EF4-FFF2-40B4-BE49-F238E27FC236}">
-                <a16:creationId xmlns:a16="http://schemas.microsoft.com/office/drawing/2014/main" id="{349707C5-9DB8-447A-ADAB-E5C9763A0D1F}"/>
+                <a16:creationId xmlns:a16="http://schemas.microsoft.com/office/drawing/2014/main" xmlns="" id="{349707C5-9DB8-447A-ADAB-E5C9763A0D1F}"/>
               </a:ext>
             </a:extLst>
           </p:cNvPr>
@@ -18898,7 +19118,7 @@
           <p:cNvPr id="8" name="Seta: para a Esquerda 7">
             <a:extLst>
               <a:ext uri="{FF2B5EF4-FFF2-40B4-BE49-F238E27FC236}">
-                <a16:creationId xmlns:a16="http://schemas.microsoft.com/office/drawing/2014/main" id="{425744EE-2A93-4565-BDCE-D7475D6A720A}"/>
+                <a16:creationId xmlns:a16="http://schemas.microsoft.com/office/drawing/2014/main" xmlns="" id="{425744EE-2A93-4565-BDCE-D7475D6A720A}"/>
               </a:ext>
             </a:extLst>
           </p:cNvPr>
@@ -18944,7 +19164,7 @@
           <p:cNvPr id="9" name="Seta: para a Esquerda 8">
             <a:extLst>
               <a:ext uri="{FF2B5EF4-FFF2-40B4-BE49-F238E27FC236}">
-                <a16:creationId xmlns:a16="http://schemas.microsoft.com/office/drawing/2014/main" id="{F7459369-070C-4A88-A624-55BDF6C314BB}"/>
+                <a16:creationId xmlns:a16="http://schemas.microsoft.com/office/drawing/2014/main" xmlns="" id="{F7459369-070C-4A88-A624-55BDF6C314BB}"/>
               </a:ext>
             </a:extLst>
           </p:cNvPr>
@@ -18990,7 +19210,7 @@
           <p:cNvPr id="6" name="Imagem 5">
             <a:extLst>
               <a:ext uri="{FF2B5EF4-FFF2-40B4-BE49-F238E27FC236}">
-                <a16:creationId xmlns:a16="http://schemas.microsoft.com/office/drawing/2014/main" id="{1E9BBFD2-CC2F-47E1-A0AB-7FD64D33EF87}"/>
+                <a16:creationId xmlns:a16="http://schemas.microsoft.com/office/drawing/2014/main" xmlns="" id="{1E9BBFD2-CC2F-47E1-A0AB-7FD64D33EF87}"/>
               </a:ext>
             </a:extLst>
           </p:cNvPr>
@@ -19020,7 +19240,7 @@
           <p:cNvPr id="12" name="Seta: para a Esquerda 11">
             <a:extLst>
               <a:ext uri="{FF2B5EF4-FFF2-40B4-BE49-F238E27FC236}">
-                <a16:creationId xmlns:a16="http://schemas.microsoft.com/office/drawing/2014/main" id="{AEC50CBC-5A1D-4D4C-8C2C-32A2640077F9}"/>
+                <a16:creationId xmlns:a16="http://schemas.microsoft.com/office/drawing/2014/main" xmlns="" id="{AEC50CBC-5A1D-4D4C-8C2C-32A2640077F9}"/>
               </a:ext>
             </a:extLst>
           </p:cNvPr>
@@ -19066,7 +19286,7 @@
           <p:cNvPr id="13" name="Imagem 12">
             <a:extLst>
               <a:ext uri="{FF2B5EF4-FFF2-40B4-BE49-F238E27FC236}">
-                <a16:creationId xmlns:a16="http://schemas.microsoft.com/office/drawing/2014/main" id="{DA688859-AFFF-4762-9C0E-F92D144E9B9E}"/>
+                <a16:creationId xmlns:a16="http://schemas.microsoft.com/office/drawing/2014/main" xmlns="" id="{DA688859-AFFF-4762-9C0E-F92D144E9B9E}"/>
               </a:ext>
             </a:extLst>
           </p:cNvPr>
@@ -19096,7 +19316,7 @@
           <p:cNvPr id="14" name="Seta: para a Esquerda 13">
             <a:extLst>
               <a:ext uri="{FF2B5EF4-FFF2-40B4-BE49-F238E27FC236}">
-                <a16:creationId xmlns:a16="http://schemas.microsoft.com/office/drawing/2014/main" id="{04D5F5B4-AFFB-4328-ABD1-9C97F6464962}"/>
+                <a16:creationId xmlns:a16="http://schemas.microsoft.com/office/drawing/2014/main" xmlns="" id="{04D5F5B4-AFFB-4328-ABD1-9C97F6464962}"/>
               </a:ext>
             </a:extLst>
           </p:cNvPr>
@@ -19142,7 +19362,7 @@
           <p:cNvPr id="15" name="Seta: para a Esquerda 14">
             <a:extLst>
               <a:ext uri="{FF2B5EF4-FFF2-40B4-BE49-F238E27FC236}">
-                <a16:creationId xmlns:a16="http://schemas.microsoft.com/office/drawing/2014/main" id="{65DF3644-0BFF-407E-9A40-D9E10CFBC2B7}"/>
+                <a16:creationId xmlns:a16="http://schemas.microsoft.com/office/drawing/2014/main" xmlns="" id="{65DF3644-0BFF-407E-9A40-D9E10CFBC2B7}"/>
               </a:ext>
             </a:extLst>
           </p:cNvPr>
@@ -19188,7 +19408,7 @@
           <p:cNvPr id="16" name="Seta: para a Esquerda 15">
             <a:extLst>
               <a:ext uri="{FF2B5EF4-FFF2-40B4-BE49-F238E27FC236}">
-                <a16:creationId xmlns:a16="http://schemas.microsoft.com/office/drawing/2014/main" id="{E2635018-B2D1-46A9-92F7-32F749FAC72D}"/>
+                <a16:creationId xmlns:a16="http://schemas.microsoft.com/office/drawing/2014/main" xmlns="" id="{E2635018-B2D1-46A9-92F7-32F749FAC72D}"/>
               </a:ext>
             </a:extLst>
           </p:cNvPr>
@@ -19234,7 +19454,7 @@
           <p:cNvPr id="17" name="Seta: para a Esquerda 16">
             <a:extLst>
               <a:ext uri="{FF2B5EF4-FFF2-40B4-BE49-F238E27FC236}">
-                <a16:creationId xmlns:a16="http://schemas.microsoft.com/office/drawing/2014/main" id="{55B1BEA4-AA67-4AD7-B0E0-E3B1C811FA16}"/>
+                <a16:creationId xmlns:a16="http://schemas.microsoft.com/office/drawing/2014/main" xmlns="" id="{55B1BEA4-AA67-4AD7-B0E0-E3B1C811FA16}"/>
               </a:ext>
             </a:extLst>
           </p:cNvPr>
@@ -19280,7 +19500,7 @@
           <p:cNvPr id="18" name="Seta: para a Esquerda 17">
             <a:extLst>
               <a:ext uri="{FF2B5EF4-FFF2-40B4-BE49-F238E27FC236}">
-                <a16:creationId xmlns:a16="http://schemas.microsoft.com/office/drawing/2014/main" id="{C57280BA-07EC-4D67-9908-A811571F3E5A}"/>
+                <a16:creationId xmlns:a16="http://schemas.microsoft.com/office/drawing/2014/main" xmlns="" id="{C57280BA-07EC-4D67-9908-A811571F3E5A}"/>
               </a:ext>
             </a:extLst>
           </p:cNvPr>
@@ -19326,7 +19546,7 @@
           <p:cNvPr id="19" name="Seta: para a Esquerda 18">
             <a:extLst>
               <a:ext uri="{FF2B5EF4-FFF2-40B4-BE49-F238E27FC236}">
-                <a16:creationId xmlns:a16="http://schemas.microsoft.com/office/drawing/2014/main" id="{A2FDDB11-519E-4D4D-B058-B9F466E69A3F}"/>
+                <a16:creationId xmlns:a16="http://schemas.microsoft.com/office/drawing/2014/main" xmlns="" id="{A2FDDB11-519E-4D4D-B058-B9F466E69A3F}"/>
               </a:ext>
             </a:extLst>
           </p:cNvPr>
@@ -19372,7 +19592,7 @@
           <p:cNvPr id="20" name="Seta: para a Esquerda 19">
             <a:extLst>
               <a:ext uri="{FF2B5EF4-FFF2-40B4-BE49-F238E27FC236}">
-                <a16:creationId xmlns:a16="http://schemas.microsoft.com/office/drawing/2014/main" id="{336B2A77-F5F0-4EF7-9AFE-2A7D248B9895}"/>
+                <a16:creationId xmlns:a16="http://schemas.microsoft.com/office/drawing/2014/main" xmlns="" id="{336B2A77-F5F0-4EF7-9AFE-2A7D248B9895}"/>
               </a:ext>
             </a:extLst>
           </p:cNvPr>
@@ -20859,7 +21079,7 @@
 </p:sld>
 </file>
 
-<file path=ppt/slides/slide31.xml><?xml version="1.0" encoding="utf-8"?>
+<file path=ppt/slides/slide32.xml><?xml version="1.0" encoding="utf-8"?>
 <p:sld xmlns:a="http://schemas.openxmlformats.org/drawingml/2006/main" xmlns:r="http://schemas.openxmlformats.org/officeDocument/2006/relationships" xmlns:p="http://schemas.openxmlformats.org/presentationml/2006/main">
   <p:cSld>
     <p:spTree>
@@ -20881,7 +21101,7 @@
           <p:cNvPr id="2" name="Título 1">
             <a:extLst>
               <a:ext uri="{FF2B5EF4-FFF2-40B4-BE49-F238E27FC236}">
-                <a16:creationId xmlns:a16="http://schemas.microsoft.com/office/drawing/2014/main" id="{F078A35C-B12D-4283-99CE-3C65E59E1DF3}"/>
+                <a16:creationId xmlns:a16="http://schemas.microsoft.com/office/drawing/2014/main" xmlns="" id="{F078A35C-B12D-4283-99CE-3C65E59E1DF3}"/>
               </a:ext>
             </a:extLst>
           </p:cNvPr>
@@ -20906,7 +21126,7 @@
           <p:cNvPr id="3" name="Espaço Reservado para Conteúdo 2">
             <a:extLst>
               <a:ext uri="{FF2B5EF4-FFF2-40B4-BE49-F238E27FC236}">
-                <a16:creationId xmlns:a16="http://schemas.microsoft.com/office/drawing/2014/main" id="{AB5FB250-2CCA-434F-86AA-679C9B713C10}"/>
+                <a16:creationId xmlns:a16="http://schemas.microsoft.com/office/drawing/2014/main" xmlns="" id="{AB5FB250-2CCA-434F-86AA-679C9B713C10}"/>
               </a:ext>
             </a:extLst>
           </p:cNvPr>
@@ -20931,7 +21151,7 @@
           <p:cNvPr id="4" name="Imagem 3">
             <a:extLst>
               <a:ext uri="{FF2B5EF4-FFF2-40B4-BE49-F238E27FC236}">
-                <a16:creationId xmlns:a16="http://schemas.microsoft.com/office/drawing/2014/main" id="{C020588C-630C-4604-A26D-32C607831EED}"/>
+                <a16:creationId xmlns:a16="http://schemas.microsoft.com/office/drawing/2014/main" xmlns="" id="{C020588C-630C-4604-A26D-32C607831EED}"/>
               </a:ext>
             </a:extLst>
           </p:cNvPr>
@@ -20961,7 +21181,7 @@
           <p:cNvPr id="5" name="Seta: para a Esquerda 4">
             <a:extLst>
               <a:ext uri="{FF2B5EF4-FFF2-40B4-BE49-F238E27FC236}">
-                <a16:creationId xmlns:a16="http://schemas.microsoft.com/office/drawing/2014/main" id="{C1E390D4-71DB-41D1-A298-D8B7E641E76E}"/>
+                <a16:creationId xmlns:a16="http://schemas.microsoft.com/office/drawing/2014/main" xmlns="" id="{C1E390D4-71DB-41D1-A298-D8B7E641E76E}"/>
               </a:ext>
             </a:extLst>
           </p:cNvPr>
@@ -21007,7 +21227,7 @@
           <p:cNvPr id="6" name="Seta: para a Esquerda 5">
             <a:extLst>
               <a:ext uri="{FF2B5EF4-FFF2-40B4-BE49-F238E27FC236}">
-                <a16:creationId xmlns:a16="http://schemas.microsoft.com/office/drawing/2014/main" id="{120D9DAD-3EB5-4789-8606-6459207ED0A4}"/>
+                <a16:creationId xmlns:a16="http://schemas.microsoft.com/office/drawing/2014/main" xmlns="" id="{120D9DAD-3EB5-4789-8606-6459207ED0A4}"/>
               </a:ext>
             </a:extLst>
           </p:cNvPr>
@@ -21296,7 +21516,7 @@
 </p:sld>
 </file>
 
-<file path=ppt/slides/slide32.xml><?xml version="1.0" encoding="utf-8"?>
+<file path=ppt/slides/slide33.xml><?xml version="1.0" encoding="utf-8"?>
 <p:sld xmlns:a="http://schemas.openxmlformats.org/drawingml/2006/main" xmlns:r="http://schemas.openxmlformats.org/officeDocument/2006/relationships" xmlns:p="http://schemas.openxmlformats.org/presentationml/2006/main">
   <p:cSld>
     <p:spTree>
@@ -21315,13 +21535,7 @@
       </p:grpSpPr>
       <p:sp>
         <p:nvSpPr>
-          <p:cNvPr id="2" name="Título 1">
-            <a:extLst>
-              <a:ext uri="{FF2B5EF4-FFF2-40B4-BE49-F238E27FC236}">
-                <a16:creationId xmlns:a16="http://schemas.microsoft.com/office/drawing/2014/main" id="{79A28E4C-653F-4811-A33E-9AD63BC099FB}"/>
-              </a:ext>
-            </a:extLst>
-          </p:cNvPr>
+          <p:cNvPr id="2" name="Título 1"/>
           <p:cNvSpPr>
             <a:spLocks noGrp="1"/>
           </p:cNvSpPr>
@@ -21334,19 +21548,13 @@
           <a:bodyPr/>
           <a:lstStyle/>
           <a:p>
-            <a:endParaRPr lang="pt-BR"/>
+            <a:endParaRPr lang="en-US"/>
           </a:p>
         </p:txBody>
       </p:sp>
       <p:sp>
         <p:nvSpPr>
-          <p:cNvPr id="3" name="Espaço Reservado para Conteúdo 2">
-            <a:extLst>
-              <a:ext uri="{FF2B5EF4-FFF2-40B4-BE49-F238E27FC236}">
-                <a16:creationId xmlns:a16="http://schemas.microsoft.com/office/drawing/2014/main" id="{F1479A70-E248-468F-B28E-B216359028D8}"/>
-              </a:ext>
-            </a:extLst>
-          </p:cNvPr>
+          <p:cNvPr id="3" name="Espaço Reservado para Conteúdo 2"/>
           <p:cNvSpPr>
             <a:spLocks noGrp="1"/>
           </p:cNvSpPr>
@@ -21359,70 +21567,2648 @@
           <a:bodyPr/>
           <a:lstStyle/>
           <a:p>
-            <a:endParaRPr lang="pt-BR"/>
+            <a:endParaRPr lang="pt-BR" dirty="0" smtClean="0"/>
+          </a:p>
+          <a:p>
+            <a:endParaRPr lang="en-US" dirty="0"/>
           </a:p>
         </p:txBody>
       </p:sp>
-      <p:pic>
-        <p:nvPicPr>
-          <p:cNvPr id="1026" name="Picture 2" descr="A imagem pode conter: uma ou mais pessoas e atividades ao ar livre">
+      <p:sp>
+        <p:nvSpPr>
+          <p:cNvPr id="4" name="Retângulo 3">
             <a:extLst>
               <a:ext uri="{FF2B5EF4-FFF2-40B4-BE49-F238E27FC236}">
-                <a16:creationId xmlns:a16="http://schemas.microsoft.com/office/drawing/2014/main" id="{504CE98A-66E7-4C34-940D-61F2BB63B850}"/>
+                <a16:creationId xmlns:a16="http://schemas.microsoft.com/office/drawing/2014/main" xmlns="" id="{600C0023-42BD-434E-AA67-D21FE6B19897}"/>
               </a:ext>
             </a:extLst>
           </p:cNvPr>
-          <p:cNvPicPr>
-            <a:picLocks noChangeAspect="1" noChangeArrowheads="1"/>
-          </p:cNvPicPr>
+          <p:cNvSpPr/>
           <p:nvPr/>
-        </p:nvPicPr>
-        <p:blipFill>
-          <a:blip r:embed="rId2">
-            <a:extLst>
-              <a:ext uri="{28A0092B-C50C-407E-A947-70E740481C1C}">
-                <a14:useLocalDpi xmlns:a14="http://schemas.microsoft.com/office/drawing/2010/main" val="0"/>
-              </a:ext>
-            </a:extLst>
-          </a:blip>
-          <a:srcRect/>
-          <a:stretch>
-            <a:fillRect/>
-          </a:stretch>
-        </p:blipFill>
-        <p:spPr bwMode="auto">
+        </p:nvSpPr>
+        <p:spPr>
           <a:xfrm>
-            <a:off x="711652" y="365125"/>
-            <a:ext cx="10642147" cy="5992132"/>
+            <a:off x="3549805" y="3164819"/>
+            <a:ext cx="5092390" cy="1193181"/>
           </a:xfrm>
           <a:prstGeom prst="rect">
             <a:avLst/>
           </a:prstGeom>
-          <a:noFill/>
-          <a:extLst>
-            <a:ext uri="{909E8E84-426E-40DD-AFC4-6F175D3DCCD1}">
-              <a14:hiddenFill xmlns:a14="http://schemas.microsoft.com/office/drawing/2010/main">
-                <a:solidFill>
-                  <a:srgbClr val="FFFFFF"/>
-                </a:solidFill>
-              </a14:hiddenFill>
-            </a:ext>
-          </a:extLst>
+          <a:solidFill>
+            <a:srgbClr val="7030A0"/>
+          </a:solidFill>
+          <a:ln>
+            <a:solidFill>
+              <a:schemeClr val="accent1"/>
+            </a:solidFill>
+          </a:ln>
         </p:spPr>
-      </p:pic>
+        <p:style>
+          <a:lnRef idx="2">
+            <a:schemeClr val="accent1">
+              <a:shade val="50000"/>
+            </a:schemeClr>
+          </a:lnRef>
+          <a:fillRef idx="1">
+            <a:schemeClr val="accent1"/>
+          </a:fillRef>
+          <a:effectRef idx="0">
+            <a:schemeClr val="accent1"/>
+          </a:effectRef>
+          <a:fontRef idx="minor">
+            <a:schemeClr val="lt1"/>
+          </a:fontRef>
+        </p:style>
+        <p:txBody>
+          <a:bodyPr rtlCol="0" anchor="ctr"/>
+          <a:lstStyle/>
+          <a:p>
+            <a:pPr algn="ctr"/>
+            <a:r>
+              <a:rPr lang="pt-BR" sz="6000" dirty="0"/>
+              <a:t>REPOSITORY</a:t>
+            </a:r>
+            <a:endParaRPr lang="pt-BR" dirty="0"/>
+          </a:p>
+        </p:txBody>
+      </p:sp>
     </p:spTree>
     <p:extLst>
       <p:ext uri="{BB962C8B-B14F-4D97-AF65-F5344CB8AC3E}">
-        <p14:creationId xmlns:p14="http://schemas.microsoft.com/office/powerpoint/2010/main" val="435050814"/>
+        <p14:creationId xmlns:p14="http://schemas.microsoft.com/office/powerpoint/2010/main" val="725285610"/>
       </p:ext>
     </p:extLst>
   </p:cSld>
   <p:clrMapOvr>
     <a:masterClrMapping/>
   </p:clrMapOvr>
-  <p:transition spd="slow">
-    <p:push dir="u"/>
-  </p:transition>
+  <p:timing>
+    <p:tnLst>
+      <p:par>
+        <p:cTn id="1" dur="indefinite" restart="never" nodeType="tmRoot">
+          <p:childTnLst>
+            <p:seq concurrent="1" nextAc="seek">
+              <p:cTn id="2" dur="indefinite" nodeType="mainSeq">
+                <p:childTnLst>
+                  <p:par>
+                    <p:cTn id="3" fill="hold">
+                      <p:stCondLst>
+                        <p:cond delay="indefinite"/>
+                      </p:stCondLst>
+                      <p:childTnLst>
+                        <p:par>
+                          <p:cTn id="4" fill="hold">
+                            <p:stCondLst>
+                              <p:cond delay="0"/>
+                            </p:stCondLst>
+                            <p:childTnLst>
+                              <p:par>
+                                <p:cTn id="5" presetID="22" presetClass="entr" presetSubtype="4" fill="hold" grpId="0" nodeType="clickEffect">
+                                  <p:stCondLst>
+                                    <p:cond delay="0"/>
+                                  </p:stCondLst>
+                                  <p:childTnLst>
+                                    <p:set>
+                                      <p:cBhvr>
+                                        <p:cTn id="6" dur="1" fill="hold">
+                                          <p:stCondLst>
+                                            <p:cond delay="0"/>
+                                          </p:stCondLst>
+                                        </p:cTn>
+                                        <p:tgtEl>
+                                          <p:spTgt spid="4"/>
+                                        </p:tgtEl>
+                                        <p:attrNameLst>
+                                          <p:attrName>style.visibility</p:attrName>
+                                        </p:attrNameLst>
+                                      </p:cBhvr>
+                                      <p:to>
+                                        <p:strVal val="visible"/>
+                                      </p:to>
+                                    </p:set>
+                                    <p:animEffect transition="in" filter="wipe(down)">
+                                      <p:cBhvr>
+                                        <p:cTn id="7" dur="500"/>
+                                        <p:tgtEl>
+                                          <p:spTgt spid="4"/>
+                                        </p:tgtEl>
+                                      </p:cBhvr>
+                                    </p:animEffect>
+                                  </p:childTnLst>
+                                </p:cTn>
+                              </p:par>
+                            </p:childTnLst>
+                          </p:cTn>
+                        </p:par>
+                      </p:childTnLst>
+                    </p:cTn>
+                  </p:par>
+                </p:childTnLst>
+              </p:cTn>
+              <p:prevCondLst>
+                <p:cond evt="onPrev" delay="0">
+                  <p:tgtEl>
+                    <p:sldTgt/>
+                  </p:tgtEl>
+                </p:cond>
+              </p:prevCondLst>
+              <p:nextCondLst>
+                <p:cond evt="onNext" delay="0">
+                  <p:tgtEl>
+                    <p:sldTgt/>
+                  </p:tgtEl>
+                </p:cond>
+              </p:nextCondLst>
+            </p:seq>
+          </p:childTnLst>
+        </p:cTn>
+      </p:par>
+    </p:tnLst>
+    <p:bldLst>
+      <p:bldP spid="4" grpId="0" animBg="1"/>
+    </p:bldLst>
+  </p:timing>
+</p:sld>
+</file>
+
+<file path=ppt/slides/slide34.xml><?xml version="1.0" encoding="utf-8"?>
+<p:sld xmlns:a="http://schemas.openxmlformats.org/drawingml/2006/main" xmlns:r="http://schemas.openxmlformats.org/officeDocument/2006/relationships" xmlns:p="http://schemas.openxmlformats.org/presentationml/2006/main">
+  <p:cSld>
+    <p:spTree>
+      <p:nvGrpSpPr>
+        <p:cNvPr id="1" name=""/>
+        <p:cNvGrpSpPr/>
+        <p:nvPr/>
+      </p:nvGrpSpPr>
+      <p:grpSpPr>
+        <a:xfrm>
+          <a:off x="0" y="0"/>
+          <a:ext cx="0" cy="0"/>
+          <a:chOff x="0" y="0"/>
+          <a:chExt cx="0" cy="0"/>
+        </a:xfrm>
+      </p:grpSpPr>
+      <p:sp>
+        <p:nvSpPr>
+          <p:cNvPr id="2" name="Título 1"/>
+          <p:cNvSpPr>
+            <a:spLocks noGrp="1"/>
+          </p:cNvSpPr>
+          <p:nvPr>
+            <p:ph type="title"/>
+          </p:nvPr>
+        </p:nvSpPr>
+        <p:spPr/>
+        <p:txBody>
+          <a:bodyPr/>
+          <a:lstStyle/>
+          <a:p>
+            <a:endParaRPr lang="en-US"/>
+          </a:p>
+        </p:txBody>
+      </p:sp>
+      <p:sp>
+        <p:nvSpPr>
+          <p:cNvPr id="3" name="Espaço Reservado para Conteúdo 2"/>
+          <p:cNvSpPr>
+            <a:spLocks noGrp="1"/>
+          </p:cNvSpPr>
+          <p:nvPr>
+            <p:ph idx="1"/>
+          </p:nvPr>
+        </p:nvSpPr>
+        <p:spPr/>
+        <p:txBody>
+          <a:bodyPr/>
+          <a:lstStyle/>
+          <a:p>
+            <a:endParaRPr lang="en-US"/>
+          </a:p>
+        </p:txBody>
+      </p:sp>
+      <p:pic>
+        <p:nvPicPr>
+          <p:cNvPr id="4" name="Imagem 3"/>
+          <p:cNvPicPr>
+            <a:picLocks noChangeAspect="1"/>
+          </p:cNvPicPr>
+          <p:nvPr/>
+        </p:nvPicPr>
+        <p:blipFill>
+          <a:blip r:embed="rId2"/>
+          <a:stretch>
+            <a:fillRect/>
+          </a:stretch>
+        </p:blipFill>
+        <p:spPr>
+          <a:xfrm>
+            <a:off x="1019783" y="54228"/>
+            <a:ext cx="6667398" cy="7294918"/>
+          </a:xfrm>
+          <a:prstGeom prst="rect">
+            <a:avLst/>
+          </a:prstGeom>
+        </p:spPr>
+      </p:pic>
+      <p:sp>
+        <p:nvSpPr>
+          <p:cNvPr id="5" name="Seta: para a Esquerda 5">
+            <a:extLst>
+              <a:ext uri="{FF2B5EF4-FFF2-40B4-BE49-F238E27FC236}">
+                <a16:creationId xmlns:a16="http://schemas.microsoft.com/office/drawing/2014/main" xmlns="" id="{120D9DAD-3EB5-4789-8606-6459207ED0A4}"/>
+              </a:ext>
+            </a:extLst>
+          </p:cNvPr>
+          <p:cNvSpPr/>
+          <p:nvPr/>
+        </p:nvSpPr>
+        <p:spPr>
+          <a:xfrm>
+            <a:off x="5733606" y="2603831"/>
+            <a:ext cx="1103086" cy="493486"/>
+          </a:xfrm>
+          <a:prstGeom prst="leftArrow">
+            <a:avLst/>
+          </a:prstGeom>
+        </p:spPr>
+        <p:style>
+          <a:lnRef idx="2">
+            <a:schemeClr val="accent1">
+              <a:shade val="50000"/>
+            </a:schemeClr>
+          </a:lnRef>
+          <a:fillRef idx="1">
+            <a:schemeClr val="accent1"/>
+          </a:fillRef>
+          <a:effectRef idx="0">
+            <a:schemeClr val="accent1"/>
+          </a:effectRef>
+          <a:fontRef idx="minor">
+            <a:schemeClr val="lt1"/>
+          </a:fontRef>
+        </p:style>
+        <p:txBody>
+          <a:bodyPr rtlCol="0" anchor="ctr"/>
+          <a:lstStyle/>
+          <a:p>
+            <a:pPr algn="ctr"/>
+            <a:endParaRPr lang="pt-BR"/>
+          </a:p>
+        </p:txBody>
+      </p:sp>
+      <p:sp>
+        <p:nvSpPr>
+          <p:cNvPr id="6" name="Seta: para a Esquerda 5">
+            <a:extLst>
+              <a:ext uri="{FF2B5EF4-FFF2-40B4-BE49-F238E27FC236}">
+                <a16:creationId xmlns:a16="http://schemas.microsoft.com/office/drawing/2014/main" xmlns="" id="{120D9DAD-3EB5-4789-8606-6459207ED0A4}"/>
+              </a:ext>
+            </a:extLst>
+          </p:cNvPr>
+          <p:cNvSpPr/>
+          <p:nvPr/>
+        </p:nvSpPr>
+        <p:spPr>
+          <a:xfrm>
+            <a:off x="5246901" y="3097317"/>
+            <a:ext cx="1103086" cy="493486"/>
+          </a:xfrm>
+          <a:prstGeom prst="leftArrow">
+            <a:avLst/>
+          </a:prstGeom>
+        </p:spPr>
+        <p:style>
+          <a:lnRef idx="2">
+            <a:schemeClr val="accent1">
+              <a:shade val="50000"/>
+            </a:schemeClr>
+          </a:lnRef>
+          <a:fillRef idx="1">
+            <a:schemeClr val="accent1"/>
+          </a:fillRef>
+          <a:effectRef idx="0">
+            <a:schemeClr val="accent1"/>
+          </a:effectRef>
+          <a:fontRef idx="minor">
+            <a:schemeClr val="lt1"/>
+          </a:fontRef>
+        </p:style>
+        <p:txBody>
+          <a:bodyPr rtlCol="0" anchor="ctr"/>
+          <a:lstStyle/>
+          <a:p>
+            <a:pPr algn="ctr"/>
+            <a:endParaRPr lang="pt-BR"/>
+          </a:p>
+        </p:txBody>
+      </p:sp>
+    </p:spTree>
+    <p:extLst>
+      <p:ext uri="{BB962C8B-B14F-4D97-AF65-F5344CB8AC3E}">
+        <p14:creationId xmlns:p14="http://schemas.microsoft.com/office/powerpoint/2010/main" val="850595556"/>
+      </p:ext>
+    </p:extLst>
+  </p:cSld>
+  <p:clrMapOvr>
+    <a:masterClrMapping/>
+  </p:clrMapOvr>
+  <p:timing>
+    <p:tnLst>
+      <p:par>
+        <p:cTn id="1" dur="indefinite" restart="never" nodeType="tmRoot">
+          <p:childTnLst>
+            <p:seq concurrent="1" nextAc="seek">
+              <p:cTn id="2" dur="indefinite" nodeType="mainSeq">
+                <p:childTnLst>
+                  <p:par>
+                    <p:cTn id="3" fill="hold">
+                      <p:stCondLst>
+                        <p:cond delay="indefinite"/>
+                      </p:stCondLst>
+                      <p:childTnLst>
+                        <p:par>
+                          <p:cTn id="4" fill="hold">
+                            <p:stCondLst>
+                              <p:cond delay="0"/>
+                            </p:stCondLst>
+                            <p:childTnLst>
+                              <p:par>
+                                <p:cTn id="5" presetID="42" presetClass="entr" presetSubtype="0" fill="hold" grpId="0" nodeType="clickEffect">
+                                  <p:stCondLst>
+                                    <p:cond delay="0"/>
+                                  </p:stCondLst>
+                                  <p:childTnLst>
+                                    <p:set>
+                                      <p:cBhvr>
+                                        <p:cTn id="6" dur="1" fill="hold">
+                                          <p:stCondLst>
+                                            <p:cond delay="0"/>
+                                          </p:stCondLst>
+                                        </p:cTn>
+                                        <p:tgtEl>
+                                          <p:spTgt spid="5"/>
+                                        </p:tgtEl>
+                                        <p:attrNameLst>
+                                          <p:attrName>style.visibility</p:attrName>
+                                        </p:attrNameLst>
+                                      </p:cBhvr>
+                                      <p:to>
+                                        <p:strVal val="visible"/>
+                                      </p:to>
+                                    </p:set>
+                                    <p:animEffect transition="in" filter="fade">
+                                      <p:cBhvr>
+                                        <p:cTn id="7" dur="1000"/>
+                                        <p:tgtEl>
+                                          <p:spTgt spid="5"/>
+                                        </p:tgtEl>
+                                      </p:cBhvr>
+                                    </p:animEffect>
+                                    <p:anim calcmode="lin" valueType="num">
+                                      <p:cBhvr>
+                                        <p:cTn id="8" dur="1000" fill="hold"/>
+                                        <p:tgtEl>
+                                          <p:spTgt spid="5"/>
+                                        </p:tgtEl>
+                                        <p:attrNameLst>
+                                          <p:attrName>ppt_x</p:attrName>
+                                        </p:attrNameLst>
+                                      </p:cBhvr>
+                                      <p:tavLst>
+                                        <p:tav tm="0">
+                                          <p:val>
+                                            <p:strVal val="#ppt_x"/>
+                                          </p:val>
+                                        </p:tav>
+                                        <p:tav tm="100000">
+                                          <p:val>
+                                            <p:strVal val="#ppt_x"/>
+                                          </p:val>
+                                        </p:tav>
+                                      </p:tavLst>
+                                    </p:anim>
+                                    <p:anim calcmode="lin" valueType="num">
+                                      <p:cBhvr>
+                                        <p:cTn id="9" dur="1000" fill="hold"/>
+                                        <p:tgtEl>
+                                          <p:spTgt spid="5"/>
+                                        </p:tgtEl>
+                                        <p:attrNameLst>
+                                          <p:attrName>ppt_y</p:attrName>
+                                        </p:attrNameLst>
+                                      </p:cBhvr>
+                                      <p:tavLst>
+                                        <p:tav tm="0">
+                                          <p:val>
+                                            <p:strVal val="#ppt_y+.1"/>
+                                          </p:val>
+                                        </p:tav>
+                                        <p:tav tm="100000">
+                                          <p:val>
+                                            <p:strVal val="#ppt_y"/>
+                                          </p:val>
+                                        </p:tav>
+                                      </p:tavLst>
+                                    </p:anim>
+                                  </p:childTnLst>
+                                </p:cTn>
+                              </p:par>
+                            </p:childTnLst>
+                          </p:cTn>
+                        </p:par>
+                      </p:childTnLst>
+                    </p:cTn>
+                  </p:par>
+                  <p:par>
+                    <p:cTn id="10" fill="hold">
+                      <p:stCondLst>
+                        <p:cond delay="indefinite"/>
+                      </p:stCondLst>
+                      <p:childTnLst>
+                        <p:par>
+                          <p:cTn id="11" fill="hold">
+                            <p:stCondLst>
+                              <p:cond delay="0"/>
+                            </p:stCondLst>
+                            <p:childTnLst>
+                              <p:par>
+                                <p:cTn id="12" presetID="42" presetClass="entr" presetSubtype="0" fill="hold" grpId="0" nodeType="clickEffect">
+                                  <p:stCondLst>
+                                    <p:cond delay="0"/>
+                                  </p:stCondLst>
+                                  <p:childTnLst>
+                                    <p:set>
+                                      <p:cBhvr>
+                                        <p:cTn id="13" dur="1" fill="hold">
+                                          <p:stCondLst>
+                                            <p:cond delay="0"/>
+                                          </p:stCondLst>
+                                        </p:cTn>
+                                        <p:tgtEl>
+                                          <p:spTgt spid="6"/>
+                                        </p:tgtEl>
+                                        <p:attrNameLst>
+                                          <p:attrName>style.visibility</p:attrName>
+                                        </p:attrNameLst>
+                                      </p:cBhvr>
+                                      <p:to>
+                                        <p:strVal val="visible"/>
+                                      </p:to>
+                                    </p:set>
+                                    <p:animEffect transition="in" filter="fade">
+                                      <p:cBhvr>
+                                        <p:cTn id="14" dur="1000"/>
+                                        <p:tgtEl>
+                                          <p:spTgt spid="6"/>
+                                        </p:tgtEl>
+                                      </p:cBhvr>
+                                    </p:animEffect>
+                                    <p:anim calcmode="lin" valueType="num">
+                                      <p:cBhvr>
+                                        <p:cTn id="15" dur="1000" fill="hold"/>
+                                        <p:tgtEl>
+                                          <p:spTgt spid="6"/>
+                                        </p:tgtEl>
+                                        <p:attrNameLst>
+                                          <p:attrName>ppt_x</p:attrName>
+                                        </p:attrNameLst>
+                                      </p:cBhvr>
+                                      <p:tavLst>
+                                        <p:tav tm="0">
+                                          <p:val>
+                                            <p:strVal val="#ppt_x"/>
+                                          </p:val>
+                                        </p:tav>
+                                        <p:tav tm="100000">
+                                          <p:val>
+                                            <p:strVal val="#ppt_x"/>
+                                          </p:val>
+                                        </p:tav>
+                                      </p:tavLst>
+                                    </p:anim>
+                                    <p:anim calcmode="lin" valueType="num">
+                                      <p:cBhvr>
+                                        <p:cTn id="16" dur="1000" fill="hold"/>
+                                        <p:tgtEl>
+                                          <p:spTgt spid="6"/>
+                                        </p:tgtEl>
+                                        <p:attrNameLst>
+                                          <p:attrName>ppt_y</p:attrName>
+                                        </p:attrNameLst>
+                                      </p:cBhvr>
+                                      <p:tavLst>
+                                        <p:tav tm="0">
+                                          <p:val>
+                                            <p:strVal val="#ppt_y+.1"/>
+                                          </p:val>
+                                        </p:tav>
+                                        <p:tav tm="100000">
+                                          <p:val>
+                                            <p:strVal val="#ppt_y"/>
+                                          </p:val>
+                                        </p:tav>
+                                      </p:tavLst>
+                                    </p:anim>
+                                  </p:childTnLst>
+                                </p:cTn>
+                              </p:par>
+                            </p:childTnLst>
+                          </p:cTn>
+                        </p:par>
+                      </p:childTnLst>
+                    </p:cTn>
+                  </p:par>
+                </p:childTnLst>
+              </p:cTn>
+              <p:prevCondLst>
+                <p:cond evt="onPrev" delay="0">
+                  <p:tgtEl>
+                    <p:sldTgt/>
+                  </p:tgtEl>
+                </p:cond>
+              </p:prevCondLst>
+              <p:nextCondLst>
+                <p:cond evt="onNext" delay="0">
+                  <p:tgtEl>
+                    <p:sldTgt/>
+                  </p:tgtEl>
+                </p:cond>
+              </p:nextCondLst>
+            </p:seq>
+          </p:childTnLst>
+        </p:cTn>
+      </p:par>
+    </p:tnLst>
+    <p:bldLst>
+      <p:bldP spid="5" grpId="0" animBg="1"/>
+      <p:bldP spid="6" grpId="0" animBg="1"/>
+    </p:bldLst>
+  </p:timing>
+</p:sld>
+</file>
+
+<file path=ppt/slides/slide35.xml><?xml version="1.0" encoding="utf-8"?>
+<p:sld xmlns:a="http://schemas.openxmlformats.org/drawingml/2006/main" xmlns:r="http://schemas.openxmlformats.org/officeDocument/2006/relationships" xmlns:p="http://schemas.openxmlformats.org/presentationml/2006/main">
+  <p:cSld>
+    <p:spTree>
+      <p:nvGrpSpPr>
+        <p:cNvPr id="1" name=""/>
+        <p:cNvGrpSpPr/>
+        <p:nvPr/>
+      </p:nvGrpSpPr>
+      <p:grpSpPr>
+        <a:xfrm>
+          <a:off x="0" y="0"/>
+          <a:ext cx="0" cy="0"/>
+          <a:chOff x="0" y="0"/>
+          <a:chExt cx="0" cy="0"/>
+        </a:xfrm>
+      </p:grpSpPr>
+      <p:pic>
+        <p:nvPicPr>
+          <p:cNvPr id="8" name="Imagem 7"/>
+          <p:cNvPicPr>
+            <a:picLocks noChangeAspect="1"/>
+          </p:cNvPicPr>
+          <p:nvPr/>
+        </p:nvPicPr>
+        <p:blipFill>
+          <a:blip r:embed="rId2"/>
+          <a:stretch>
+            <a:fillRect/>
+          </a:stretch>
+        </p:blipFill>
+        <p:spPr>
+          <a:xfrm>
+            <a:off x="14794" y="-17931"/>
+            <a:ext cx="12235572" cy="3189148"/>
+          </a:xfrm>
+          <a:prstGeom prst="rect">
+            <a:avLst/>
+          </a:prstGeom>
+        </p:spPr>
+      </p:pic>
+      <p:sp>
+        <p:nvSpPr>
+          <p:cNvPr id="5" name="Retângulo 4"/>
+          <p:cNvSpPr/>
+          <p:nvPr/>
+        </p:nvSpPr>
+        <p:spPr>
+          <a:xfrm>
+            <a:off x="194554" y="3254540"/>
+            <a:ext cx="12198484" cy="2031325"/>
+          </a:xfrm>
+          <a:prstGeom prst="rect">
+            <a:avLst/>
+          </a:prstGeom>
+        </p:spPr>
+        <p:txBody>
+          <a:bodyPr wrap="square">
+            <a:spAutoFit/>
+          </a:bodyPr>
+          <a:lstStyle/>
+          <a:p>
+            <a:pPr marL="285750" indent="-285750">
+              <a:buFont typeface="Arial" panose="020B0604020202020204" pitchFamily="34" charset="0"/>
+              <a:buChar char="•"/>
+            </a:pPr>
+            <a:r>
+              <a:rPr lang="pt-BR" dirty="0">
+                <a:solidFill>
+                  <a:srgbClr val="3F7F5F"/>
+                </a:solidFill>
+                <a:latin typeface="Consolas" panose="020B0609020204030204" pitchFamily="49" charset="0"/>
+              </a:rPr>
+              <a:t>Com a classe modelo criada, o próximo passo é criar o repositório (ou DAO: Data Access Object) </a:t>
+            </a:r>
+            <a:r>
+              <a:rPr lang="pt-BR" dirty="0">
+                <a:solidFill>
+                  <a:srgbClr val="3F7F5F"/>
+                </a:solidFill>
+                <a:latin typeface="Consolas" panose="020B0609020204030204" pitchFamily="49" charset="0"/>
+              </a:rPr>
+              <a:t> que </a:t>
+            </a:r>
+            <a:r>
+              <a:rPr lang="pt-BR" dirty="0">
+                <a:solidFill>
+                  <a:srgbClr val="3F7F5F"/>
+                </a:solidFill>
+                <a:latin typeface="Consolas" panose="020B0609020204030204" pitchFamily="49" charset="0"/>
+              </a:rPr>
+              <a:t>irá fornecer os métodos para as operações CRUD</a:t>
+            </a:r>
+            <a:r>
+              <a:rPr lang="pt-BR" dirty="0">
+                <a:solidFill>
+                  <a:srgbClr val="3F7F5F"/>
+                </a:solidFill>
+                <a:latin typeface="Consolas" panose="020B0609020204030204" pitchFamily="49" charset="0"/>
+              </a:rPr>
+              <a:t>. </a:t>
+            </a:r>
+          </a:p>
+          <a:p>
+            <a:pPr marL="285750" indent="-285750">
+              <a:buFont typeface="Arial" panose="020B0604020202020204" pitchFamily="34" charset="0"/>
+              <a:buChar char="•"/>
+            </a:pPr>
+            <a:r>
+              <a:rPr lang="pt-BR" dirty="0">
+                <a:solidFill>
+                  <a:srgbClr val="3F7F5F"/>
+                </a:solidFill>
+                <a:latin typeface="Consolas" panose="020B0609020204030204" pitchFamily="49" charset="0"/>
+              </a:rPr>
+              <a:t>Uma </a:t>
+            </a:r>
+            <a:r>
+              <a:rPr lang="pt-BR" dirty="0">
+                <a:solidFill>
+                  <a:srgbClr val="3F7F5F"/>
+                </a:solidFill>
+                <a:latin typeface="Consolas" panose="020B0609020204030204" pitchFamily="49" charset="0"/>
+              </a:rPr>
+              <a:t>forma fácil de fazer isso é criar uma interface que </a:t>
+            </a:r>
+            <a:r>
+              <a:rPr lang="pt-BR" dirty="0" err="1">
+                <a:solidFill>
+                  <a:srgbClr val="3F7F5F"/>
+                </a:solidFill>
+                <a:latin typeface="Consolas" panose="020B0609020204030204" pitchFamily="49" charset="0"/>
+              </a:rPr>
+              <a:t>extende</a:t>
+            </a:r>
+            <a:r>
+              <a:rPr lang="pt-BR" dirty="0">
+                <a:solidFill>
+                  <a:srgbClr val="3F7F5F"/>
+                </a:solidFill>
+                <a:latin typeface="Consolas" panose="020B0609020204030204" pitchFamily="49" charset="0"/>
+              </a:rPr>
+              <a:t> a interface </a:t>
+            </a:r>
+            <a:r>
+              <a:rPr lang="pt-BR" dirty="0" err="1">
+                <a:solidFill>
+                  <a:srgbClr val="3F7F5F"/>
+                </a:solidFill>
+                <a:latin typeface="Consolas" panose="020B0609020204030204" pitchFamily="49" charset="0"/>
+              </a:rPr>
+              <a:t>JpaRepository</a:t>
+            </a:r>
+            <a:r>
+              <a:rPr lang="pt-BR" dirty="0">
+                <a:solidFill>
+                  <a:srgbClr val="3F7F5F"/>
+                </a:solidFill>
+                <a:latin typeface="Consolas" panose="020B0609020204030204" pitchFamily="49" charset="0"/>
+              </a:rPr>
+              <a:t> (do Spring Data</a:t>
+            </a:r>
+            <a:r>
+              <a:rPr lang="pt-BR" dirty="0">
+                <a:solidFill>
+                  <a:srgbClr val="3F7F5F"/>
+                </a:solidFill>
+                <a:latin typeface="Consolas" panose="020B0609020204030204" pitchFamily="49" charset="0"/>
+              </a:rPr>
+              <a:t>). </a:t>
+            </a:r>
+            <a:endParaRPr lang="pt-BR" dirty="0" smtClean="0">
+              <a:solidFill>
+                <a:srgbClr val="3F7F5F"/>
+              </a:solidFill>
+              <a:latin typeface="Consolas" panose="020B0609020204030204" pitchFamily="49" charset="0"/>
+            </a:endParaRPr>
+          </a:p>
+          <a:p>
+            <a:pPr marL="285750" indent="-285750">
+              <a:buFont typeface="Arial" panose="020B0604020202020204" pitchFamily="34" charset="0"/>
+              <a:buChar char="•"/>
+            </a:pPr>
+            <a:r>
+              <a:rPr lang="pt-BR" dirty="0" smtClean="0">
+                <a:solidFill>
+                  <a:srgbClr val="3F7F5F"/>
+                </a:solidFill>
+                <a:latin typeface="Consolas" panose="020B0609020204030204" pitchFamily="49" charset="0"/>
+              </a:rPr>
+              <a:t>A </a:t>
+            </a:r>
+            <a:r>
+              <a:rPr lang="pt-BR" dirty="0">
+                <a:solidFill>
+                  <a:srgbClr val="3F7F5F"/>
+                </a:solidFill>
+                <a:latin typeface="Consolas" panose="020B0609020204030204" pitchFamily="49" charset="0"/>
+              </a:rPr>
+              <a:t>interface </a:t>
+            </a:r>
+            <a:r>
+              <a:rPr lang="pt-BR" dirty="0" err="1">
+                <a:solidFill>
+                  <a:srgbClr val="3F7F5F"/>
+                </a:solidFill>
+                <a:latin typeface="Consolas" panose="020B0609020204030204" pitchFamily="49" charset="0"/>
+              </a:rPr>
+              <a:t>JpaRepository</a:t>
+            </a:r>
+            <a:r>
+              <a:rPr lang="pt-BR" dirty="0">
+                <a:solidFill>
+                  <a:srgbClr val="3F7F5F"/>
+                </a:solidFill>
+                <a:latin typeface="Consolas" panose="020B0609020204030204" pitchFamily="49" charset="0"/>
+              </a:rPr>
+              <a:t> precisa de dois parâmetros do tipo </a:t>
+            </a:r>
+            <a:r>
+              <a:rPr lang="pt-BR" dirty="0" err="1">
+                <a:solidFill>
+                  <a:srgbClr val="3F7F5F"/>
+                </a:solidFill>
+                <a:latin typeface="Consolas" panose="020B0609020204030204" pitchFamily="49" charset="0"/>
+              </a:rPr>
+              <a:t>Generics</a:t>
+            </a:r>
+            <a:r>
+              <a:rPr lang="pt-BR" dirty="0">
+                <a:solidFill>
+                  <a:srgbClr val="3F7F5F"/>
+                </a:solidFill>
+                <a:latin typeface="Consolas" panose="020B0609020204030204" pitchFamily="49" charset="0"/>
+              </a:rPr>
+              <a:t>: o primeiro é a entidade </a:t>
+            </a:r>
+            <a:r>
+              <a:rPr lang="pt-BR" dirty="0">
+                <a:solidFill>
+                  <a:srgbClr val="3F7F5F"/>
+                </a:solidFill>
+                <a:latin typeface="Consolas" panose="020B0609020204030204" pitchFamily="49" charset="0"/>
+              </a:rPr>
+              <a:t>JPA (a classe de modelo) </a:t>
+            </a:r>
+            <a:r>
+              <a:rPr lang="pt-BR" dirty="0">
+                <a:solidFill>
+                  <a:srgbClr val="3F7F5F"/>
+                </a:solidFill>
+                <a:latin typeface="Consolas" panose="020B0609020204030204" pitchFamily="49" charset="0"/>
+              </a:rPr>
+              <a:t>que representa a tabela </a:t>
+            </a:r>
+            <a:r>
+              <a:rPr lang="pt-BR" dirty="0">
+                <a:solidFill>
+                  <a:srgbClr val="3F7F5F"/>
+                </a:solidFill>
+                <a:latin typeface="Consolas" panose="020B0609020204030204" pitchFamily="49" charset="0"/>
+              </a:rPr>
+              <a:t> </a:t>
+            </a:r>
+            <a:r>
+              <a:rPr lang="pt-BR" dirty="0">
+                <a:solidFill>
+                  <a:srgbClr val="3F7F5F"/>
+                </a:solidFill>
+                <a:latin typeface="Consolas" panose="020B0609020204030204" pitchFamily="49" charset="0"/>
+              </a:rPr>
+              <a:t>e o segundo é o tipo da chave primária (o mesmo tipo do atributo id).</a:t>
+            </a:r>
+            <a:endParaRPr lang="en-US" dirty="0">
+              <a:solidFill>
+                <a:srgbClr val="3F7F5F"/>
+              </a:solidFill>
+              <a:latin typeface="Consolas" panose="020B0609020204030204" pitchFamily="49" charset="0"/>
+            </a:endParaRPr>
+          </a:p>
+        </p:txBody>
+      </p:sp>
+      <p:sp>
+        <p:nvSpPr>
+          <p:cNvPr id="6" name="Seta: para a Esquerda 5">
+            <a:extLst>
+              <a:ext uri="{FF2B5EF4-FFF2-40B4-BE49-F238E27FC236}">
+                <a16:creationId xmlns:a16="http://schemas.microsoft.com/office/drawing/2014/main" xmlns="" id="{120D9DAD-3EB5-4789-8606-6459207ED0A4}"/>
+              </a:ext>
+            </a:extLst>
+          </p:cNvPr>
+          <p:cNvSpPr/>
+          <p:nvPr/>
+        </p:nvSpPr>
+        <p:spPr>
+          <a:xfrm>
+            <a:off x="2198901" y="1717303"/>
+            <a:ext cx="1103086" cy="493486"/>
+          </a:xfrm>
+          <a:prstGeom prst="leftArrow">
+            <a:avLst/>
+          </a:prstGeom>
+        </p:spPr>
+        <p:style>
+          <a:lnRef idx="2">
+            <a:schemeClr val="accent1">
+              <a:shade val="50000"/>
+            </a:schemeClr>
+          </a:lnRef>
+          <a:fillRef idx="1">
+            <a:schemeClr val="accent1"/>
+          </a:fillRef>
+          <a:effectRef idx="0">
+            <a:schemeClr val="accent1"/>
+          </a:effectRef>
+          <a:fontRef idx="minor">
+            <a:schemeClr val="lt1"/>
+          </a:fontRef>
+        </p:style>
+        <p:txBody>
+          <a:bodyPr rtlCol="0" anchor="ctr"/>
+          <a:lstStyle/>
+          <a:p>
+            <a:pPr algn="ctr"/>
+            <a:endParaRPr lang="pt-BR"/>
+          </a:p>
+        </p:txBody>
+      </p:sp>
+      <p:sp>
+        <p:nvSpPr>
+          <p:cNvPr id="9" name="Retângulo 8"/>
+          <p:cNvSpPr/>
+          <p:nvPr/>
+        </p:nvSpPr>
+        <p:spPr>
+          <a:xfrm>
+            <a:off x="3362526" y="1564458"/>
+            <a:ext cx="6096000" cy="646331"/>
+          </a:xfrm>
+          <a:prstGeom prst="rect">
+            <a:avLst/>
+          </a:prstGeom>
+        </p:spPr>
+        <p:txBody>
+          <a:bodyPr>
+            <a:spAutoFit/>
+          </a:bodyPr>
+          <a:lstStyle/>
+          <a:p>
+            <a:r>
+              <a:rPr lang="pt-BR" dirty="0">
+                <a:solidFill>
+                  <a:srgbClr val="535353"/>
+                </a:solidFill>
+                <a:latin typeface="Source Serif Pro"/>
+              </a:rPr>
+              <a:t>Anotação que serve para definir uma classe como pertencente à camada de persistência.</a:t>
+            </a:r>
+            <a:endParaRPr lang="en-US" dirty="0"/>
+          </a:p>
+        </p:txBody>
+      </p:sp>
+    </p:spTree>
+    <p:extLst>
+      <p:ext uri="{BB962C8B-B14F-4D97-AF65-F5344CB8AC3E}">
+        <p14:creationId xmlns:p14="http://schemas.microsoft.com/office/powerpoint/2010/main" val="864497863"/>
+      </p:ext>
+    </p:extLst>
+  </p:cSld>
+  <p:clrMapOvr>
+    <a:masterClrMapping/>
+  </p:clrMapOvr>
+  <p:timing>
+    <p:tnLst>
+      <p:par>
+        <p:cTn id="1" dur="indefinite" restart="never" nodeType="tmRoot">
+          <p:childTnLst>
+            <p:seq concurrent="1" nextAc="seek">
+              <p:cTn id="2" dur="indefinite" nodeType="mainSeq">
+                <p:childTnLst>
+                  <p:par>
+                    <p:cTn id="3" fill="hold">
+                      <p:stCondLst>
+                        <p:cond delay="indefinite"/>
+                      </p:stCondLst>
+                      <p:childTnLst>
+                        <p:par>
+                          <p:cTn id="4" fill="hold">
+                            <p:stCondLst>
+                              <p:cond delay="0"/>
+                            </p:stCondLst>
+                            <p:childTnLst>
+                              <p:par>
+                                <p:cTn id="5" presetID="42" presetClass="entr" presetSubtype="0" fill="hold" grpId="0" nodeType="clickEffect">
+                                  <p:stCondLst>
+                                    <p:cond delay="0"/>
+                                  </p:stCondLst>
+                                  <p:childTnLst>
+                                    <p:set>
+                                      <p:cBhvr>
+                                        <p:cTn id="6" dur="1" fill="hold">
+                                          <p:stCondLst>
+                                            <p:cond delay="0"/>
+                                          </p:stCondLst>
+                                        </p:cTn>
+                                        <p:tgtEl>
+                                          <p:spTgt spid="6"/>
+                                        </p:tgtEl>
+                                        <p:attrNameLst>
+                                          <p:attrName>style.visibility</p:attrName>
+                                        </p:attrNameLst>
+                                      </p:cBhvr>
+                                      <p:to>
+                                        <p:strVal val="visible"/>
+                                      </p:to>
+                                    </p:set>
+                                    <p:animEffect transition="in" filter="fade">
+                                      <p:cBhvr>
+                                        <p:cTn id="7" dur="1000"/>
+                                        <p:tgtEl>
+                                          <p:spTgt spid="6"/>
+                                        </p:tgtEl>
+                                      </p:cBhvr>
+                                    </p:animEffect>
+                                    <p:anim calcmode="lin" valueType="num">
+                                      <p:cBhvr>
+                                        <p:cTn id="8" dur="1000" fill="hold"/>
+                                        <p:tgtEl>
+                                          <p:spTgt spid="6"/>
+                                        </p:tgtEl>
+                                        <p:attrNameLst>
+                                          <p:attrName>ppt_x</p:attrName>
+                                        </p:attrNameLst>
+                                      </p:cBhvr>
+                                      <p:tavLst>
+                                        <p:tav tm="0">
+                                          <p:val>
+                                            <p:strVal val="#ppt_x"/>
+                                          </p:val>
+                                        </p:tav>
+                                        <p:tav tm="100000">
+                                          <p:val>
+                                            <p:strVal val="#ppt_x"/>
+                                          </p:val>
+                                        </p:tav>
+                                      </p:tavLst>
+                                    </p:anim>
+                                    <p:anim calcmode="lin" valueType="num">
+                                      <p:cBhvr>
+                                        <p:cTn id="9" dur="1000" fill="hold"/>
+                                        <p:tgtEl>
+                                          <p:spTgt spid="6"/>
+                                        </p:tgtEl>
+                                        <p:attrNameLst>
+                                          <p:attrName>ppt_y</p:attrName>
+                                        </p:attrNameLst>
+                                      </p:cBhvr>
+                                      <p:tavLst>
+                                        <p:tav tm="0">
+                                          <p:val>
+                                            <p:strVal val="#ppt_y+.1"/>
+                                          </p:val>
+                                        </p:tav>
+                                        <p:tav tm="100000">
+                                          <p:val>
+                                            <p:strVal val="#ppt_y"/>
+                                          </p:val>
+                                        </p:tav>
+                                      </p:tavLst>
+                                    </p:anim>
+                                  </p:childTnLst>
+                                </p:cTn>
+                              </p:par>
+                              <p:par>
+                                <p:cTn id="10" presetID="6" presetClass="entr" presetSubtype="16" fill="hold" grpId="0" nodeType="withEffect">
+                                  <p:stCondLst>
+                                    <p:cond delay="0"/>
+                                  </p:stCondLst>
+                                  <p:childTnLst>
+                                    <p:set>
+                                      <p:cBhvr>
+                                        <p:cTn id="11" dur="1" fill="hold">
+                                          <p:stCondLst>
+                                            <p:cond delay="0"/>
+                                          </p:stCondLst>
+                                        </p:cTn>
+                                        <p:tgtEl>
+                                          <p:spTgt spid="9"/>
+                                        </p:tgtEl>
+                                        <p:attrNameLst>
+                                          <p:attrName>style.visibility</p:attrName>
+                                        </p:attrNameLst>
+                                      </p:cBhvr>
+                                      <p:to>
+                                        <p:strVal val="visible"/>
+                                      </p:to>
+                                    </p:set>
+                                    <p:animEffect transition="in" filter="circle(in)">
+                                      <p:cBhvr>
+                                        <p:cTn id="12" dur="2000"/>
+                                        <p:tgtEl>
+                                          <p:spTgt spid="9"/>
+                                        </p:tgtEl>
+                                      </p:cBhvr>
+                                    </p:animEffect>
+                                  </p:childTnLst>
+                                </p:cTn>
+                              </p:par>
+                            </p:childTnLst>
+                          </p:cTn>
+                        </p:par>
+                      </p:childTnLst>
+                    </p:cTn>
+                  </p:par>
+                </p:childTnLst>
+              </p:cTn>
+              <p:prevCondLst>
+                <p:cond evt="onPrev" delay="0">
+                  <p:tgtEl>
+                    <p:sldTgt/>
+                  </p:tgtEl>
+                </p:cond>
+              </p:prevCondLst>
+              <p:nextCondLst>
+                <p:cond evt="onNext" delay="0">
+                  <p:tgtEl>
+                    <p:sldTgt/>
+                  </p:tgtEl>
+                </p:cond>
+              </p:nextCondLst>
+            </p:seq>
+          </p:childTnLst>
+        </p:cTn>
+      </p:par>
+    </p:tnLst>
+    <p:bldLst>
+      <p:bldP spid="6" grpId="0" animBg="1"/>
+      <p:bldP spid="9" grpId="0"/>
+    </p:bldLst>
+  </p:timing>
+</p:sld>
+</file>
+
+<file path=ppt/slides/slide36.xml><?xml version="1.0" encoding="utf-8"?>
+<p:sld xmlns:a="http://schemas.openxmlformats.org/drawingml/2006/main" xmlns:r="http://schemas.openxmlformats.org/officeDocument/2006/relationships" xmlns:p="http://schemas.openxmlformats.org/presentationml/2006/main">
+  <p:cSld>
+    <p:spTree>
+      <p:nvGrpSpPr>
+        <p:cNvPr id="1" name=""/>
+        <p:cNvGrpSpPr/>
+        <p:nvPr/>
+      </p:nvGrpSpPr>
+      <p:grpSpPr>
+        <a:xfrm>
+          <a:off x="0" y="0"/>
+          <a:ext cx="0" cy="0"/>
+          <a:chOff x="0" y="0"/>
+          <a:chExt cx="0" cy="0"/>
+        </a:xfrm>
+      </p:grpSpPr>
+      <p:sp>
+        <p:nvSpPr>
+          <p:cNvPr id="2" name="Título 1"/>
+          <p:cNvSpPr>
+            <a:spLocks noGrp="1"/>
+          </p:cNvSpPr>
+          <p:nvPr>
+            <p:ph type="title"/>
+          </p:nvPr>
+        </p:nvSpPr>
+        <p:spPr/>
+        <p:txBody>
+          <a:bodyPr/>
+          <a:lstStyle/>
+          <a:p>
+            <a:r>
+              <a:rPr lang="pt-BR" dirty="0" smtClean="0"/>
+              <a:t>Como testar a camada de acesso a dados?</a:t>
+            </a:r>
+            <a:endParaRPr lang="en-US" dirty="0"/>
+          </a:p>
+        </p:txBody>
+      </p:sp>
+      <p:sp>
+        <p:nvSpPr>
+          <p:cNvPr id="3" name="Espaço Reservado para Conteúdo 2"/>
+          <p:cNvSpPr>
+            <a:spLocks noGrp="1"/>
+          </p:cNvSpPr>
+          <p:nvPr>
+            <p:ph idx="1"/>
+          </p:nvPr>
+        </p:nvSpPr>
+        <p:spPr/>
+        <p:txBody>
+          <a:bodyPr/>
+          <a:lstStyle/>
+          <a:p>
+            <a:endParaRPr lang="en-US" dirty="0"/>
+          </a:p>
+        </p:txBody>
+      </p:sp>
+      <p:pic>
+        <p:nvPicPr>
+          <p:cNvPr id="4" name="Imagem 3"/>
+          <p:cNvPicPr>
+            <a:picLocks noChangeAspect="1"/>
+          </p:cNvPicPr>
+          <p:nvPr/>
+        </p:nvPicPr>
+        <p:blipFill>
+          <a:blip r:embed="rId2"/>
+          <a:stretch>
+            <a:fillRect/>
+          </a:stretch>
+        </p:blipFill>
+        <p:spPr>
+          <a:xfrm>
+            <a:off x="201038" y="1690688"/>
+            <a:ext cx="12192000" cy="2822946"/>
+          </a:xfrm>
+          <a:prstGeom prst="rect">
+            <a:avLst/>
+          </a:prstGeom>
+        </p:spPr>
+      </p:pic>
+      <p:sp>
+        <p:nvSpPr>
+          <p:cNvPr id="5" name="Seta: para a Esquerda 5">
+            <a:extLst>
+              <a:ext uri="{FF2B5EF4-FFF2-40B4-BE49-F238E27FC236}">
+                <a16:creationId xmlns:a16="http://schemas.microsoft.com/office/drawing/2014/main" xmlns="" id="{120D9DAD-3EB5-4789-8606-6459207ED0A4}"/>
+              </a:ext>
+            </a:extLst>
+          </p:cNvPr>
+          <p:cNvSpPr/>
+          <p:nvPr/>
+        </p:nvSpPr>
+        <p:spPr>
+          <a:xfrm>
+            <a:off x="4137948" y="3954665"/>
+            <a:ext cx="1103086" cy="493486"/>
+          </a:xfrm>
+          <a:prstGeom prst="leftArrow">
+            <a:avLst/>
+          </a:prstGeom>
+        </p:spPr>
+        <p:style>
+          <a:lnRef idx="2">
+            <a:schemeClr val="accent1">
+              <a:shade val="50000"/>
+            </a:schemeClr>
+          </a:lnRef>
+          <a:fillRef idx="1">
+            <a:schemeClr val="accent1"/>
+          </a:fillRef>
+          <a:effectRef idx="0">
+            <a:schemeClr val="accent1"/>
+          </a:effectRef>
+          <a:fontRef idx="minor">
+            <a:schemeClr val="lt1"/>
+          </a:fontRef>
+        </p:style>
+        <p:txBody>
+          <a:bodyPr rtlCol="0" anchor="ctr"/>
+          <a:lstStyle/>
+          <a:p>
+            <a:pPr algn="ctr"/>
+            <a:endParaRPr lang="pt-BR"/>
+          </a:p>
+        </p:txBody>
+      </p:sp>
+    </p:spTree>
+    <p:extLst>
+      <p:ext uri="{BB962C8B-B14F-4D97-AF65-F5344CB8AC3E}">
+        <p14:creationId xmlns:p14="http://schemas.microsoft.com/office/powerpoint/2010/main" val="1533780881"/>
+      </p:ext>
+    </p:extLst>
+  </p:cSld>
+  <p:clrMapOvr>
+    <a:masterClrMapping/>
+  </p:clrMapOvr>
+  <p:timing>
+    <p:tnLst>
+      <p:par>
+        <p:cTn id="1" dur="indefinite" restart="never" nodeType="tmRoot">
+          <p:childTnLst>
+            <p:seq concurrent="1" nextAc="seek">
+              <p:cTn id="2" dur="indefinite" nodeType="mainSeq">
+                <p:childTnLst>
+                  <p:par>
+                    <p:cTn id="3" fill="hold">
+                      <p:stCondLst>
+                        <p:cond delay="indefinite"/>
+                      </p:stCondLst>
+                      <p:childTnLst>
+                        <p:par>
+                          <p:cTn id="4" fill="hold">
+                            <p:stCondLst>
+                              <p:cond delay="0"/>
+                            </p:stCondLst>
+                            <p:childTnLst>
+                              <p:par>
+                                <p:cTn id="5" presetID="42" presetClass="entr" presetSubtype="0" fill="hold" grpId="0" nodeType="clickEffect">
+                                  <p:stCondLst>
+                                    <p:cond delay="0"/>
+                                  </p:stCondLst>
+                                  <p:childTnLst>
+                                    <p:set>
+                                      <p:cBhvr>
+                                        <p:cTn id="6" dur="1" fill="hold">
+                                          <p:stCondLst>
+                                            <p:cond delay="0"/>
+                                          </p:stCondLst>
+                                        </p:cTn>
+                                        <p:tgtEl>
+                                          <p:spTgt spid="5"/>
+                                        </p:tgtEl>
+                                        <p:attrNameLst>
+                                          <p:attrName>style.visibility</p:attrName>
+                                        </p:attrNameLst>
+                                      </p:cBhvr>
+                                      <p:to>
+                                        <p:strVal val="visible"/>
+                                      </p:to>
+                                    </p:set>
+                                    <p:animEffect transition="in" filter="fade">
+                                      <p:cBhvr>
+                                        <p:cTn id="7" dur="1000"/>
+                                        <p:tgtEl>
+                                          <p:spTgt spid="5"/>
+                                        </p:tgtEl>
+                                      </p:cBhvr>
+                                    </p:animEffect>
+                                    <p:anim calcmode="lin" valueType="num">
+                                      <p:cBhvr>
+                                        <p:cTn id="8" dur="1000" fill="hold"/>
+                                        <p:tgtEl>
+                                          <p:spTgt spid="5"/>
+                                        </p:tgtEl>
+                                        <p:attrNameLst>
+                                          <p:attrName>ppt_x</p:attrName>
+                                        </p:attrNameLst>
+                                      </p:cBhvr>
+                                      <p:tavLst>
+                                        <p:tav tm="0">
+                                          <p:val>
+                                            <p:strVal val="#ppt_x"/>
+                                          </p:val>
+                                        </p:tav>
+                                        <p:tav tm="100000">
+                                          <p:val>
+                                            <p:strVal val="#ppt_x"/>
+                                          </p:val>
+                                        </p:tav>
+                                      </p:tavLst>
+                                    </p:anim>
+                                    <p:anim calcmode="lin" valueType="num">
+                                      <p:cBhvr>
+                                        <p:cTn id="9" dur="1000" fill="hold"/>
+                                        <p:tgtEl>
+                                          <p:spTgt spid="5"/>
+                                        </p:tgtEl>
+                                        <p:attrNameLst>
+                                          <p:attrName>ppt_y</p:attrName>
+                                        </p:attrNameLst>
+                                      </p:cBhvr>
+                                      <p:tavLst>
+                                        <p:tav tm="0">
+                                          <p:val>
+                                            <p:strVal val="#ppt_y+.1"/>
+                                          </p:val>
+                                        </p:tav>
+                                        <p:tav tm="100000">
+                                          <p:val>
+                                            <p:strVal val="#ppt_y"/>
+                                          </p:val>
+                                        </p:tav>
+                                      </p:tavLst>
+                                    </p:anim>
+                                  </p:childTnLst>
+                                </p:cTn>
+                              </p:par>
+                            </p:childTnLst>
+                          </p:cTn>
+                        </p:par>
+                      </p:childTnLst>
+                    </p:cTn>
+                  </p:par>
+                </p:childTnLst>
+              </p:cTn>
+              <p:prevCondLst>
+                <p:cond evt="onPrev" delay="0">
+                  <p:tgtEl>
+                    <p:sldTgt/>
+                  </p:tgtEl>
+                </p:cond>
+              </p:prevCondLst>
+              <p:nextCondLst>
+                <p:cond evt="onNext" delay="0">
+                  <p:tgtEl>
+                    <p:sldTgt/>
+                  </p:tgtEl>
+                </p:cond>
+              </p:nextCondLst>
+            </p:seq>
+          </p:childTnLst>
+        </p:cTn>
+      </p:par>
+    </p:tnLst>
+    <p:bldLst>
+      <p:bldP spid="5" grpId="0" animBg="1"/>
+    </p:bldLst>
+  </p:timing>
+</p:sld>
+</file>
+
+<file path=ppt/slides/slide37.xml><?xml version="1.0" encoding="utf-8"?>
+<p:sld xmlns:a="http://schemas.openxmlformats.org/drawingml/2006/main" xmlns:r="http://schemas.openxmlformats.org/officeDocument/2006/relationships" xmlns:p="http://schemas.openxmlformats.org/presentationml/2006/main">
+  <p:cSld>
+    <p:spTree>
+      <p:nvGrpSpPr>
+        <p:cNvPr id="1" name=""/>
+        <p:cNvGrpSpPr/>
+        <p:nvPr/>
+      </p:nvGrpSpPr>
+      <p:grpSpPr>
+        <a:xfrm>
+          <a:off x="0" y="0"/>
+          <a:ext cx="0" cy="0"/>
+          <a:chOff x="0" y="0"/>
+          <a:chExt cx="0" cy="0"/>
+        </a:xfrm>
+      </p:grpSpPr>
+      <p:sp>
+        <p:nvSpPr>
+          <p:cNvPr id="2" name="Título 1"/>
+          <p:cNvSpPr>
+            <a:spLocks noGrp="1"/>
+          </p:cNvSpPr>
+          <p:nvPr>
+            <p:ph type="title"/>
+          </p:nvPr>
+        </p:nvSpPr>
+        <p:spPr/>
+        <p:txBody>
+          <a:bodyPr/>
+          <a:lstStyle/>
+          <a:p>
+            <a:endParaRPr lang="en-US"/>
+          </a:p>
+        </p:txBody>
+      </p:sp>
+      <p:sp>
+        <p:nvSpPr>
+          <p:cNvPr id="3" name="Espaço Reservado para Conteúdo 2"/>
+          <p:cNvSpPr>
+            <a:spLocks noGrp="1"/>
+          </p:cNvSpPr>
+          <p:nvPr>
+            <p:ph idx="1"/>
+          </p:nvPr>
+        </p:nvSpPr>
+        <p:spPr/>
+        <p:txBody>
+          <a:bodyPr/>
+          <a:lstStyle/>
+          <a:p>
+            <a:endParaRPr lang="en-US"/>
+          </a:p>
+        </p:txBody>
+      </p:sp>
+      <p:pic>
+        <p:nvPicPr>
+          <p:cNvPr id="4" name="Imagem 3"/>
+          <p:cNvPicPr>
+            <a:picLocks noChangeAspect="1"/>
+          </p:cNvPicPr>
+          <p:nvPr/>
+        </p:nvPicPr>
+        <p:blipFill>
+          <a:blip r:embed="rId2"/>
+          <a:stretch>
+            <a:fillRect/>
+          </a:stretch>
+        </p:blipFill>
+        <p:spPr>
+          <a:xfrm>
+            <a:off x="84204" y="244069"/>
+            <a:ext cx="7619700" cy="5397973"/>
+          </a:xfrm>
+          <a:prstGeom prst="rect">
+            <a:avLst/>
+          </a:prstGeom>
+        </p:spPr>
+      </p:pic>
+      <p:sp>
+        <p:nvSpPr>
+          <p:cNvPr id="5" name="Seta: para a Esquerda 5">
+            <a:extLst>
+              <a:ext uri="{FF2B5EF4-FFF2-40B4-BE49-F238E27FC236}">
+                <a16:creationId xmlns:a16="http://schemas.microsoft.com/office/drawing/2014/main" xmlns="" id="{120D9DAD-3EB5-4789-8606-6459207ED0A4}"/>
+              </a:ext>
+            </a:extLst>
+          </p:cNvPr>
+          <p:cNvSpPr/>
+          <p:nvPr/>
+        </p:nvSpPr>
+        <p:spPr>
+          <a:xfrm>
+            <a:off x="2399940" y="5216025"/>
+            <a:ext cx="1103086" cy="493486"/>
+          </a:xfrm>
+          <a:prstGeom prst="leftArrow">
+            <a:avLst/>
+          </a:prstGeom>
+        </p:spPr>
+        <p:style>
+          <a:lnRef idx="2">
+            <a:schemeClr val="accent1">
+              <a:shade val="50000"/>
+            </a:schemeClr>
+          </a:lnRef>
+          <a:fillRef idx="1">
+            <a:schemeClr val="accent1"/>
+          </a:fillRef>
+          <a:effectRef idx="0">
+            <a:schemeClr val="accent1"/>
+          </a:effectRef>
+          <a:fontRef idx="minor">
+            <a:schemeClr val="lt1"/>
+          </a:fontRef>
+        </p:style>
+        <p:txBody>
+          <a:bodyPr rtlCol="0" anchor="ctr"/>
+          <a:lstStyle/>
+          <a:p>
+            <a:pPr algn="ctr"/>
+            <a:endParaRPr lang="pt-BR" dirty="0"/>
+          </a:p>
+        </p:txBody>
+      </p:sp>
+    </p:spTree>
+    <p:extLst>
+      <p:ext uri="{BB962C8B-B14F-4D97-AF65-F5344CB8AC3E}">
+        <p14:creationId xmlns:p14="http://schemas.microsoft.com/office/powerpoint/2010/main" val="2605149168"/>
+      </p:ext>
+    </p:extLst>
+  </p:cSld>
+  <p:clrMapOvr>
+    <a:masterClrMapping/>
+  </p:clrMapOvr>
+  <p:timing>
+    <p:tnLst>
+      <p:par>
+        <p:cTn id="1" dur="indefinite" restart="never" nodeType="tmRoot">
+          <p:childTnLst>
+            <p:seq concurrent="1" nextAc="seek">
+              <p:cTn id="2" dur="indefinite" nodeType="mainSeq">
+                <p:childTnLst>
+                  <p:par>
+                    <p:cTn id="3" fill="hold">
+                      <p:stCondLst>
+                        <p:cond delay="indefinite"/>
+                      </p:stCondLst>
+                      <p:childTnLst>
+                        <p:par>
+                          <p:cTn id="4" fill="hold">
+                            <p:stCondLst>
+                              <p:cond delay="0"/>
+                            </p:stCondLst>
+                            <p:childTnLst>
+                              <p:par>
+                                <p:cTn id="5" presetID="42" presetClass="entr" presetSubtype="0" fill="hold" grpId="0" nodeType="clickEffect">
+                                  <p:stCondLst>
+                                    <p:cond delay="0"/>
+                                  </p:stCondLst>
+                                  <p:childTnLst>
+                                    <p:set>
+                                      <p:cBhvr>
+                                        <p:cTn id="6" dur="1" fill="hold">
+                                          <p:stCondLst>
+                                            <p:cond delay="0"/>
+                                          </p:stCondLst>
+                                        </p:cTn>
+                                        <p:tgtEl>
+                                          <p:spTgt spid="5"/>
+                                        </p:tgtEl>
+                                        <p:attrNameLst>
+                                          <p:attrName>style.visibility</p:attrName>
+                                        </p:attrNameLst>
+                                      </p:cBhvr>
+                                      <p:to>
+                                        <p:strVal val="visible"/>
+                                      </p:to>
+                                    </p:set>
+                                    <p:animEffect transition="in" filter="fade">
+                                      <p:cBhvr>
+                                        <p:cTn id="7" dur="1000"/>
+                                        <p:tgtEl>
+                                          <p:spTgt spid="5"/>
+                                        </p:tgtEl>
+                                      </p:cBhvr>
+                                    </p:animEffect>
+                                    <p:anim calcmode="lin" valueType="num">
+                                      <p:cBhvr>
+                                        <p:cTn id="8" dur="1000" fill="hold"/>
+                                        <p:tgtEl>
+                                          <p:spTgt spid="5"/>
+                                        </p:tgtEl>
+                                        <p:attrNameLst>
+                                          <p:attrName>ppt_x</p:attrName>
+                                        </p:attrNameLst>
+                                      </p:cBhvr>
+                                      <p:tavLst>
+                                        <p:tav tm="0">
+                                          <p:val>
+                                            <p:strVal val="#ppt_x"/>
+                                          </p:val>
+                                        </p:tav>
+                                        <p:tav tm="100000">
+                                          <p:val>
+                                            <p:strVal val="#ppt_x"/>
+                                          </p:val>
+                                        </p:tav>
+                                      </p:tavLst>
+                                    </p:anim>
+                                    <p:anim calcmode="lin" valueType="num">
+                                      <p:cBhvr>
+                                        <p:cTn id="9" dur="1000" fill="hold"/>
+                                        <p:tgtEl>
+                                          <p:spTgt spid="5"/>
+                                        </p:tgtEl>
+                                        <p:attrNameLst>
+                                          <p:attrName>ppt_y</p:attrName>
+                                        </p:attrNameLst>
+                                      </p:cBhvr>
+                                      <p:tavLst>
+                                        <p:tav tm="0">
+                                          <p:val>
+                                            <p:strVal val="#ppt_y+.1"/>
+                                          </p:val>
+                                        </p:tav>
+                                        <p:tav tm="100000">
+                                          <p:val>
+                                            <p:strVal val="#ppt_y"/>
+                                          </p:val>
+                                        </p:tav>
+                                      </p:tavLst>
+                                    </p:anim>
+                                  </p:childTnLst>
+                                </p:cTn>
+                              </p:par>
+                            </p:childTnLst>
+                          </p:cTn>
+                        </p:par>
+                      </p:childTnLst>
+                    </p:cTn>
+                  </p:par>
+                </p:childTnLst>
+              </p:cTn>
+              <p:prevCondLst>
+                <p:cond evt="onPrev" delay="0">
+                  <p:tgtEl>
+                    <p:sldTgt/>
+                  </p:tgtEl>
+                </p:cond>
+              </p:prevCondLst>
+              <p:nextCondLst>
+                <p:cond evt="onNext" delay="0">
+                  <p:tgtEl>
+                    <p:sldTgt/>
+                  </p:tgtEl>
+                </p:cond>
+              </p:nextCondLst>
+            </p:seq>
+          </p:childTnLst>
+        </p:cTn>
+      </p:par>
+    </p:tnLst>
+    <p:bldLst>
+      <p:bldP spid="5" grpId="0" animBg="1"/>
+    </p:bldLst>
+  </p:timing>
+</p:sld>
+</file>
+
+<file path=ppt/slides/slide38.xml><?xml version="1.0" encoding="utf-8"?>
+<p:sld xmlns:a="http://schemas.openxmlformats.org/drawingml/2006/main" xmlns:r="http://schemas.openxmlformats.org/officeDocument/2006/relationships" xmlns:p="http://schemas.openxmlformats.org/presentationml/2006/main">
+  <p:cSld>
+    <p:spTree>
+      <p:nvGrpSpPr>
+        <p:cNvPr id="1" name=""/>
+        <p:cNvGrpSpPr/>
+        <p:nvPr/>
+      </p:nvGrpSpPr>
+      <p:grpSpPr>
+        <a:xfrm>
+          <a:off x="0" y="0"/>
+          <a:ext cx="0" cy="0"/>
+          <a:chOff x="0" y="0"/>
+          <a:chExt cx="0" cy="0"/>
+        </a:xfrm>
+      </p:grpSpPr>
+      <p:sp>
+        <p:nvSpPr>
+          <p:cNvPr id="2" name="Título 1"/>
+          <p:cNvSpPr>
+            <a:spLocks noGrp="1"/>
+          </p:cNvSpPr>
+          <p:nvPr>
+            <p:ph type="title"/>
+          </p:nvPr>
+        </p:nvSpPr>
+        <p:spPr/>
+        <p:txBody>
+          <a:bodyPr/>
+          <a:lstStyle/>
+          <a:p>
+            <a:endParaRPr lang="en-US"/>
+          </a:p>
+        </p:txBody>
+      </p:sp>
+      <p:sp>
+        <p:nvSpPr>
+          <p:cNvPr id="3" name="Espaço Reservado para Conteúdo 2"/>
+          <p:cNvSpPr>
+            <a:spLocks noGrp="1"/>
+          </p:cNvSpPr>
+          <p:nvPr>
+            <p:ph idx="1"/>
+          </p:nvPr>
+        </p:nvSpPr>
+        <p:spPr/>
+        <p:txBody>
+          <a:bodyPr/>
+          <a:lstStyle/>
+          <a:p>
+            <a:endParaRPr lang="en-US"/>
+          </a:p>
+        </p:txBody>
+      </p:sp>
+      <p:pic>
+        <p:nvPicPr>
+          <p:cNvPr id="5" name="Imagem 4"/>
+          <p:cNvPicPr>
+            <a:picLocks noChangeAspect="1"/>
+          </p:cNvPicPr>
+          <p:nvPr/>
+        </p:nvPicPr>
+        <p:blipFill>
+          <a:blip r:embed="rId2"/>
+          <a:stretch>
+            <a:fillRect/>
+          </a:stretch>
+        </p:blipFill>
+        <p:spPr>
+          <a:xfrm>
+            <a:off x="0" y="-49185"/>
+            <a:ext cx="12192000" cy="5542070"/>
+          </a:xfrm>
+          <a:prstGeom prst="rect">
+            <a:avLst/>
+          </a:prstGeom>
+        </p:spPr>
+      </p:pic>
+      <p:sp>
+        <p:nvSpPr>
+          <p:cNvPr id="6" name="Seta: para a Esquerda 5">
+            <a:extLst>
+              <a:ext uri="{FF2B5EF4-FFF2-40B4-BE49-F238E27FC236}">
+                <a16:creationId xmlns:a16="http://schemas.microsoft.com/office/drawing/2014/main" xmlns="" id="{120D9DAD-3EB5-4789-8606-6459207ED0A4}"/>
+              </a:ext>
+            </a:extLst>
+          </p:cNvPr>
+          <p:cNvSpPr/>
+          <p:nvPr/>
+        </p:nvSpPr>
+        <p:spPr>
+          <a:xfrm>
+            <a:off x="3813693" y="1305468"/>
+            <a:ext cx="1103086" cy="493486"/>
+          </a:xfrm>
+          <a:prstGeom prst="leftArrow">
+            <a:avLst/>
+          </a:prstGeom>
+        </p:spPr>
+        <p:style>
+          <a:lnRef idx="2">
+            <a:schemeClr val="accent1">
+              <a:shade val="50000"/>
+            </a:schemeClr>
+          </a:lnRef>
+          <a:fillRef idx="1">
+            <a:schemeClr val="accent1"/>
+          </a:fillRef>
+          <a:effectRef idx="0">
+            <a:schemeClr val="accent1"/>
+          </a:effectRef>
+          <a:fontRef idx="minor">
+            <a:schemeClr val="lt1"/>
+          </a:fontRef>
+        </p:style>
+        <p:txBody>
+          <a:bodyPr rtlCol="0" anchor="ctr"/>
+          <a:lstStyle/>
+          <a:p>
+            <a:pPr algn="ctr"/>
+            <a:endParaRPr lang="pt-BR" dirty="0"/>
+          </a:p>
+        </p:txBody>
+      </p:sp>
+      <p:sp>
+        <p:nvSpPr>
+          <p:cNvPr id="7" name="Seta: para a Esquerda 5">
+            <a:extLst>
+              <a:ext uri="{FF2B5EF4-FFF2-40B4-BE49-F238E27FC236}">
+                <a16:creationId xmlns:a16="http://schemas.microsoft.com/office/drawing/2014/main" xmlns="" id="{120D9DAD-3EB5-4789-8606-6459207ED0A4}"/>
+              </a:ext>
+            </a:extLst>
+          </p:cNvPr>
+          <p:cNvSpPr/>
+          <p:nvPr/>
+        </p:nvSpPr>
+        <p:spPr>
+          <a:xfrm>
+            <a:off x="3696962" y="2384288"/>
+            <a:ext cx="1103086" cy="493486"/>
+          </a:xfrm>
+          <a:prstGeom prst="leftArrow">
+            <a:avLst/>
+          </a:prstGeom>
+        </p:spPr>
+        <p:style>
+          <a:lnRef idx="2">
+            <a:schemeClr val="accent1">
+              <a:shade val="50000"/>
+            </a:schemeClr>
+          </a:lnRef>
+          <a:fillRef idx="1">
+            <a:schemeClr val="accent1"/>
+          </a:fillRef>
+          <a:effectRef idx="0">
+            <a:schemeClr val="accent1"/>
+          </a:effectRef>
+          <a:fontRef idx="minor">
+            <a:schemeClr val="lt1"/>
+          </a:fontRef>
+        </p:style>
+        <p:txBody>
+          <a:bodyPr rtlCol="0" anchor="ctr"/>
+          <a:lstStyle/>
+          <a:p>
+            <a:pPr algn="ctr"/>
+            <a:endParaRPr lang="pt-BR" dirty="0"/>
+          </a:p>
+        </p:txBody>
+      </p:sp>
+      <p:sp>
+        <p:nvSpPr>
+          <p:cNvPr id="8" name="Seta: para a Esquerda 5">
+            <a:extLst>
+              <a:ext uri="{FF2B5EF4-FFF2-40B4-BE49-F238E27FC236}">
+                <a16:creationId xmlns:a16="http://schemas.microsoft.com/office/drawing/2014/main" xmlns="" id="{120D9DAD-3EB5-4789-8606-6459207ED0A4}"/>
+              </a:ext>
+            </a:extLst>
+          </p:cNvPr>
+          <p:cNvSpPr/>
+          <p:nvPr/>
+        </p:nvSpPr>
+        <p:spPr>
+          <a:xfrm>
+            <a:off x="4248505" y="3821727"/>
+            <a:ext cx="1103086" cy="493486"/>
+          </a:xfrm>
+          <a:prstGeom prst="leftArrow">
+            <a:avLst/>
+          </a:prstGeom>
+        </p:spPr>
+        <p:style>
+          <a:lnRef idx="2">
+            <a:schemeClr val="accent1">
+              <a:shade val="50000"/>
+            </a:schemeClr>
+          </a:lnRef>
+          <a:fillRef idx="1">
+            <a:schemeClr val="accent1"/>
+          </a:fillRef>
+          <a:effectRef idx="0">
+            <a:schemeClr val="accent1"/>
+          </a:effectRef>
+          <a:fontRef idx="minor">
+            <a:schemeClr val="lt1"/>
+          </a:fontRef>
+        </p:style>
+        <p:txBody>
+          <a:bodyPr rtlCol="0" anchor="ctr"/>
+          <a:lstStyle/>
+          <a:p>
+            <a:pPr algn="ctr"/>
+            <a:endParaRPr lang="pt-BR" dirty="0"/>
+          </a:p>
+        </p:txBody>
+      </p:sp>
+    </p:spTree>
+    <p:extLst>
+      <p:ext uri="{BB962C8B-B14F-4D97-AF65-F5344CB8AC3E}">
+        <p14:creationId xmlns:p14="http://schemas.microsoft.com/office/powerpoint/2010/main" val="325781717"/>
+      </p:ext>
+    </p:extLst>
+  </p:cSld>
+  <p:clrMapOvr>
+    <a:masterClrMapping/>
+  </p:clrMapOvr>
+  <p:timing>
+    <p:tnLst>
+      <p:par>
+        <p:cTn id="1" dur="indefinite" restart="never" nodeType="tmRoot">
+          <p:childTnLst>
+            <p:seq concurrent="1" nextAc="seek">
+              <p:cTn id="2" dur="indefinite" nodeType="mainSeq">
+                <p:childTnLst>
+                  <p:par>
+                    <p:cTn id="3" fill="hold">
+                      <p:stCondLst>
+                        <p:cond delay="indefinite"/>
+                      </p:stCondLst>
+                      <p:childTnLst>
+                        <p:par>
+                          <p:cTn id="4" fill="hold">
+                            <p:stCondLst>
+                              <p:cond delay="0"/>
+                            </p:stCondLst>
+                            <p:childTnLst>
+                              <p:par>
+                                <p:cTn id="5" presetID="42" presetClass="entr" presetSubtype="0" fill="hold" grpId="0" nodeType="clickEffect">
+                                  <p:stCondLst>
+                                    <p:cond delay="0"/>
+                                  </p:stCondLst>
+                                  <p:childTnLst>
+                                    <p:set>
+                                      <p:cBhvr>
+                                        <p:cTn id="6" dur="1" fill="hold">
+                                          <p:stCondLst>
+                                            <p:cond delay="0"/>
+                                          </p:stCondLst>
+                                        </p:cTn>
+                                        <p:tgtEl>
+                                          <p:spTgt spid="6"/>
+                                        </p:tgtEl>
+                                        <p:attrNameLst>
+                                          <p:attrName>style.visibility</p:attrName>
+                                        </p:attrNameLst>
+                                      </p:cBhvr>
+                                      <p:to>
+                                        <p:strVal val="visible"/>
+                                      </p:to>
+                                    </p:set>
+                                    <p:animEffect transition="in" filter="fade">
+                                      <p:cBhvr>
+                                        <p:cTn id="7" dur="1000"/>
+                                        <p:tgtEl>
+                                          <p:spTgt spid="6"/>
+                                        </p:tgtEl>
+                                      </p:cBhvr>
+                                    </p:animEffect>
+                                    <p:anim calcmode="lin" valueType="num">
+                                      <p:cBhvr>
+                                        <p:cTn id="8" dur="1000" fill="hold"/>
+                                        <p:tgtEl>
+                                          <p:spTgt spid="6"/>
+                                        </p:tgtEl>
+                                        <p:attrNameLst>
+                                          <p:attrName>ppt_x</p:attrName>
+                                        </p:attrNameLst>
+                                      </p:cBhvr>
+                                      <p:tavLst>
+                                        <p:tav tm="0">
+                                          <p:val>
+                                            <p:strVal val="#ppt_x"/>
+                                          </p:val>
+                                        </p:tav>
+                                        <p:tav tm="100000">
+                                          <p:val>
+                                            <p:strVal val="#ppt_x"/>
+                                          </p:val>
+                                        </p:tav>
+                                      </p:tavLst>
+                                    </p:anim>
+                                    <p:anim calcmode="lin" valueType="num">
+                                      <p:cBhvr>
+                                        <p:cTn id="9" dur="1000" fill="hold"/>
+                                        <p:tgtEl>
+                                          <p:spTgt spid="6"/>
+                                        </p:tgtEl>
+                                        <p:attrNameLst>
+                                          <p:attrName>ppt_y</p:attrName>
+                                        </p:attrNameLst>
+                                      </p:cBhvr>
+                                      <p:tavLst>
+                                        <p:tav tm="0">
+                                          <p:val>
+                                            <p:strVal val="#ppt_y+.1"/>
+                                          </p:val>
+                                        </p:tav>
+                                        <p:tav tm="100000">
+                                          <p:val>
+                                            <p:strVal val="#ppt_y"/>
+                                          </p:val>
+                                        </p:tav>
+                                      </p:tavLst>
+                                    </p:anim>
+                                  </p:childTnLst>
+                                </p:cTn>
+                              </p:par>
+                            </p:childTnLst>
+                          </p:cTn>
+                        </p:par>
+                      </p:childTnLst>
+                    </p:cTn>
+                  </p:par>
+                  <p:par>
+                    <p:cTn id="10" fill="hold">
+                      <p:stCondLst>
+                        <p:cond delay="indefinite"/>
+                      </p:stCondLst>
+                      <p:childTnLst>
+                        <p:par>
+                          <p:cTn id="11" fill="hold">
+                            <p:stCondLst>
+                              <p:cond delay="0"/>
+                            </p:stCondLst>
+                            <p:childTnLst>
+                              <p:par>
+                                <p:cTn id="12" presetID="42" presetClass="entr" presetSubtype="0" fill="hold" grpId="0" nodeType="clickEffect">
+                                  <p:stCondLst>
+                                    <p:cond delay="0"/>
+                                  </p:stCondLst>
+                                  <p:childTnLst>
+                                    <p:set>
+                                      <p:cBhvr>
+                                        <p:cTn id="13" dur="1" fill="hold">
+                                          <p:stCondLst>
+                                            <p:cond delay="0"/>
+                                          </p:stCondLst>
+                                        </p:cTn>
+                                        <p:tgtEl>
+                                          <p:spTgt spid="7"/>
+                                        </p:tgtEl>
+                                        <p:attrNameLst>
+                                          <p:attrName>style.visibility</p:attrName>
+                                        </p:attrNameLst>
+                                      </p:cBhvr>
+                                      <p:to>
+                                        <p:strVal val="visible"/>
+                                      </p:to>
+                                    </p:set>
+                                    <p:animEffect transition="in" filter="fade">
+                                      <p:cBhvr>
+                                        <p:cTn id="14" dur="1000"/>
+                                        <p:tgtEl>
+                                          <p:spTgt spid="7"/>
+                                        </p:tgtEl>
+                                      </p:cBhvr>
+                                    </p:animEffect>
+                                    <p:anim calcmode="lin" valueType="num">
+                                      <p:cBhvr>
+                                        <p:cTn id="15" dur="1000" fill="hold"/>
+                                        <p:tgtEl>
+                                          <p:spTgt spid="7"/>
+                                        </p:tgtEl>
+                                        <p:attrNameLst>
+                                          <p:attrName>ppt_x</p:attrName>
+                                        </p:attrNameLst>
+                                      </p:cBhvr>
+                                      <p:tavLst>
+                                        <p:tav tm="0">
+                                          <p:val>
+                                            <p:strVal val="#ppt_x"/>
+                                          </p:val>
+                                        </p:tav>
+                                        <p:tav tm="100000">
+                                          <p:val>
+                                            <p:strVal val="#ppt_x"/>
+                                          </p:val>
+                                        </p:tav>
+                                      </p:tavLst>
+                                    </p:anim>
+                                    <p:anim calcmode="lin" valueType="num">
+                                      <p:cBhvr>
+                                        <p:cTn id="16" dur="1000" fill="hold"/>
+                                        <p:tgtEl>
+                                          <p:spTgt spid="7"/>
+                                        </p:tgtEl>
+                                        <p:attrNameLst>
+                                          <p:attrName>ppt_y</p:attrName>
+                                        </p:attrNameLst>
+                                      </p:cBhvr>
+                                      <p:tavLst>
+                                        <p:tav tm="0">
+                                          <p:val>
+                                            <p:strVal val="#ppt_y+.1"/>
+                                          </p:val>
+                                        </p:tav>
+                                        <p:tav tm="100000">
+                                          <p:val>
+                                            <p:strVal val="#ppt_y"/>
+                                          </p:val>
+                                        </p:tav>
+                                      </p:tavLst>
+                                    </p:anim>
+                                  </p:childTnLst>
+                                </p:cTn>
+                              </p:par>
+                            </p:childTnLst>
+                          </p:cTn>
+                        </p:par>
+                      </p:childTnLst>
+                    </p:cTn>
+                  </p:par>
+                  <p:par>
+                    <p:cTn id="17" fill="hold">
+                      <p:stCondLst>
+                        <p:cond delay="indefinite"/>
+                      </p:stCondLst>
+                      <p:childTnLst>
+                        <p:par>
+                          <p:cTn id="18" fill="hold">
+                            <p:stCondLst>
+                              <p:cond delay="0"/>
+                            </p:stCondLst>
+                            <p:childTnLst>
+                              <p:par>
+                                <p:cTn id="19" presetID="42" presetClass="entr" presetSubtype="0" fill="hold" grpId="0" nodeType="clickEffect">
+                                  <p:stCondLst>
+                                    <p:cond delay="0"/>
+                                  </p:stCondLst>
+                                  <p:childTnLst>
+                                    <p:set>
+                                      <p:cBhvr>
+                                        <p:cTn id="20" dur="1" fill="hold">
+                                          <p:stCondLst>
+                                            <p:cond delay="0"/>
+                                          </p:stCondLst>
+                                        </p:cTn>
+                                        <p:tgtEl>
+                                          <p:spTgt spid="8"/>
+                                        </p:tgtEl>
+                                        <p:attrNameLst>
+                                          <p:attrName>style.visibility</p:attrName>
+                                        </p:attrNameLst>
+                                      </p:cBhvr>
+                                      <p:to>
+                                        <p:strVal val="visible"/>
+                                      </p:to>
+                                    </p:set>
+                                    <p:animEffect transition="in" filter="fade">
+                                      <p:cBhvr>
+                                        <p:cTn id="21" dur="1000"/>
+                                        <p:tgtEl>
+                                          <p:spTgt spid="8"/>
+                                        </p:tgtEl>
+                                      </p:cBhvr>
+                                    </p:animEffect>
+                                    <p:anim calcmode="lin" valueType="num">
+                                      <p:cBhvr>
+                                        <p:cTn id="22" dur="1000" fill="hold"/>
+                                        <p:tgtEl>
+                                          <p:spTgt spid="8"/>
+                                        </p:tgtEl>
+                                        <p:attrNameLst>
+                                          <p:attrName>ppt_x</p:attrName>
+                                        </p:attrNameLst>
+                                      </p:cBhvr>
+                                      <p:tavLst>
+                                        <p:tav tm="0">
+                                          <p:val>
+                                            <p:strVal val="#ppt_x"/>
+                                          </p:val>
+                                        </p:tav>
+                                        <p:tav tm="100000">
+                                          <p:val>
+                                            <p:strVal val="#ppt_x"/>
+                                          </p:val>
+                                        </p:tav>
+                                      </p:tavLst>
+                                    </p:anim>
+                                    <p:anim calcmode="lin" valueType="num">
+                                      <p:cBhvr>
+                                        <p:cTn id="23" dur="1000" fill="hold"/>
+                                        <p:tgtEl>
+                                          <p:spTgt spid="8"/>
+                                        </p:tgtEl>
+                                        <p:attrNameLst>
+                                          <p:attrName>ppt_y</p:attrName>
+                                        </p:attrNameLst>
+                                      </p:cBhvr>
+                                      <p:tavLst>
+                                        <p:tav tm="0">
+                                          <p:val>
+                                            <p:strVal val="#ppt_y+.1"/>
+                                          </p:val>
+                                        </p:tav>
+                                        <p:tav tm="100000">
+                                          <p:val>
+                                            <p:strVal val="#ppt_y"/>
+                                          </p:val>
+                                        </p:tav>
+                                      </p:tavLst>
+                                    </p:anim>
+                                  </p:childTnLst>
+                                </p:cTn>
+                              </p:par>
+                            </p:childTnLst>
+                          </p:cTn>
+                        </p:par>
+                      </p:childTnLst>
+                    </p:cTn>
+                  </p:par>
+                </p:childTnLst>
+              </p:cTn>
+              <p:prevCondLst>
+                <p:cond evt="onPrev" delay="0">
+                  <p:tgtEl>
+                    <p:sldTgt/>
+                  </p:tgtEl>
+                </p:cond>
+              </p:prevCondLst>
+              <p:nextCondLst>
+                <p:cond evt="onNext" delay="0">
+                  <p:tgtEl>
+                    <p:sldTgt/>
+                  </p:tgtEl>
+                </p:cond>
+              </p:nextCondLst>
+            </p:seq>
+          </p:childTnLst>
+        </p:cTn>
+      </p:par>
+    </p:tnLst>
+    <p:bldLst>
+      <p:bldP spid="6" grpId="0" animBg="1"/>
+      <p:bldP spid="7" grpId="0" animBg="1"/>
+      <p:bldP spid="8" grpId="0" animBg="1"/>
+    </p:bldLst>
+  </p:timing>
+</p:sld>
+</file>
+
+<file path=ppt/slides/slide39.xml><?xml version="1.0" encoding="utf-8"?>
+<p:sld xmlns:a="http://schemas.openxmlformats.org/drawingml/2006/main" xmlns:r="http://schemas.openxmlformats.org/officeDocument/2006/relationships" xmlns:p="http://schemas.openxmlformats.org/presentationml/2006/main">
+  <p:cSld>
+    <p:spTree>
+      <p:nvGrpSpPr>
+        <p:cNvPr id="1" name=""/>
+        <p:cNvGrpSpPr/>
+        <p:nvPr/>
+      </p:nvGrpSpPr>
+      <p:grpSpPr>
+        <a:xfrm>
+          <a:off x="0" y="0"/>
+          <a:ext cx="0" cy="0"/>
+          <a:chOff x="0" y="0"/>
+          <a:chExt cx="0" cy="0"/>
+        </a:xfrm>
+      </p:grpSpPr>
+      <p:sp>
+        <p:nvSpPr>
+          <p:cNvPr id="2" name="Título 1"/>
+          <p:cNvSpPr>
+            <a:spLocks noGrp="1"/>
+          </p:cNvSpPr>
+          <p:nvPr>
+            <p:ph type="title"/>
+          </p:nvPr>
+        </p:nvSpPr>
+        <p:spPr/>
+        <p:txBody>
+          <a:bodyPr/>
+          <a:lstStyle/>
+          <a:p>
+            <a:endParaRPr lang="en-US"/>
+          </a:p>
+        </p:txBody>
+      </p:sp>
+      <p:sp>
+        <p:nvSpPr>
+          <p:cNvPr id="3" name="Espaço Reservado para Conteúdo 2"/>
+          <p:cNvSpPr>
+            <a:spLocks noGrp="1"/>
+          </p:cNvSpPr>
+          <p:nvPr>
+            <p:ph idx="1"/>
+          </p:nvPr>
+        </p:nvSpPr>
+        <p:spPr/>
+        <p:txBody>
+          <a:bodyPr/>
+          <a:lstStyle/>
+          <a:p>
+            <a:endParaRPr lang="en-US"/>
+          </a:p>
+        </p:txBody>
+      </p:sp>
+      <p:pic>
+        <p:nvPicPr>
+          <p:cNvPr id="4" name="Imagem 3"/>
+          <p:cNvPicPr>
+            <a:picLocks noChangeAspect="1"/>
+          </p:cNvPicPr>
+          <p:nvPr/>
+        </p:nvPicPr>
+        <p:blipFill>
+          <a:blip r:embed="rId2"/>
+          <a:stretch>
+            <a:fillRect/>
+          </a:stretch>
+        </p:blipFill>
+        <p:spPr>
+          <a:xfrm>
+            <a:off x="0" y="0"/>
+            <a:ext cx="12192000" cy="6604000"/>
+          </a:xfrm>
+          <a:prstGeom prst="rect">
+            <a:avLst/>
+          </a:prstGeom>
+        </p:spPr>
+      </p:pic>
+      <p:sp>
+        <p:nvSpPr>
+          <p:cNvPr id="5" name="Seta: para a Esquerda 5">
+            <a:extLst>
+              <a:ext uri="{FF2B5EF4-FFF2-40B4-BE49-F238E27FC236}">
+                <a16:creationId xmlns:a16="http://schemas.microsoft.com/office/drawing/2014/main" xmlns="" id="{120D9DAD-3EB5-4789-8606-6459207ED0A4}"/>
+              </a:ext>
+            </a:extLst>
+          </p:cNvPr>
+          <p:cNvSpPr/>
+          <p:nvPr/>
+        </p:nvSpPr>
+        <p:spPr>
+          <a:xfrm>
+            <a:off x="3658051" y="781163"/>
+            <a:ext cx="1103086" cy="493486"/>
+          </a:xfrm>
+          <a:prstGeom prst="leftArrow">
+            <a:avLst/>
+          </a:prstGeom>
+        </p:spPr>
+        <p:style>
+          <a:lnRef idx="2">
+            <a:schemeClr val="accent1">
+              <a:shade val="50000"/>
+            </a:schemeClr>
+          </a:lnRef>
+          <a:fillRef idx="1">
+            <a:schemeClr val="accent1"/>
+          </a:fillRef>
+          <a:effectRef idx="0">
+            <a:schemeClr val="accent1"/>
+          </a:effectRef>
+          <a:fontRef idx="minor">
+            <a:schemeClr val="lt1"/>
+          </a:fontRef>
+        </p:style>
+        <p:txBody>
+          <a:bodyPr rtlCol="0" anchor="ctr"/>
+          <a:lstStyle/>
+          <a:p>
+            <a:pPr algn="ctr"/>
+            <a:endParaRPr lang="pt-BR" dirty="0"/>
+          </a:p>
+        </p:txBody>
+      </p:sp>
+      <p:sp>
+        <p:nvSpPr>
+          <p:cNvPr id="6" name="Seta: para a Esquerda 5">
+            <a:extLst>
+              <a:ext uri="{FF2B5EF4-FFF2-40B4-BE49-F238E27FC236}">
+                <a16:creationId xmlns:a16="http://schemas.microsoft.com/office/drawing/2014/main" xmlns="" id="{120D9DAD-3EB5-4789-8606-6459207ED0A4}"/>
+              </a:ext>
+            </a:extLst>
+          </p:cNvPr>
+          <p:cNvSpPr/>
+          <p:nvPr/>
+        </p:nvSpPr>
+        <p:spPr>
+          <a:xfrm>
+            <a:off x="3158697" y="3439105"/>
+            <a:ext cx="1103086" cy="493486"/>
+          </a:xfrm>
+          <a:prstGeom prst="leftArrow">
+            <a:avLst/>
+          </a:prstGeom>
+        </p:spPr>
+        <p:style>
+          <a:lnRef idx="2">
+            <a:schemeClr val="accent1">
+              <a:shade val="50000"/>
+            </a:schemeClr>
+          </a:lnRef>
+          <a:fillRef idx="1">
+            <a:schemeClr val="accent1"/>
+          </a:fillRef>
+          <a:effectRef idx="0">
+            <a:schemeClr val="accent1"/>
+          </a:effectRef>
+          <a:fontRef idx="minor">
+            <a:schemeClr val="lt1"/>
+          </a:fontRef>
+        </p:style>
+        <p:txBody>
+          <a:bodyPr rtlCol="0" anchor="ctr"/>
+          <a:lstStyle/>
+          <a:p>
+            <a:pPr algn="ctr"/>
+            <a:endParaRPr lang="pt-BR" dirty="0"/>
+          </a:p>
+        </p:txBody>
+      </p:sp>
+    </p:spTree>
+    <p:extLst>
+      <p:ext uri="{BB962C8B-B14F-4D97-AF65-F5344CB8AC3E}">
+        <p14:creationId xmlns:p14="http://schemas.microsoft.com/office/powerpoint/2010/main" val="4138123878"/>
+      </p:ext>
+    </p:extLst>
+  </p:cSld>
+  <p:clrMapOvr>
+    <a:masterClrMapping/>
+  </p:clrMapOvr>
+  <p:timing>
+    <p:tnLst>
+      <p:par>
+        <p:cTn id="1" dur="indefinite" restart="never" nodeType="tmRoot">
+          <p:childTnLst>
+            <p:seq concurrent="1" nextAc="seek">
+              <p:cTn id="2" dur="indefinite" nodeType="mainSeq">
+                <p:childTnLst>
+                  <p:par>
+                    <p:cTn id="3" fill="hold">
+                      <p:stCondLst>
+                        <p:cond delay="indefinite"/>
+                      </p:stCondLst>
+                      <p:childTnLst>
+                        <p:par>
+                          <p:cTn id="4" fill="hold">
+                            <p:stCondLst>
+                              <p:cond delay="0"/>
+                            </p:stCondLst>
+                            <p:childTnLst>
+                              <p:par>
+                                <p:cTn id="5" presetID="42" presetClass="entr" presetSubtype="0" fill="hold" grpId="0" nodeType="clickEffect">
+                                  <p:stCondLst>
+                                    <p:cond delay="0"/>
+                                  </p:stCondLst>
+                                  <p:childTnLst>
+                                    <p:set>
+                                      <p:cBhvr>
+                                        <p:cTn id="6" dur="1" fill="hold">
+                                          <p:stCondLst>
+                                            <p:cond delay="0"/>
+                                          </p:stCondLst>
+                                        </p:cTn>
+                                        <p:tgtEl>
+                                          <p:spTgt spid="5"/>
+                                        </p:tgtEl>
+                                        <p:attrNameLst>
+                                          <p:attrName>style.visibility</p:attrName>
+                                        </p:attrNameLst>
+                                      </p:cBhvr>
+                                      <p:to>
+                                        <p:strVal val="visible"/>
+                                      </p:to>
+                                    </p:set>
+                                    <p:animEffect transition="in" filter="fade">
+                                      <p:cBhvr>
+                                        <p:cTn id="7" dur="1000"/>
+                                        <p:tgtEl>
+                                          <p:spTgt spid="5"/>
+                                        </p:tgtEl>
+                                      </p:cBhvr>
+                                    </p:animEffect>
+                                    <p:anim calcmode="lin" valueType="num">
+                                      <p:cBhvr>
+                                        <p:cTn id="8" dur="1000" fill="hold"/>
+                                        <p:tgtEl>
+                                          <p:spTgt spid="5"/>
+                                        </p:tgtEl>
+                                        <p:attrNameLst>
+                                          <p:attrName>ppt_x</p:attrName>
+                                        </p:attrNameLst>
+                                      </p:cBhvr>
+                                      <p:tavLst>
+                                        <p:tav tm="0">
+                                          <p:val>
+                                            <p:strVal val="#ppt_x"/>
+                                          </p:val>
+                                        </p:tav>
+                                        <p:tav tm="100000">
+                                          <p:val>
+                                            <p:strVal val="#ppt_x"/>
+                                          </p:val>
+                                        </p:tav>
+                                      </p:tavLst>
+                                    </p:anim>
+                                    <p:anim calcmode="lin" valueType="num">
+                                      <p:cBhvr>
+                                        <p:cTn id="9" dur="1000" fill="hold"/>
+                                        <p:tgtEl>
+                                          <p:spTgt spid="5"/>
+                                        </p:tgtEl>
+                                        <p:attrNameLst>
+                                          <p:attrName>ppt_y</p:attrName>
+                                        </p:attrNameLst>
+                                      </p:cBhvr>
+                                      <p:tavLst>
+                                        <p:tav tm="0">
+                                          <p:val>
+                                            <p:strVal val="#ppt_y+.1"/>
+                                          </p:val>
+                                        </p:tav>
+                                        <p:tav tm="100000">
+                                          <p:val>
+                                            <p:strVal val="#ppt_y"/>
+                                          </p:val>
+                                        </p:tav>
+                                      </p:tavLst>
+                                    </p:anim>
+                                  </p:childTnLst>
+                                </p:cTn>
+                              </p:par>
+                            </p:childTnLst>
+                          </p:cTn>
+                        </p:par>
+                      </p:childTnLst>
+                    </p:cTn>
+                  </p:par>
+                  <p:par>
+                    <p:cTn id="10" fill="hold">
+                      <p:stCondLst>
+                        <p:cond delay="indefinite"/>
+                      </p:stCondLst>
+                      <p:childTnLst>
+                        <p:par>
+                          <p:cTn id="11" fill="hold">
+                            <p:stCondLst>
+                              <p:cond delay="0"/>
+                            </p:stCondLst>
+                            <p:childTnLst>
+                              <p:par>
+                                <p:cTn id="12" presetID="42" presetClass="entr" presetSubtype="0" fill="hold" grpId="0" nodeType="clickEffect">
+                                  <p:stCondLst>
+                                    <p:cond delay="0"/>
+                                  </p:stCondLst>
+                                  <p:childTnLst>
+                                    <p:set>
+                                      <p:cBhvr>
+                                        <p:cTn id="13" dur="1" fill="hold">
+                                          <p:stCondLst>
+                                            <p:cond delay="0"/>
+                                          </p:stCondLst>
+                                        </p:cTn>
+                                        <p:tgtEl>
+                                          <p:spTgt spid="6"/>
+                                        </p:tgtEl>
+                                        <p:attrNameLst>
+                                          <p:attrName>style.visibility</p:attrName>
+                                        </p:attrNameLst>
+                                      </p:cBhvr>
+                                      <p:to>
+                                        <p:strVal val="visible"/>
+                                      </p:to>
+                                    </p:set>
+                                    <p:animEffect transition="in" filter="fade">
+                                      <p:cBhvr>
+                                        <p:cTn id="14" dur="1000"/>
+                                        <p:tgtEl>
+                                          <p:spTgt spid="6"/>
+                                        </p:tgtEl>
+                                      </p:cBhvr>
+                                    </p:animEffect>
+                                    <p:anim calcmode="lin" valueType="num">
+                                      <p:cBhvr>
+                                        <p:cTn id="15" dur="1000" fill="hold"/>
+                                        <p:tgtEl>
+                                          <p:spTgt spid="6"/>
+                                        </p:tgtEl>
+                                        <p:attrNameLst>
+                                          <p:attrName>ppt_x</p:attrName>
+                                        </p:attrNameLst>
+                                      </p:cBhvr>
+                                      <p:tavLst>
+                                        <p:tav tm="0">
+                                          <p:val>
+                                            <p:strVal val="#ppt_x"/>
+                                          </p:val>
+                                        </p:tav>
+                                        <p:tav tm="100000">
+                                          <p:val>
+                                            <p:strVal val="#ppt_x"/>
+                                          </p:val>
+                                        </p:tav>
+                                      </p:tavLst>
+                                    </p:anim>
+                                    <p:anim calcmode="lin" valueType="num">
+                                      <p:cBhvr>
+                                        <p:cTn id="16" dur="1000" fill="hold"/>
+                                        <p:tgtEl>
+                                          <p:spTgt spid="6"/>
+                                        </p:tgtEl>
+                                        <p:attrNameLst>
+                                          <p:attrName>ppt_y</p:attrName>
+                                        </p:attrNameLst>
+                                      </p:cBhvr>
+                                      <p:tavLst>
+                                        <p:tav tm="0">
+                                          <p:val>
+                                            <p:strVal val="#ppt_y+.1"/>
+                                          </p:val>
+                                        </p:tav>
+                                        <p:tav tm="100000">
+                                          <p:val>
+                                            <p:strVal val="#ppt_y"/>
+                                          </p:val>
+                                        </p:tav>
+                                      </p:tavLst>
+                                    </p:anim>
+                                  </p:childTnLst>
+                                </p:cTn>
+                              </p:par>
+                            </p:childTnLst>
+                          </p:cTn>
+                        </p:par>
+                      </p:childTnLst>
+                    </p:cTn>
+                  </p:par>
+                </p:childTnLst>
+              </p:cTn>
+              <p:prevCondLst>
+                <p:cond evt="onPrev" delay="0">
+                  <p:tgtEl>
+                    <p:sldTgt/>
+                  </p:tgtEl>
+                </p:cond>
+              </p:prevCondLst>
+              <p:nextCondLst>
+                <p:cond evt="onNext" delay="0">
+                  <p:tgtEl>
+                    <p:sldTgt/>
+                  </p:tgtEl>
+                </p:cond>
+              </p:nextCondLst>
+            </p:seq>
+          </p:childTnLst>
+        </p:cTn>
+      </p:par>
+    </p:tnLst>
+    <p:bldLst>
+      <p:bldP spid="5" grpId="0" animBg="1"/>
+      <p:bldP spid="6" grpId="0" animBg="1"/>
+    </p:bldLst>
+  </p:timing>
 </p:sld>
 </file>
 
@@ -21448,7 +24234,7 @@
           <p:cNvPr id="2" name="Título 1">
             <a:extLst>
               <a:ext uri="{FF2B5EF4-FFF2-40B4-BE49-F238E27FC236}">
-                <a16:creationId xmlns:a16="http://schemas.microsoft.com/office/drawing/2014/main" id="{F53B5B7C-2C5E-40D0-9FD7-4809D18B56FE}"/>
+                <a16:creationId xmlns:a16="http://schemas.microsoft.com/office/drawing/2014/main" xmlns="" id="{F53B5B7C-2C5E-40D0-9FD7-4809D18B56FE}"/>
               </a:ext>
             </a:extLst>
           </p:cNvPr>
@@ -21490,7 +24276,7 @@
           <p:cNvPr id="2050" name="Picture 2" descr="Resultado de imagem para Java">
             <a:extLst>
               <a:ext uri="{FF2B5EF4-FFF2-40B4-BE49-F238E27FC236}">
-                <a16:creationId xmlns:a16="http://schemas.microsoft.com/office/drawing/2014/main" id="{81902789-E73F-4D24-9393-271339903E41}"/>
+                <a16:creationId xmlns:a16="http://schemas.microsoft.com/office/drawing/2014/main" xmlns="" id="{81902789-E73F-4D24-9393-271339903E41}"/>
               </a:ext>
             </a:extLst>
           </p:cNvPr>
@@ -21537,7 +24323,7 @@
           <p:cNvPr id="2054" name="Picture 6" descr="Resultado de imagem para Mysql">
             <a:extLst>
               <a:ext uri="{FF2B5EF4-FFF2-40B4-BE49-F238E27FC236}">
-                <a16:creationId xmlns:a16="http://schemas.microsoft.com/office/drawing/2014/main" id="{F537877C-A1A5-4DBD-B4A3-B0A88EB250D5}"/>
+                <a16:creationId xmlns:a16="http://schemas.microsoft.com/office/drawing/2014/main" xmlns="" id="{F537877C-A1A5-4DBD-B4A3-B0A88EB250D5}"/>
               </a:ext>
             </a:extLst>
           </p:cNvPr>
@@ -21584,7 +24370,7 @@
           <p:cNvPr id="2056" name="Picture 8" descr="Resultado de imagem para Postman">
             <a:extLst>
               <a:ext uri="{FF2B5EF4-FFF2-40B4-BE49-F238E27FC236}">
-                <a16:creationId xmlns:a16="http://schemas.microsoft.com/office/drawing/2014/main" id="{88C3FDD5-6E74-42FD-B039-335483216C8E}"/>
+                <a16:creationId xmlns:a16="http://schemas.microsoft.com/office/drawing/2014/main" xmlns="" id="{88C3FDD5-6E74-42FD-B039-335483216C8E}"/>
               </a:ext>
             </a:extLst>
           </p:cNvPr>
@@ -21631,7 +24417,7 @@
           <p:cNvPr id="5122" name="Picture 2" descr="Resultado de imagem para Maven">
             <a:extLst>
               <a:ext uri="{FF2B5EF4-FFF2-40B4-BE49-F238E27FC236}">
-                <a16:creationId xmlns:a16="http://schemas.microsoft.com/office/drawing/2014/main" id="{D2D29C8A-0AE8-4B59-AD65-705AF20F0919}"/>
+                <a16:creationId xmlns:a16="http://schemas.microsoft.com/office/drawing/2014/main" xmlns="" id="{D2D29C8A-0AE8-4B59-AD65-705AF20F0919}"/>
               </a:ext>
             </a:extLst>
           </p:cNvPr>
@@ -21678,7 +24464,7 @@
           <p:cNvPr id="9" name="Picture 2" descr="Resultado de imagem para Spring boot">
             <a:extLst>
               <a:ext uri="{FF2B5EF4-FFF2-40B4-BE49-F238E27FC236}">
-                <a16:creationId xmlns:a16="http://schemas.microsoft.com/office/drawing/2014/main" id="{E0DF0C5F-82BE-443E-AF7E-38CC324C8E1D}"/>
+                <a16:creationId xmlns:a16="http://schemas.microsoft.com/office/drawing/2014/main" xmlns="" id="{E0DF0C5F-82BE-443E-AF7E-38CC324C8E1D}"/>
               </a:ext>
             </a:extLst>
           </p:cNvPr>
@@ -21724,7 +24510,7 @@
           <p:cNvPr id="5124" name="Picture 4" descr="Imagem relacionada">
             <a:extLst>
               <a:ext uri="{FF2B5EF4-FFF2-40B4-BE49-F238E27FC236}">
-                <a16:creationId xmlns:a16="http://schemas.microsoft.com/office/drawing/2014/main" id="{66829927-4863-4CDF-AF41-D2903E5182F4}"/>
+                <a16:creationId xmlns:a16="http://schemas.microsoft.com/office/drawing/2014/main" xmlns="" id="{66829927-4863-4CDF-AF41-D2903E5182F4}"/>
               </a:ext>
             </a:extLst>
           </p:cNvPr>
@@ -21779,6 +24565,422 @@
   <p:transition spd="slow">
     <p:push dir="u"/>
   </p:transition>
+</p:sld>
+</file>
+
+<file path=ppt/slides/slide40.xml><?xml version="1.0" encoding="utf-8"?>
+<p:sld xmlns:a="http://schemas.openxmlformats.org/drawingml/2006/main" xmlns:r="http://schemas.openxmlformats.org/officeDocument/2006/relationships" xmlns:p="http://schemas.openxmlformats.org/presentationml/2006/main">
+  <p:cSld>
+    <p:spTree>
+      <p:nvGrpSpPr>
+        <p:cNvPr id="1" name=""/>
+        <p:cNvGrpSpPr/>
+        <p:nvPr/>
+      </p:nvGrpSpPr>
+      <p:grpSpPr>
+        <a:xfrm>
+          <a:off x="0" y="0"/>
+          <a:ext cx="0" cy="0"/>
+          <a:chOff x="0" y="0"/>
+          <a:chExt cx="0" cy="0"/>
+        </a:xfrm>
+      </p:grpSpPr>
+      <p:sp>
+        <p:nvSpPr>
+          <p:cNvPr id="2" name="Título 1"/>
+          <p:cNvSpPr>
+            <a:spLocks noGrp="1"/>
+          </p:cNvSpPr>
+          <p:nvPr>
+            <p:ph type="title"/>
+          </p:nvPr>
+        </p:nvSpPr>
+        <p:spPr/>
+        <p:txBody>
+          <a:bodyPr/>
+          <a:lstStyle/>
+          <a:p>
+            <a:endParaRPr lang="en-US"/>
+          </a:p>
+        </p:txBody>
+      </p:sp>
+      <p:sp>
+        <p:nvSpPr>
+          <p:cNvPr id="3" name="Espaço Reservado para Conteúdo 2"/>
+          <p:cNvSpPr>
+            <a:spLocks noGrp="1"/>
+          </p:cNvSpPr>
+          <p:nvPr>
+            <p:ph idx="1"/>
+          </p:nvPr>
+        </p:nvSpPr>
+        <p:spPr/>
+        <p:txBody>
+          <a:bodyPr/>
+          <a:lstStyle/>
+          <a:p>
+            <a:endParaRPr lang="en-US"/>
+          </a:p>
+        </p:txBody>
+      </p:sp>
+      <p:pic>
+        <p:nvPicPr>
+          <p:cNvPr id="4" name="Imagem 3"/>
+          <p:cNvPicPr>
+            <a:picLocks noChangeAspect="1"/>
+          </p:cNvPicPr>
+          <p:nvPr/>
+        </p:nvPicPr>
+        <p:blipFill>
+          <a:blip r:embed="rId2"/>
+          <a:stretch>
+            <a:fillRect/>
+          </a:stretch>
+        </p:blipFill>
+        <p:spPr>
+          <a:xfrm>
+            <a:off x="0" y="-132405"/>
+            <a:ext cx="12192000" cy="6604000"/>
+          </a:xfrm>
+          <a:prstGeom prst="rect">
+            <a:avLst/>
+          </a:prstGeom>
+        </p:spPr>
+      </p:pic>
+      <p:sp>
+        <p:nvSpPr>
+          <p:cNvPr id="5" name="Seta: para a Esquerda 5">
+            <a:extLst>
+              <a:ext uri="{FF2B5EF4-FFF2-40B4-BE49-F238E27FC236}">
+                <a16:creationId xmlns:a16="http://schemas.microsoft.com/office/drawing/2014/main" xmlns="" id="{120D9DAD-3EB5-4789-8606-6459207ED0A4}"/>
+              </a:ext>
+            </a:extLst>
+          </p:cNvPr>
+          <p:cNvSpPr/>
+          <p:nvPr/>
+        </p:nvSpPr>
+        <p:spPr>
+          <a:xfrm>
+            <a:off x="3645080" y="664431"/>
+            <a:ext cx="1103086" cy="493486"/>
+          </a:xfrm>
+          <a:prstGeom prst="leftArrow">
+            <a:avLst/>
+          </a:prstGeom>
+        </p:spPr>
+        <p:style>
+          <a:lnRef idx="2">
+            <a:schemeClr val="accent1">
+              <a:shade val="50000"/>
+            </a:schemeClr>
+          </a:lnRef>
+          <a:fillRef idx="1">
+            <a:schemeClr val="accent1"/>
+          </a:fillRef>
+          <a:effectRef idx="0">
+            <a:schemeClr val="accent1"/>
+          </a:effectRef>
+          <a:fontRef idx="minor">
+            <a:schemeClr val="lt1"/>
+          </a:fontRef>
+        </p:style>
+        <p:txBody>
+          <a:bodyPr rtlCol="0" anchor="ctr"/>
+          <a:lstStyle/>
+          <a:p>
+            <a:pPr algn="ctr"/>
+            <a:endParaRPr lang="pt-BR" dirty="0"/>
+          </a:p>
+        </p:txBody>
+      </p:sp>
+      <p:sp>
+        <p:nvSpPr>
+          <p:cNvPr id="6" name="Seta: para a Esquerda 5">
+            <a:extLst>
+              <a:ext uri="{FF2B5EF4-FFF2-40B4-BE49-F238E27FC236}">
+                <a16:creationId xmlns:a16="http://schemas.microsoft.com/office/drawing/2014/main" xmlns="" id="{120D9DAD-3EB5-4789-8606-6459207ED0A4}"/>
+              </a:ext>
+            </a:extLst>
+          </p:cNvPr>
+          <p:cNvSpPr/>
+          <p:nvPr/>
+        </p:nvSpPr>
+        <p:spPr>
+          <a:xfrm>
+            <a:off x="2983600" y="3355750"/>
+            <a:ext cx="1103086" cy="493486"/>
+          </a:xfrm>
+          <a:prstGeom prst="leftArrow">
+            <a:avLst/>
+          </a:prstGeom>
+        </p:spPr>
+        <p:style>
+          <a:lnRef idx="2">
+            <a:schemeClr val="accent1">
+              <a:shade val="50000"/>
+            </a:schemeClr>
+          </a:lnRef>
+          <a:fillRef idx="1">
+            <a:schemeClr val="accent1"/>
+          </a:fillRef>
+          <a:effectRef idx="0">
+            <a:schemeClr val="accent1"/>
+          </a:effectRef>
+          <a:fontRef idx="minor">
+            <a:schemeClr val="lt1"/>
+          </a:fontRef>
+        </p:style>
+        <p:txBody>
+          <a:bodyPr rtlCol="0" anchor="ctr"/>
+          <a:lstStyle/>
+          <a:p>
+            <a:pPr algn="ctr"/>
+            <a:endParaRPr lang="pt-BR" dirty="0"/>
+          </a:p>
+        </p:txBody>
+      </p:sp>
+    </p:spTree>
+    <p:extLst>
+      <p:ext uri="{BB962C8B-B14F-4D97-AF65-F5344CB8AC3E}">
+        <p14:creationId xmlns:p14="http://schemas.microsoft.com/office/powerpoint/2010/main" val="1604948991"/>
+      </p:ext>
+    </p:extLst>
+  </p:cSld>
+  <p:clrMapOvr>
+    <a:masterClrMapping/>
+  </p:clrMapOvr>
+  <p:timing>
+    <p:tnLst>
+      <p:par>
+        <p:cTn id="1" dur="indefinite" restart="never" nodeType="tmRoot">
+          <p:childTnLst>
+            <p:seq concurrent="1" nextAc="seek">
+              <p:cTn id="2" dur="indefinite" nodeType="mainSeq">
+                <p:childTnLst>
+                  <p:par>
+                    <p:cTn id="3" fill="hold">
+                      <p:stCondLst>
+                        <p:cond delay="indefinite"/>
+                      </p:stCondLst>
+                      <p:childTnLst>
+                        <p:par>
+                          <p:cTn id="4" fill="hold">
+                            <p:stCondLst>
+                              <p:cond delay="0"/>
+                            </p:stCondLst>
+                            <p:childTnLst>
+                              <p:par>
+                                <p:cTn id="5" presetID="42" presetClass="entr" presetSubtype="0" fill="hold" grpId="0" nodeType="clickEffect">
+                                  <p:stCondLst>
+                                    <p:cond delay="0"/>
+                                  </p:stCondLst>
+                                  <p:childTnLst>
+                                    <p:set>
+                                      <p:cBhvr>
+                                        <p:cTn id="6" dur="1" fill="hold">
+                                          <p:stCondLst>
+                                            <p:cond delay="0"/>
+                                          </p:stCondLst>
+                                        </p:cTn>
+                                        <p:tgtEl>
+                                          <p:spTgt spid="5"/>
+                                        </p:tgtEl>
+                                        <p:attrNameLst>
+                                          <p:attrName>style.visibility</p:attrName>
+                                        </p:attrNameLst>
+                                      </p:cBhvr>
+                                      <p:to>
+                                        <p:strVal val="visible"/>
+                                      </p:to>
+                                    </p:set>
+                                    <p:animEffect transition="in" filter="fade">
+                                      <p:cBhvr>
+                                        <p:cTn id="7" dur="1000"/>
+                                        <p:tgtEl>
+                                          <p:spTgt spid="5"/>
+                                        </p:tgtEl>
+                                      </p:cBhvr>
+                                    </p:animEffect>
+                                    <p:anim calcmode="lin" valueType="num">
+                                      <p:cBhvr>
+                                        <p:cTn id="8" dur="1000" fill="hold"/>
+                                        <p:tgtEl>
+                                          <p:spTgt spid="5"/>
+                                        </p:tgtEl>
+                                        <p:attrNameLst>
+                                          <p:attrName>ppt_x</p:attrName>
+                                        </p:attrNameLst>
+                                      </p:cBhvr>
+                                      <p:tavLst>
+                                        <p:tav tm="0">
+                                          <p:val>
+                                            <p:strVal val="#ppt_x"/>
+                                          </p:val>
+                                        </p:tav>
+                                        <p:tav tm="100000">
+                                          <p:val>
+                                            <p:strVal val="#ppt_x"/>
+                                          </p:val>
+                                        </p:tav>
+                                      </p:tavLst>
+                                    </p:anim>
+                                    <p:anim calcmode="lin" valueType="num">
+                                      <p:cBhvr>
+                                        <p:cTn id="9" dur="1000" fill="hold"/>
+                                        <p:tgtEl>
+                                          <p:spTgt spid="5"/>
+                                        </p:tgtEl>
+                                        <p:attrNameLst>
+                                          <p:attrName>ppt_y</p:attrName>
+                                        </p:attrNameLst>
+                                      </p:cBhvr>
+                                      <p:tavLst>
+                                        <p:tav tm="0">
+                                          <p:val>
+                                            <p:strVal val="#ppt_y+.1"/>
+                                          </p:val>
+                                        </p:tav>
+                                        <p:tav tm="100000">
+                                          <p:val>
+                                            <p:strVal val="#ppt_y"/>
+                                          </p:val>
+                                        </p:tav>
+                                      </p:tavLst>
+                                    </p:anim>
+                                  </p:childTnLst>
+                                </p:cTn>
+                              </p:par>
+                            </p:childTnLst>
+                          </p:cTn>
+                        </p:par>
+                      </p:childTnLst>
+                    </p:cTn>
+                  </p:par>
+                  <p:par>
+                    <p:cTn id="10" fill="hold">
+                      <p:stCondLst>
+                        <p:cond delay="indefinite"/>
+                      </p:stCondLst>
+                      <p:childTnLst>
+                        <p:par>
+                          <p:cTn id="11" fill="hold">
+                            <p:stCondLst>
+                              <p:cond delay="0"/>
+                            </p:stCondLst>
+                            <p:childTnLst>
+                              <p:par>
+                                <p:cTn id="12" presetID="42" presetClass="entr" presetSubtype="0" fill="hold" grpId="0" nodeType="clickEffect">
+                                  <p:stCondLst>
+                                    <p:cond delay="0"/>
+                                  </p:stCondLst>
+                                  <p:childTnLst>
+                                    <p:set>
+                                      <p:cBhvr>
+                                        <p:cTn id="13" dur="1" fill="hold">
+                                          <p:stCondLst>
+                                            <p:cond delay="0"/>
+                                          </p:stCondLst>
+                                        </p:cTn>
+                                        <p:tgtEl>
+                                          <p:spTgt spid="6"/>
+                                        </p:tgtEl>
+                                        <p:attrNameLst>
+                                          <p:attrName>style.visibility</p:attrName>
+                                        </p:attrNameLst>
+                                      </p:cBhvr>
+                                      <p:to>
+                                        <p:strVal val="visible"/>
+                                      </p:to>
+                                    </p:set>
+                                    <p:animEffect transition="in" filter="fade">
+                                      <p:cBhvr>
+                                        <p:cTn id="14" dur="1000"/>
+                                        <p:tgtEl>
+                                          <p:spTgt spid="6"/>
+                                        </p:tgtEl>
+                                      </p:cBhvr>
+                                    </p:animEffect>
+                                    <p:anim calcmode="lin" valueType="num">
+                                      <p:cBhvr>
+                                        <p:cTn id="15" dur="1000" fill="hold"/>
+                                        <p:tgtEl>
+                                          <p:spTgt spid="6"/>
+                                        </p:tgtEl>
+                                        <p:attrNameLst>
+                                          <p:attrName>ppt_x</p:attrName>
+                                        </p:attrNameLst>
+                                      </p:cBhvr>
+                                      <p:tavLst>
+                                        <p:tav tm="0">
+                                          <p:val>
+                                            <p:strVal val="#ppt_x"/>
+                                          </p:val>
+                                        </p:tav>
+                                        <p:tav tm="100000">
+                                          <p:val>
+                                            <p:strVal val="#ppt_x"/>
+                                          </p:val>
+                                        </p:tav>
+                                      </p:tavLst>
+                                    </p:anim>
+                                    <p:anim calcmode="lin" valueType="num">
+                                      <p:cBhvr>
+                                        <p:cTn id="16" dur="1000" fill="hold"/>
+                                        <p:tgtEl>
+                                          <p:spTgt spid="6"/>
+                                        </p:tgtEl>
+                                        <p:attrNameLst>
+                                          <p:attrName>ppt_y</p:attrName>
+                                        </p:attrNameLst>
+                                      </p:cBhvr>
+                                      <p:tavLst>
+                                        <p:tav tm="0">
+                                          <p:val>
+                                            <p:strVal val="#ppt_y+.1"/>
+                                          </p:val>
+                                        </p:tav>
+                                        <p:tav tm="100000">
+                                          <p:val>
+                                            <p:strVal val="#ppt_y"/>
+                                          </p:val>
+                                        </p:tav>
+                                      </p:tavLst>
+                                    </p:anim>
+                                  </p:childTnLst>
+                                </p:cTn>
+                              </p:par>
+                            </p:childTnLst>
+                          </p:cTn>
+                        </p:par>
+                      </p:childTnLst>
+                    </p:cTn>
+                  </p:par>
+                </p:childTnLst>
+              </p:cTn>
+              <p:prevCondLst>
+                <p:cond evt="onPrev" delay="0">
+                  <p:tgtEl>
+                    <p:sldTgt/>
+                  </p:tgtEl>
+                </p:cond>
+              </p:prevCondLst>
+              <p:nextCondLst>
+                <p:cond evt="onNext" delay="0">
+                  <p:tgtEl>
+                    <p:sldTgt/>
+                  </p:tgtEl>
+                </p:cond>
+              </p:nextCondLst>
+            </p:seq>
+          </p:childTnLst>
+        </p:cTn>
+      </p:par>
+    </p:tnLst>
+    <p:bldLst>
+      <p:bldP spid="5" grpId="0" animBg="1"/>
+      <p:bldP spid="6" grpId="0" animBg="1"/>
+    </p:bldLst>
+  </p:timing>
 </p:sld>
 </file>
 
@@ -21836,10 +25038,10 @@
           <p:cNvPr id="9" name="Rectangle 8">
             <a:extLst>
               <a:ext uri="{FF2B5EF4-FFF2-40B4-BE49-F238E27FC236}">
-                <a16:creationId xmlns:a16="http://schemas.microsoft.com/office/drawing/2014/main" id="{A2509F26-B5DC-4BA7-B476-4CB044237A2E}"/>
+                <a16:creationId xmlns:a16="http://schemas.microsoft.com/office/drawing/2014/main" xmlns="" id="{A2509F26-B5DC-4BA7-B476-4CB044237A2E}"/>
               </a:ext>
               <a:ext uri="{C183D7F6-B498-43B3-948B-1728B52AA6E4}">
-                <adec:decorative xmlns:adec="http://schemas.microsoft.com/office/drawing/2017/decorative" val="1"/>
+                <adec:decorative xmlns:adec="http://schemas.microsoft.com/office/drawing/2017/decorative" xmlns="" val="1"/>
               </a:ext>
             </a:extLst>
           </p:cNvPr>
@@ -21849,7 +25051,7 @@
           <p:nvPr>
             <p:extLst>
               <p:ext uri="{386F3935-93C4-4BCD-93E2-E3B085C9AB24}">
-                <p16:designElem xmlns:p16="http://schemas.microsoft.com/office/powerpoint/2015/main" val="1"/>
+                <p16:designElem xmlns:p16="http://schemas.microsoft.com/office/powerpoint/2015/main" xmlns="" val="1"/>
               </p:ext>
             </p:extLst>
           </p:nvPr>
@@ -21925,10 +25127,10 @@
           <p:cNvPr id="11" name="Rectangle 10">
             <a:extLst>
               <a:ext uri="{FF2B5EF4-FFF2-40B4-BE49-F238E27FC236}">
-                <a16:creationId xmlns:a16="http://schemas.microsoft.com/office/drawing/2014/main" id="{DB103EB1-B135-4526-B883-33228FC27FF1}"/>
+                <a16:creationId xmlns:a16="http://schemas.microsoft.com/office/drawing/2014/main" xmlns="" id="{DB103EB1-B135-4526-B883-33228FC27FF1}"/>
               </a:ext>
               <a:ext uri="{C183D7F6-B498-43B3-948B-1728B52AA6E4}">
-                <adec:decorative xmlns:adec="http://schemas.microsoft.com/office/drawing/2017/decorative" val="1"/>
+                <adec:decorative xmlns:adec="http://schemas.microsoft.com/office/drawing/2017/decorative" xmlns="" val="1"/>
               </a:ext>
             </a:extLst>
           </p:cNvPr>
@@ -21938,7 +25140,7 @@
           <p:nvPr>
             <p:extLst>
               <p:ext uri="{386F3935-93C4-4BCD-93E2-E3B085C9AB24}">
-                <p16:designElem xmlns:p16="http://schemas.microsoft.com/office/powerpoint/2015/main" val="1"/>
+                <p16:designElem xmlns:p16="http://schemas.microsoft.com/office/powerpoint/2015/main" xmlns="" val="1"/>
               </p:ext>
             </p:extLst>
           </p:nvPr>
@@ -22027,7 +25229,7 @@
           <p:cNvPr id="4" name="Picture 2" descr="Resultado de imagem para Spring boot">
             <a:extLst>
               <a:ext uri="{FF2B5EF4-FFF2-40B4-BE49-F238E27FC236}">
-                <a16:creationId xmlns:a16="http://schemas.microsoft.com/office/drawing/2014/main" id="{F9DA5B95-7BDB-45FF-8F7E-C9DFBB5CED1B}"/>
+                <a16:creationId xmlns:a16="http://schemas.microsoft.com/office/drawing/2014/main" xmlns="" id="{F9DA5B95-7BDB-45FF-8F7E-C9DFBB5CED1B}"/>
               </a:ext>
             </a:extLst>
           </p:cNvPr>
@@ -22107,7 +25309,7 @@
           <p:cNvPr id="12" name="Imagem 11">
             <a:extLst>
               <a:ext uri="{FF2B5EF4-FFF2-40B4-BE49-F238E27FC236}">
-                <a16:creationId xmlns:a16="http://schemas.microsoft.com/office/drawing/2014/main" id="{3447FF27-CEB2-4E3B-9391-4C802DEC677C}"/>
+                <a16:creationId xmlns:a16="http://schemas.microsoft.com/office/drawing/2014/main" xmlns="" id="{3447FF27-CEB2-4E3B-9391-4C802DEC677C}"/>
               </a:ext>
             </a:extLst>
           </p:cNvPr>
@@ -22137,7 +25339,7 @@
           <p:cNvPr id="5" name="Seta: para a Direita 4">
             <a:extLst>
               <a:ext uri="{FF2B5EF4-FFF2-40B4-BE49-F238E27FC236}">
-                <a16:creationId xmlns:a16="http://schemas.microsoft.com/office/drawing/2014/main" id="{8D12A641-5491-4479-8F71-100FD75C9E81}"/>
+                <a16:creationId xmlns:a16="http://schemas.microsoft.com/office/drawing/2014/main" xmlns="" id="{8D12A641-5491-4479-8F71-100FD75C9E81}"/>
               </a:ext>
             </a:extLst>
           </p:cNvPr>
@@ -22183,7 +25385,7 @@
           <p:cNvPr id="10" name="Retângulo 9">
             <a:extLst>
               <a:ext uri="{FF2B5EF4-FFF2-40B4-BE49-F238E27FC236}">
-                <a16:creationId xmlns:a16="http://schemas.microsoft.com/office/drawing/2014/main" id="{1806D42A-B1DC-497F-A90A-68494123A807}"/>
+                <a16:creationId xmlns:a16="http://schemas.microsoft.com/office/drawing/2014/main" xmlns="" id="{1806D42A-B1DC-497F-A90A-68494123A807}"/>
               </a:ext>
             </a:extLst>
           </p:cNvPr>
@@ -22220,7 +25422,7 @@
           <p:cNvPr id="15" name="Seta: para a Direita 14">
             <a:extLst>
               <a:ext uri="{FF2B5EF4-FFF2-40B4-BE49-F238E27FC236}">
-                <a16:creationId xmlns:a16="http://schemas.microsoft.com/office/drawing/2014/main" id="{9801EFEC-D748-4F93-8D8B-5459A3447521}"/>
+                <a16:creationId xmlns:a16="http://schemas.microsoft.com/office/drawing/2014/main" xmlns="" id="{9801EFEC-D748-4F93-8D8B-5459A3447521}"/>
               </a:ext>
             </a:extLst>
           </p:cNvPr>
@@ -22266,7 +25468,7 @@
           <p:cNvPr id="16" name="Seta: para a Direita 15">
             <a:extLst>
               <a:ext uri="{FF2B5EF4-FFF2-40B4-BE49-F238E27FC236}">
-                <a16:creationId xmlns:a16="http://schemas.microsoft.com/office/drawing/2014/main" id="{7E5B3C83-2D9E-4F03-96DA-B14954218DD1}"/>
+                <a16:creationId xmlns:a16="http://schemas.microsoft.com/office/drawing/2014/main" xmlns="" id="{7E5B3C83-2D9E-4F03-96DA-B14954218DD1}"/>
               </a:ext>
             </a:extLst>
           </p:cNvPr>
@@ -22312,7 +25514,7 @@
           <p:cNvPr id="17" name="Seta: para a Direita 16">
             <a:extLst>
               <a:ext uri="{FF2B5EF4-FFF2-40B4-BE49-F238E27FC236}">
-                <a16:creationId xmlns:a16="http://schemas.microsoft.com/office/drawing/2014/main" id="{633E3BEF-3142-46E9-A0F5-FBD30CCA2D73}"/>
+                <a16:creationId xmlns:a16="http://schemas.microsoft.com/office/drawing/2014/main" xmlns="" id="{633E3BEF-3142-46E9-A0F5-FBD30CCA2D73}"/>
               </a:ext>
             </a:extLst>
           </p:cNvPr>
@@ -22358,7 +25560,7 @@
           <p:cNvPr id="18" name="Seta: para a Direita 17">
             <a:extLst>
               <a:ext uri="{FF2B5EF4-FFF2-40B4-BE49-F238E27FC236}">
-                <a16:creationId xmlns:a16="http://schemas.microsoft.com/office/drawing/2014/main" id="{7214421C-626B-42F0-B71F-D54F3B4A3514}"/>
+                <a16:creationId xmlns:a16="http://schemas.microsoft.com/office/drawing/2014/main" xmlns="" id="{7214421C-626B-42F0-B71F-D54F3B4A3514}"/>
               </a:ext>
             </a:extLst>
           </p:cNvPr>
@@ -23021,7 +26223,7 @@
           <p:cNvPr id="2" name="Título 1">
             <a:extLst>
               <a:ext uri="{FF2B5EF4-FFF2-40B4-BE49-F238E27FC236}">
-                <a16:creationId xmlns:a16="http://schemas.microsoft.com/office/drawing/2014/main" id="{71A2C5E5-A7B5-4D76-9F63-5C9F82A38E01}"/>
+                <a16:creationId xmlns:a16="http://schemas.microsoft.com/office/drawing/2014/main" xmlns="" id="{71A2C5E5-A7B5-4D76-9F63-5C9F82A38E01}"/>
               </a:ext>
             </a:extLst>
           </p:cNvPr>
@@ -23046,7 +26248,7 @@
           <p:cNvPr id="3" name="Espaço Reservado para Conteúdo 2">
             <a:extLst>
               <a:ext uri="{FF2B5EF4-FFF2-40B4-BE49-F238E27FC236}">
-                <a16:creationId xmlns:a16="http://schemas.microsoft.com/office/drawing/2014/main" id="{9D1C4505-95C3-4D50-9964-B836B50611CD}"/>
+                <a16:creationId xmlns:a16="http://schemas.microsoft.com/office/drawing/2014/main" xmlns="" id="{9D1C4505-95C3-4D50-9964-B836B50611CD}"/>
               </a:ext>
             </a:extLst>
           </p:cNvPr>
@@ -23071,7 +26273,7 @@
           <p:cNvPr id="4" name="Imagem 3">
             <a:extLst>
               <a:ext uri="{FF2B5EF4-FFF2-40B4-BE49-F238E27FC236}">
-                <a16:creationId xmlns:a16="http://schemas.microsoft.com/office/drawing/2014/main" id="{98A01628-EDC6-456B-B6E5-3CEA0A1BA621}"/>
+                <a16:creationId xmlns:a16="http://schemas.microsoft.com/office/drawing/2014/main" xmlns="" id="{98A01628-EDC6-456B-B6E5-3CEA0A1BA621}"/>
               </a:ext>
             </a:extLst>
           </p:cNvPr>
@@ -23101,7 +26303,7 @@
           <p:cNvPr id="5" name="Seta: para a Direita 4">
             <a:extLst>
               <a:ext uri="{FF2B5EF4-FFF2-40B4-BE49-F238E27FC236}">
-                <a16:creationId xmlns:a16="http://schemas.microsoft.com/office/drawing/2014/main" id="{E89954E7-487F-45C5-B4DE-F8A2CC53EABD}"/>
+                <a16:creationId xmlns:a16="http://schemas.microsoft.com/office/drawing/2014/main" xmlns="" id="{E89954E7-487F-45C5-B4DE-F8A2CC53EABD}"/>
               </a:ext>
             </a:extLst>
           </p:cNvPr>
@@ -23147,7 +26349,7 @@
           <p:cNvPr id="6" name="Seta: para a Direita 5">
             <a:extLst>
               <a:ext uri="{FF2B5EF4-FFF2-40B4-BE49-F238E27FC236}">
-                <a16:creationId xmlns:a16="http://schemas.microsoft.com/office/drawing/2014/main" id="{A3FAFA0D-9454-4707-952F-2E1372933ED6}"/>
+                <a16:creationId xmlns:a16="http://schemas.microsoft.com/office/drawing/2014/main" xmlns="" id="{A3FAFA0D-9454-4707-952F-2E1372933ED6}"/>
               </a:ext>
             </a:extLst>
           </p:cNvPr>
@@ -23193,7 +26395,7 @@
           <p:cNvPr id="7" name="Seta: para a Direita 6">
             <a:extLst>
               <a:ext uri="{FF2B5EF4-FFF2-40B4-BE49-F238E27FC236}">
-                <a16:creationId xmlns:a16="http://schemas.microsoft.com/office/drawing/2014/main" id="{0BFA1DFF-5362-4F29-832A-A9A60ABD42B8}"/>
+                <a16:creationId xmlns:a16="http://schemas.microsoft.com/office/drawing/2014/main" xmlns="" id="{0BFA1DFF-5362-4F29-832A-A9A60ABD42B8}"/>
               </a:ext>
             </a:extLst>
           </p:cNvPr>
@@ -23239,7 +26441,7 @@
           <p:cNvPr id="8" name="Seta: para a Direita 7">
             <a:extLst>
               <a:ext uri="{FF2B5EF4-FFF2-40B4-BE49-F238E27FC236}">
-                <a16:creationId xmlns:a16="http://schemas.microsoft.com/office/drawing/2014/main" id="{9780D4B3-F93E-4A3C-A840-9E6DC34913DB}"/>
+                <a16:creationId xmlns:a16="http://schemas.microsoft.com/office/drawing/2014/main" xmlns="" id="{9780D4B3-F93E-4A3C-A840-9E6DC34913DB}"/>
               </a:ext>
             </a:extLst>
           </p:cNvPr>
@@ -23285,7 +26487,7 @@
           <p:cNvPr id="9" name="Seta: para a Direita 8">
             <a:extLst>
               <a:ext uri="{FF2B5EF4-FFF2-40B4-BE49-F238E27FC236}">
-                <a16:creationId xmlns:a16="http://schemas.microsoft.com/office/drawing/2014/main" id="{1DFF9E8F-E027-42B5-B6E6-01324DEAFFDB}"/>
+                <a16:creationId xmlns:a16="http://schemas.microsoft.com/office/drawing/2014/main" xmlns="" id="{1DFF9E8F-E027-42B5-B6E6-01324DEAFFDB}"/>
               </a:ext>
             </a:extLst>
           </p:cNvPr>
@@ -23856,7 +27058,7 @@
           <p:cNvPr id="2" name="Título 1">
             <a:extLst>
               <a:ext uri="{FF2B5EF4-FFF2-40B4-BE49-F238E27FC236}">
-                <a16:creationId xmlns:a16="http://schemas.microsoft.com/office/drawing/2014/main" id="{3A9E7654-A0D2-4C9A-8968-6366DF9D2EAD}"/>
+                <a16:creationId xmlns:a16="http://schemas.microsoft.com/office/drawing/2014/main" xmlns="" id="{3A9E7654-A0D2-4C9A-8968-6366DF9D2EAD}"/>
               </a:ext>
             </a:extLst>
           </p:cNvPr>
@@ -23881,7 +27083,7 @@
           <p:cNvPr id="3" name="Espaço Reservado para Conteúdo 2">
             <a:extLst>
               <a:ext uri="{FF2B5EF4-FFF2-40B4-BE49-F238E27FC236}">
-                <a16:creationId xmlns:a16="http://schemas.microsoft.com/office/drawing/2014/main" id="{64BA55DF-A38D-4AB1-8C53-8BCE8C62C48A}"/>
+                <a16:creationId xmlns:a16="http://schemas.microsoft.com/office/drawing/2014/main" xmlns="" id="{64BA55DF-A38D-4AB1-8C53-8BCE8C62C48A}"/>
               </a:ext>
             </a:extLst>
           </p:cNvPr>
@@ -23906,7 +27108,7 @@
           <p:cNvPr id="4" name="Imagem 3">
             <a:extLst>
               <a:ext uri="{FF2B5EF4-FFF2-40B4-BE49-F238E27FC236}">
-                <a16:creationId xmlns:a16="http://schemas.microsoft.com/office/drawing/2014/main" id="{59EB7796-5F29-41E2-83B4-AB35265D889A}"/>
+                <a16:creationId xmlns:a16="http://schemas.microsoft.com/office/drawing/2014/main" xmlns="" id="{59EB7796-5F29-41E2-83B4-AB35265D889A}"/>
               </a:ext>
             </a:extLst>
           </p:cNvPr>
@@ -23936,7 +27138,7 @@
           <p:cNvPr id="5" name="Seta: para a Direita 4">
             <a:extLst>
               <a:ext uri="{FF2B5EF4-FFF2-40B4-BE49-F238E27FC236}">
-                <a16:creationId xmlns:a16="http://schemas.microsoft.com/office/drawing/2014/main" id="{FC042096-AEE2-47D3-B201-1374AF31670E}"/>
+                <a16:creationId xmlns:a16="http://schemas.microsoft.com/office/drawing/2014/main" xmlns="" id="{FC042096-AEE2-47D3-B201-1374AF31670E}"/>
               </a:ext>
             </a:extLst>
           </p:cNvPr>
@@ -23982,7 +27184,7 @@
           <p:cNvPr id="6" name="Seta: para a Direita 5">
             <a:extLst>
               <a:ext uri="{FF2B5EF4-FFF2-40B4-BE49-F238E27FC236}">
-                <a16:creationId xmlns:a16="http://schemas.microsoft.com/office/drawing/2014/main" id="{43C4F980-37C1-4D79-9657-8506A03BD76D}"/>
+                <a16:creationId xmlns:a16="http://schemas.microsoft.com/office/drawing/2014/main" xmlns="" id="{43C4F980-37C1-4D79-9657-8506A03BD76D}"/>
               </a:ext>
             </a:extLst>
           </p:cNvPr>
@@ -24028,7 +27230,7 @@
           <p:cNvPr id="7" name="Seta: para a Direita 6">
             <a:extLst>
               <a:ext uri="{FF2B5EF4-FFF2-40B4-BE49-F238E27FC236}">
-                <a16:creationId xmlns:a16="http://schemas.microsoft.com/office/drawing/2014/main" id="{C3539853-6AFD-49F7-BEEF-439C78AC7769}"/>
+                <a16:creationId xmlns:a16="http://schemas.microsoft.com/office/drawing/2014/main" xmlns="" id="{C3539853-6AFD-49F7-BEEF-439C78AC7769}"/>
               </a:ext>
             </a:extLst>
           </p:cNvPr>
@@ -24074,7 +27276,7 @@
           <p:cNvPr id="10" name="Seta: para a Direita 9">
             <a:extLst>
               <a:ext uri="{FF2B5EF4-FFF2-40B4-BE49-F238E27FC236}">
-                <a16:creationId xmlns:a16="http://schemas.microsoft.com/office/drawing/2014/main" id="{92ACF507-68A0-49BB-9603-64D2BCF724E7}"/>
+                <a16:creationId xmlns:a16="http://schemas.microsoft.com/office/drawing/2014/main" xmlns="" id="{92ACF507-68A0-49BB-9603-64D2BCF724E7}"/>
               </a:ext>
             </a:extLst>
           </p:cNvPr>
@@ -24120,7 +27322,7 @@
           <p:cNvPr id="13" name="Imagem 12">
             <a:extLst>
               <a:ext uri="{FF2B5EF4-FFF2-40B4-BE49-F238E27FC236}">
-                <a16:creationId xmlns:a16="http://schemas.microsoft.com/office/drawing/2014/main" id="{0F57CEAF-ED69-45FE-A027-95EA14DAEC8D}"/>
+                <a16:creationId xmlns:a16="http://schemas.microsoft.com/office/drawing/2014/main" xmlns="" id="{0F57CEAF-ED69-45FE-A027-95EA14DAEC8D}"/>
               </a:ext>
             </a:extLst>
           </p:cNvPr>
@@ -24150,7 +27352,7 @@
           <p:cNvPr id="14" name="Imagem 13">
             <a:extLst>
               <a:ext uri="{FF2B5EF4-FFF2-40B4-BE49-F238E27FC236}">
-                <a16:creationId xmlns:a16="http://schemas.microsoft.com/office/drawing/2014/main" id="{D7FB6B7C-33C4-481F-BC99-EFC6BA55BB73}"/>
+                <a16:creationId xmlns:a16="http://schemas.microsoft.com/office/drawing/2014/main" xmlns="" id="{D7FB6B7C-33C4-481F-BC99-EFC6BA55BB73}"/>
               </a:ext>
             </a:extLst>
           </p:cNvPr>
@@ -24180,7 +27382,7 @@
           <p:cNvPr id="15" name="Imagem 14">
             <a:extLst>
               <a:ext uri="{FF2B5EF4-FFF2-40B4-BE49-F238E27FC236}">
-                <a16:creationId xmlns:a16="http://schemas.microsoft.com/office/drawing/2014/main" id="{E13C6A12-50EE-472A-AB33-B8CCF87286EB}"/>
+                <a16:creationId xmlns:a16="http://schemas.microsoft.com/office/drawing/2014/main" xmlns="" id="{E13C6A12-50EE-472A-AB33-B8CCF87286EB}"/>
               </a:ext>
             </a:extLst>
           </p:cNvPr>
@@ -24210,7 +27412,7 @@
           <p:cNvPr id="16" name="Imagem 15">
             <a:extLst>
               <a:ext uri="{FF2B5EF4-FFF2-40B4-BE49-F238E27FC236}">
-                <a16:creationId xmlns:a16="http://schemas.microsoft.com/office/drawing/2014/main" id="{AD0B3F77-3A1C-4C4C-BD5E-CF955EBD1EBC}"/>
+                <a16:creationId xmlns:a16="http://schemas.microsoft.com/office/drawing/2014/main" xmlns="" id="{AD0B3F77-3A1C-4C4C-BD5E-CF955EBD1EBC}"/>
               </a:ext>
             </a:extLst>
           </p:cNvPr>
@@ -24240,7 +27442,7 @@
           <p:cNvPr id="17" name="Imagem 16">
             <a:extLst>
               <a:ext uri="{FF2B5EF4-FFF2-40B4-BE49-F238E27FC236}">
-                <a16:creationId xmlns:a16="http://schemas.microsoft.com/office/drawing/2014/main" id="{B6FDC9BD-B7FF-4620-A833-7DDF69C503D1}"/>
+                <a16:creationId xmlns:a16="http://schemas.microsoft.com/office/drawing/2014/main" xmlns="" id="{B6FDC9BD-B7FF-4620-A833-7DDF69C503D1}"/>
               </a:ext>
             </a:extLst>
           </p:cNvPr>
@@ -25158,7 +28360,7 @@
           <p:cNvPr id="2" name="Título 1">
             <a:extLst>
               <a:ext uri="{FF2B5EF4-FFF2-40B4-BE49-F238E27FC236}">
-                <a16:creationId xmlns:a16="http://schemas.microsoft.com/office/drawing/2014/main" id="{419CDDF5-0898-4273-A962-71AA6A452014}"/>
+                <a16:creationId xmlns:a16="http://schemas.microsoft.com/office/drawing/2014/main" xmlns="" id="{419CDDF5-0898-4273-A962-71AA6A452014}"/>
               </a:ext>
             </a:extLst>
           </p:cNvPr>
@@ -25183,7 +28385,7 @@
           <p:cNvPr id="3" name="Espaço Reservado para Conteúdo 2">
             <a:extLst>
               <a:ext uri="{FF2B5EF4-FFF2-40B4-BE49-F238E27FC236}">
-                <a16:creationId xmlns:a16="http://schemas.microsoft.com/office/drawing/2014/main" id="{708A707B-690D-4E3F-80C5-3D9BCBC93CAC}"/>
+                <a16:creationId xmlns:a16="http://schemas.microsoft.com/office/drawing/2014/main" xmlns="" id="{708A707B-690D-4E3F-80C5-3D9BCBC93CAC}"/>
               </a:ext>
             </a:extLst>
           </p:cNvPr>
@@ -25208,7 +28410,7 @@
           <p:cNvPr id="4" name="Imagem 3">
             <a:extLst>
               <a:ext uri="{FF2B5EF4-FFF2-40B4-BE49-F238E27FC236}">
-                <a16:creationId xmlns:a16="http://schemas.microsoft.com/office/drawing/2014/main" id="{AB140896-9F06-4B22-B017-8854F6EDBB30}"/>
+                <a16:creationId xmlns:a16="http://schemas.microsoft.com/office/drawing/2014/main" xmlns="" id="{AB140896-9F06-4B22-B017-8854F6EDBB30}"/>
               </a:ext>
             </a:extLst>
           </p:cNvPr>
@@ -25238,7 +28440,7 @@
           <p:cNvPr id="5" name="Seta: para a Direita 4">
             <a:extLst>
               <a:ext uri="{FF2B5EF4-FFF2-40B4-BE49-F238E27FC236}">
-                <a16:creationId xmlns:a16="http://schemas.microsoft.com/office/drawing/2014/main" id="{40F46920-2F41-40E0-AC45-9F200F259D66}"/>
+                <a16:creationId xmlns:a16="http://schemas.microsoft.com/office/drawing/2014/main" xmlns="" id="{40F46920-2F41-40E0-AC45-9F200F259D66}"/>
               </a:ext>
             </a:extLst>
           </p:cNvPr>
@@ -25284,7 +28486,7 @@
           <p:cNvPr id="6" name="Seta: para a Direita 5">
             <a:extLst>
               <a:ext uri="{FF2B5EF4-FFF2-40B4-BE49-F238E27FC236}">
-                <a16:creationId xmlns:a16="http://schemas.microsoft.com/office/drawing/2014/main" id="{D31C231F-7A1B-4772-B0B9-EFDE9443210B}"/>
+                <a16:creationId xmlns:a16="http://schemas.microsoft.com/office/drawing/2014/main" xmlns="" id="{D31C231F-7A1B-4772-B0B9-EFDE9443210B}"/>
               </a:ext>
             </a:extLst>
           </p:cNvPr>
